--- a/地图技术分享.pptx
+++ b/地图技术分享.pptx
@@ -3,22 +3,23 @@
 <p:presentation xmlns:a="http://schemas.openxmlformats.org/drawingml/2006/main" xmlns:r="http://schemas.openxmlformats.org/officeDocument/2006/relationships" xmlns:p="http://schemas.openxmlformats.org/presentationml/2006/main">
   <p:sldMasterIdLst>
     <p:sldMasterId id="2147483648" r:id="rId1"/>
-    <p:sldMasterId id="2147483650" r:id="rId3"/>
-    <p:sldMasterId id="2147483653" r:id="rId4"/>
+    <p:sldMasterId id="2147483650" r:id="rId2"/>
+    <p:sldMasterId id="2147483653" r:id="rId3"/>
   </p:sldMasterIdLst>
   <p:notesMasterIdLst>
     <p:notesMasterId r:id="rId16"/>
   </p:notesMasterIdLst>
   <p:sldIdLst>
-    <p:sldId id="1227" r:id="rId5"/>
-    <p:sldId id="1307" r:id="rId6"/>
-    <p:sldId id="1315" r:id="rId7"/>
-    <p:sldId id="1314" r:id="rId8"/>
-    <p:sldId id="1310" r:id="rId9"/>
-    <p:sldId id="1311" r:id="rId10"/>
-    <p:sldId id="1308" r:id="rId11"/>
-    <p:sldId id="1309" r:id="rId12"/>
-    <p:sldId id="1313" r:id="rId13"/>
+    <p:sldId id="1227" r:id="rId4"/>
+    <p:sldId id="1307" r:id="rId5"/>
+    <p:sldId id="1315" r:id="rId6"/>
+    <p:sldId id="1314" r:id="rId7"/>
+    <p:sldId id="1310" r:id="rId8"/>
+    <p:sldId id="1311" r:id="rId9"/>
+    <p:sldId id="1309" r:id="rId10"/>
+    <p:sldId id="1313" r:id="rId11"/>
+    <p:sldId id="1308" r:id="rId12"/>
+    <p:sldId id="1324" r:id="rId13"/>
     <p:sldId id="1322" r:id="rId14"/>
     <p:sldId id="1323" r:id="rId15"/>
   </p:sldIdLst>
@@ -149,6 +150,22 @@
       </a:defRPr>
     </a:lvl9pPr>
   </p:defaultTextStyle>
+  <p:extLst>
+    <p:ext uri="{EFAFB233-063F-42B5-8137-9DF3F51BA10A}">
+      <p15:sldGuideLst xmlns:p15="http://schemas.microsoft.com/office/powerpoint/2012/main">
+        <p15:guide id="1" orient="horz" pos="2783">
+          <p15:clr>
+            <a:srgbClr val="A4A3A4"/>
+          </p15:clr>
+        </p15:guide>
+        <p15:guide id="2" pos="5634">
+          <p15:clr>
+            <a:srgbClr val="A4A3A4"/>
+          </p15:clr>
+        </p15:guide>
+      </p15:sldGuideLst>
+    </p:ext>
+  </p:extLst>
 </p:presentation>
 </file>
 
@@ -256,6 +273,7 @@
           <a:p>
             <a:fld id="{C7C978B5-8CA8-5D4F-9EF1-64CC13EDE5FA}" type="datetimeFigureOut">
               <a:rPr lang="zh-CN" altLang="en-US"/>
+              <a:t>2020/7/21</a:t>
             </a:fld>
             <a:endParaRPr lang="zh-CN" altLang="en-US"/>
           </a:p>
@@ -317,7 +335,6 @@
               <a:rPr lang="zh-CN" altLang="en-US"/>
               <a:t>单击此处编辑母版文本样式</a:t>
             </a:r>
-            <a:endParaRPr lang="zh-CN" altLang="en-US"/>
           </a:p>
           <a:p>
             <a:pPr lvl="1"/>
@@ -325,7 +342,6 @@
               <a:rPr lang="zh-CN" altLang="en-US"/>
               <a:t>第二级</a:t>
             </a:r>
-            <a:endParaRPr lang="zh-CN" altLang="en-US"/>
           </a:p>
           <a:p>
             <a:pPr lvl="2"/>
@@ -333,7 +349,6 @@
               <a:rPr lang="zh-CN" altLang="en-US"/>
               <a:t>第三级</a:t>
             </a:r>
-            <a:endParaRPr lang="zh-CN" altLang="en-US"/>
           </a:p>
           <a:p>
             <a:pPr lvl="3"/>
@@ -341,7 +356,6 @@
               <a:rPr lang="zh-CN" altLang="en-US"/>
               <a:t>第四级</a:t>
             </a:r>
-            <a:endParaRPr lang="zh-CN" altLang="en-US"/>
           </a:p>
           <a:p>
             <a:pPr lvl="4"/>
@@ -349,7 +363,6 @@
               <a:rPr lang="zh-CN" altLang="en-US"/>
               <a:t>第五级</a:t>
             </a:r>
-            <a:endParaRPr lang="zh-CN" altLang="en-US"/>
           </a:p>
         </p:txBody>
       </p:sp>
@@ -432,6 +445,7 @@
           <a:p>
             <a:fld id="{A2DA7363-DE04-444C-81CA-3A7CFCBE8226}" type="slidenum">
               <a:rPr lang="zh-CN" altLang="en-US"/>
+              <a:t>‹#›</a:t>
             </a:fld>
             <a:endParaRPr lang="zh-CN" altLang="en-US"/>
           </a:p>
@@ -746,7 +760,6 @@
               <a:rPr lang="zh-CN" altLang="en-US"/>
               <a:t>单击此处编辑母版标题样式</a:t>
             </a:r>
-            <a:endParaRPr lang="zh-CN" altLang="en-US"/>
           </a:p>
         </p:txBody>
       </p:sp>
@@ -759,7 +772,7 @@
           <p:nvPr userDrawn="1"/>
         </p:nvPicPr>
         <p:blipFill>
-          <a:blip r:embed="rId2" cstate="screen"/>
+          <a:blip r:embed="rId3" cstate="screen"/>
           <a:stretch>
             <a:fillRect/>
           </a:stretch>
@@ -844,7 +857,7 @@
           <p:nvPr userDrawn="1"/>
         </p:nvPicPr>
         <p:blipFill>
-          <a:blip r:embed="rId3" cstate="email"/>
+          <a:blip r:embed="rId4" cstate="email"/>
           <a:stretch>
             <a:fillRect/>
           </a:stretch>
@@ -1258,14 +1271,6 @@
               </a:rPr>
               <a:t>©2019 ThingsMatrix Inc. Confidential Information. All Rights Reserved. </a:t>
             </a:r>
-            <a:endParaRPr lang="en-US" altLang="zh-CN" sz="1200" dirty="0">
-              <a:solidFill>
-                <a:prstClr val="white"/>
-              </a:solidFill>
-              <a:latin typeface="Calibri" panose="020F0502020204030204" charset="0"/>
-              <a:ea typeface="宋体" panose="02010600030101010101" pitchFamily="2" charset="-122"/>
-              <a:cs typeface="+mn-cs"/>
-            </a:endParaRPr>
           </a:p>
         </p:txBody>
       </p:sp>
@@ -1278,7 +1283,7 @@
           <p:nvPr userDrawn="1"/>
         </p:nvPicPr>
         <p:blipFill>
-          <a:blip r:embed="rId3" cstate="email"/>
+          <a:blip r:embed="rId4" cstate="email"/>
           <a:stretch>
             <a:fillRect/>
           </a:stretch>
@@ -1693,14 +1698,6 @@
               </a:rPr>
               <a:t>©2019 ThingsMatrix Inc. Confidential Information. All Rights Reserved. </a:t>
             </a:r>
-            <a:endParaRPr lang="en-US" altLang="zh-CN" sz="1200" dirty="0">
-              <a:solidFill>
-                <a:prstClr val="white"/>
-              </a:solidFill>
-              <a:latin typeface="Calibri" panose="020F0502020204030204" charset="0"/>
-              <a:ea typeface="宋体" panose="02010600030101010101" pitchFamily="2" charset="-122"/>
-              <a:cs typeface="+mn-cs"/>
-            </a:endParaRPr>
           </a:p>
         </p:txBody>
       </p:sp>
@@ -1713,7 +1710,7 @@
           <p:nvPr userDrawn="1"/>
         </p:nvPicPr>
         <p:blipFill>
-          <a:blip r:embed="rId3" cstate="email"/>
+          <a:blip r:embed="rId4" cstate="email"/>
           <a:stretch>
             <a:fillRect/>
           </a:stretch>
@@ -2065,6 +2062,7 @@
               <a:bevelT w="25400" h="38100"/>
             </a:sp3d>
           </a:bodyPr>
+          <a:lstStyle/>
           <a:p>
             <a:pPr algn="ctr"/>
             <a:r>
@@ -2104,12 +2102,6 @@
               </a:rPr>
               <a:t>开发</a:t>
             </a:r>
-            <a:endParaRPr lang="zh-CN" altLang="en-US" sz="5400">
-              <a:solidFill>
-                <a:schemeClr val="accent4"/>
-              </a:solidFill>
-              <a:effectLst/>
-            </a:endParaRPr>
           </a:p>
         </p:txBody>
       </p:sp>
@@ -2121,9 +2113,126 @@
   <p:timing>
     <p:tnLst>
       <p:par>
-        <p:cTn id="1" dur="indefinite" restart="never" nodeType="tmRoot"/>
+        <p:cTn id="1" dur="indefinite" restart="never" nodeType="tmRoot">
+          <p:childTnLst>
+            <p:seq concurrent="1" nextAc="seek">
+              <p:cTn id="2" dur="indefinite" nodeType="mainSeq">
+                <p:childTnLst>
+                  <p:par>
+                    <p:cTn id="3" fill="hold">
+                      <p:stCondLst>
+                        <p:cond delay="indefinite"/>
+                      </p:stCondLst>
+                      <p:childTnLst>
+                        <p:par>
+                          <p:cTn id="4" fill="hold">
+                            <p:stCondLst>
+                              <p:cond delay="0"/>
+                            </p:stCondLst>
+                            <p:childTnLst>
+                              <p:par>
+                                <p:cTn id="5" presetID="2" presetClass="entr" presetSubtype="4" fill="hold" grpId="0" nodeType="clickEffect">
+                                  <p:stCondLst>
+                                    <p:cond delay="0"/>
+                                  </p:stCondLst>
+                                  <p:childTnLst>
+                                    <p:set>
+                                      <p:cBhvr>
+                                        <p:cTn id="6" dur="1" fill="hold">
+                                          <p:stCondLst>
+                                            <p:cond delay="0"/>
+                                          </p:stCondLst>
+                                        </p:cTn>
+                                        <p:tgtEl>
+                                          <p:spTgt spid="2"/>
+                                        </p:tgtEl>
+                                        <p:attrNameLst>
+                                          <p:attrName>style.visibility</p:attrName>
+                                        </p:attrNameLst>
+                                      </p:cBhvr>
+                                      <p:to>
+                                        <p:strVal val="visible"/>
+                                      </p:to>
+                                    </p:set>
+                                    <p:anim calcmode="lin" valueType="num">
+                                      <p:cBhvr additive="base">
+                                        <p:cTn id="7" dur="500" fill="hold"/>
+                                        <p:tgtEl>
+                                          <p:spTgt spid="2"/>
+                                        </p:tgtEl>
+                                        <p:attrNameLst>
+                                          <p:attrName>ppt_x</p:attrName>
+                                        </p:attrNameLst>
+                                      </p:cBhvr>
+                                      <p:tavLst>
+                                        <p:tav tm="0">
+                                          <p:val>
+                                            <p:strVal val="#ppt_x"/>
+                                          </p:val>
+                                        </p:tav>
+                                        <p:tav tm="100000">
+                                          <p:val>
+                                            <p:strVal val="#ppt_x"/>
+                                          </p:val>
+                                        </p:tav>
+                                      </p:tavLst>
+                                    </p:anim>
+                                    <p:anim calcmode="lin" valueType="num">
+                                      <p:cBhvr additive="base">
+                                        <p:cTn id="8" dur="500" fill="hold"/>
+                                        <p:tgtEl>
+                                          <p:spTgt spid="2"/>
+                                        </p:tgtEl>
+                                        <p:attrNameLst>
+                                          <p:attrName>ppt_y</p:attrName>
+                                        </p:attrNameLst>
+                                      </p:cBhvr>
+                                      <p:tavLst>
+                                        <p:tav tm="0">
+                                          <p:val>
+                                            <p:strVal val="1+#ppt_h/2"/>
+                                          </p:val>
+                                        </p:tav>
+                                        <p:tav tm="100000">
+                                          <p:val>
+                                            <p:strVal val="#ppt_y"/>
+                                          </p:val>
+                                        </p:tav>
+                                      </p:tavLst>
+                                    </p:anim>
+                                  </p:childTnLst>
+                                </p:cTn>
+                              </p:par>
+                            </p:childTnLst>
+                          </p:cTn>
+                        </p:par>
+                      </p:childTnLst>
+                    </p:cTn>
+                  </p:par>
+                </p:childTnLst>
+              </p:cTn>
+              <p:prevCondLst>
+                <p:cond evt="onPrev" delay="0">
+                  <p:tgtEl>
+                    <p:sldTgt/>
+                  </p:tgtEl>
+                </p:cond>
+              </p:prevCondLst>
+              <p:nextCondLst>
+                <p:cond evt="onNext" delay="0">
+                  <p:tgtEl>
+                    <p:sldTgt/>
+                  </p:tgtEl>
+                </p:cond>
+              </p:nextCondLst>
+            </p:seq>
+          </p:childTnLst>
+        </p:cTn>
       </p:par>
     </p:tnLst>
+    <p:bldLst>
+      <p:bldP spid="2" grpId="0"/>
+    </p:bldLst>
   </p:timing>
 </p:sld>
 </file>
@@ -2137,7 +2246,14 @@
         <p:cNvGrpSpPr/>
         <p:nvPr/>
       </p:nvGrpSpPr>
-      <p:grpSpPr/>
+      <p:grpSpPr>
+        <a:xfrm>
+          <a:off x="0" y="0"/>
+          <a:ext cx="0" cy="0"/>
+          <a:chOff x="0" y="0"/>
+          <a:chExt cx="0" cy="0"/>
+        </a:xfrm>
+      </p:grpSpPr>
       <p:sp>
         <p:nvSpPr>
           <p:cNvPr id="2" name="文本框 1"/>
@@ -2146,8 +2262,8 @@
         </p:nvSpPr>
         <p:spPr>
           <a:xfrm>
-            <a:off x="826135" y="645795"/>
-            <a:ext cx="7130415" cy="1691640"/>
+            <a:off x="231774" y="1131590"/>
+            <a:ext cx="8856984" cy="2508379"/>
           </a:xfrm>
           <a:prstGeom prst="rect">
             <a:avLst/>
@@ -2158,182 +2274,184 @@
           <a:bodyPr wrap="square" rtlCol="0">
             <a:spAutoFit/>
           </a:bodyPr>
-          <a:p>
-            <a:r>
-              <a:rPr lang="zh-CN" altLang="en-US"/>
-              <a:t>聚合marker</a:t>
-            </a:r>
-            <a:endParaRPr lang="zh-CN" altLang="en-US"/>
-          </a:p>
-          <a:p>
-            <a:r>
-              <a:rPr lang="zh-CN" altLang="en-US"/>
-              <a:t>MarkerClusterer标记聚合器用来解决加载大量点要素到地图上产生覆盖现象的问题，并提高性能。 主入口类是MarkerClusterer。</a:t>
-            </a:r>
-            <a:endParaRPr lang="zh-CN" altLang="en-US"/>
-          </a:p>
-          <a:p>
-            <a:endParaRPr lang="zh-CN" altLang="en-US"/>
-          </a:p>
-          <a:p>
-            <a:r>
-              <a:rPr lang="zh-CN" altLang="en-US">
-                <a:sym typeface="+mn-ea"/>
-              </a:rPr>
-              <a:t>项目中，图标标注</a:t>
-            </a:r>
-            <a:r>
-              <a:rPr lang="en-US" altLang="zh-CN">
-                <a:sym typeface="+mn-ea"/>
-              </a:rPr>
-              <a:t>marker</a:t>
-            </a:r>
-            <a:r>
-              <a:rPr lang="zh-CN" altLang="en-US">
-                <a:sym typeface="+mn-ea"/>
-              </a:rPr>
-              <a:t>点数量过多，达到</a:t>
-            </a:r>
-            <a:r>
-              <a:rPr lang="en-US" altLang="zh-CN">
-                <a:sym typeface="+mn-ea"/>
-              </a:rPr>
-              <a:t>300</a:t>
-            </a:r>
-            <a:r>
-              <a:rPr lang="zh-CN" altLang="en-US">
-                <a:sym typeface="+mn-ea"/>
-              </a:rPr>
-              <a:t>时，地图页面将会卡顿或崩溃。</a:t>
-            </a:r>
-            <a:endParaRPr lang="zh-CN" altLang="en-US">
-              <a:sym typeface="+mn-ea"/>
-            </a:endParaRPr>
-          </a:p>
-          <a:p>
-            <a:r>
-              <a:rPr lang="zh-CN" altLang="en-US">
-                <a:sym typeface="+mn-ea"/>
-              </a:rPr>
-              <a:t>解决方案之一：利用我们MarkerClusterer标记聚合器，将</a:t>
-            </a:r>
-            <a:r>
-              <a:rPr lang="zh-CN" altLang="en-US">
-                <a:solidFill>
-                  <a:srgbClr val="FF0000"/>
-                </a:solidFill>
-                <a:sym typeface="+mn-ea"/>
-              </a:rPr>
-              <a:t>规定范围</a:t>
-            </a:r>
-            <a:r>
-              <a:rPr lang="zh-CN" altLang="en-US">
-                <a:sym typeface="+mn-ea"/>
-              </a:rPr>
-              <a:t>内的</a:t>
-            </a:r>
-            <a:r>
-              <a:rPr lang="en-US" altLang="zh-CN">
-                <a:sym typeface="+mn-ea"/>
-              </a:rPr>
-              <a:t>marker</a:t>
-            </a:r>
-            <a:r>
-              <a:rPr lang="zh-CN" altLang="en-US">
-                <a:sym typeface="+mn-ea"/>
-              </a:rPr>
-              <a:t>聚合用一个新</a:t>
-            </a:r>
-            <a:r>
-              <a:rPr lang="en-US" altLang="zh-CN">
-                <a:sym typeface="+mn-ea"/>
-              </a:rPr>
-              <a:t>marker</a:t>
-            </a:r>
-            <a:r>
-              <a:rPr lang="zh-CN" altLang="en-US">
-                <a:sym typeface="+mn-ea"/>
-              </a:rPr>
-              <a:t>（即</a:t>
-            </a:r>
-            <a:r>
-              <a:rPr lang="en-US" altLang="zh-CN">
-                <a:sym typeface="+mn-ea"/>
-              </a:rPr>
-              <a:t>cluster</a:t>
-            </a:r>
-            <a:r>
-              <a:rPr lang="zh-CN" altLang="en-US">
-                <a:sym typeface="+mn-ea"/>
-              </a:rPr>
-              <a:t>）代替。此方案可以将</a:t>
-            </a:r>
-            <a:r>
-              <a:rPr lang="en-US" altLang="zh-CN">
-                <a:sym typeface="+mn-ea"/>
-              </a:rPr>
-              <a:t>marker</a:t>
-            </a:r>
-            <a:r>
-              <a:rPr lang="zh-CN" altLang="en-US">
-                <a:sym typeface="+mn-ea"/>
-              </a:rPr>
-              <a:t>点数量提升到</a:t>
-            </a:r>
-            <a:r>
-              <a:rPr lang="en-US" altLang="zh-CN">
-                <a:sym typeface="+mn-ea"/>
-              </a:rPr>
-              <a:t>4-5</a:t>
-            </a:r>
-            <a:r>
-              <a:rPr lang="zh-CN" altLang="en-US">
-                <a:sym typeface="+mn-ea"/>
-              </a:rPr>
-              <a:t>万。</a:t>
-            </a:r>
-            <a:endParaRPr lang="zh-CN" altLang="en-US">
-              <a:sym typeface="+mn-ea"/>
-            </a:endParaRPr>
-          </a:p>
-          <a:p>
-            <a:endParaRPr lang="zh-CN" altLang="en-US"/>
+          <a:lstStyle/>
+          <a:p>
+            <a:r>
+              <a:rPr lang="zh-CN" altLang="en-US" sz="1800" dirty="0" smtClean="0"/>
+              <a:t>要素</a:t>
+            </a:r>
+            <a:r>
+              <a:rPr lang="zh-CN" altLang="en-US" sz="1800" dirty="0"/>
+              <a:t>：</a:t>
+            </a:r>
+          </a:p>
+          <a:p>
+            <a:pPr lvl="1"/>
+            <a:r>
+              <a:rPr lang="en-US" altLang="zh-CN" sz="1800" dirty="0"/>
+              <a:t>1</a:t>
+            </a:r>
+            <a:r>
+              <a:rPr lang="zh-CN" altLang="en-US" sz="1800" dirty="0"/>
+              <a:t>、定义构造函数并继承</a:t>
+            </a:r>
+            <a:r>
+              <a:rPr lang="en-US" altLang="zh-CN" sz="1800" dirty="0"/>
+              <a:t>overlay</a:t>
+            </a:r>
+            <a:r>
+              <a:rPr lang="zh-CN" altLang="en-US" sz="1800" dirty="0"/>
+              <a:t>基础类；</a:t>
+            </a:r>
+          </a:p>
+          <a:p>
+            <a:pPr lvl="1"/>
+            <a:r>
+              <a:rPr lang="en-US" altLang="zh-CN" sz="1800" dirty="0"/>
+              <a:t>2</a:t>
+            </a:r>
+            <a:r>
+              <a:rPr lang="zh-CN" altLang="en-US" sz="1800" dirty="0"/>
+              <a:t>、提供initialize方法，用于</a:t>
+            </a:r>
+            <a:r>
+              <a:rPr lang="zh-CN" altLang="en-US" sz="1800" dirty="0">
+                <a:sym typeface="+mn-ea"/>
+              </a:rPr>
+              <a:t>初始化</a:t>
+            </a:r>
+            <a:r>
+              <a:rPr lang="zh-CN" altLang="en-US" sz="1800" dirty="0"/>
+              <a:t>自定义覆盖物，</a:t>
+            </a:r>
+            <a:r>
+              <a:rPr lang="zh-CN" altLang="en-US" sz="1800" dirty="0">
+                <a:sym typeface="+mn-ea"/>
+              </a:rPr>
+              <a:t>在</a:t>
+            </a:r>
+            <a:r>
+              <a:rPr lang="en-US" altLang="zh-CN" sz="1800" dirty="0" err="1">
+                <a:sym typeface="+mn-ea"/>
+              </a:rPr>
+              <a:t>map.addOverlay</a:t>
+            </a:r>
+            <a:r>
+              <a:rPr lang="zh-CN" altLang="en-US" sz="1800" dirty="0">
+                <a:sym typeface="+mn-ea"/>
+              </a:rPr>
+              <a:t>时触发；</a:t>
+            </a:r>
+            <a:endParaRPr lang="zh-CN" altLang="en-US" sz="1800" dirty="0"/>
+          </a:p>
+          <a:p>
+            <a:pPr lvl="1"/>
+            <a:r>
+              <a:rPr lang="en-US" altLang="zh-CN" sz="1800" dirty="0"/>
+              <a:t>3</a:t>
+            </a:r>
+            <a:r>
+              <a:rPr lang="zh-CN" altLang="en-US" sz="1800" dirty="0"/>
+              <a:t>、</a:t>
+            </a:r>
+            <a:r>
+              <a:rPr lang="zh-CN" altLang="en-US" sz="1800" dirty="0">
+                <a:sym typeface="+mn-ea"/>
+              </a:rPr>
+              <a:t>提供</a:t>
+            </a:r>
+            <a:r>
+              <a:rPr lang="en-US" altLang="zh-CN" sz="1800" dirty="0">
+                <a:sym typeface="+mn-ea"/>
+              </a:rPr>
+              <a:t>draw</a:t>
+            </a:r>
+            <a:r>
+              <a:rPr lang="zh-CN" altLang="en-US" sz="1800" dirty="0">
+                <a:sym typeface="+mn-ea"/>
+              </a:rPr>
+              <a:t>方法，用于绘制自定义覆盖物位置，在地图发生变化（移动、缩放）时触发；</a:t>
+            </a:r>
+          </a:p>
+          <a:p>
+            <a:pPr lvl="1"/>
+            <a:r>
+              <a:rPr lang="en-US" altLang="zh-CN" sz="1800" dirty="0"/>
+              <a:t>4</a:t>
+            </a:r>
+            <a:r>
+              <a:rPr lang="zh-CN" altLang="en-US" sz="1800" dirty="0"/>
+              <a:t>、添加覆盖物map.addOverlay(mySquare);</a:t>
+            </a:r>
+          </a:p>
+          <a:p>
+            <a:pPr lvl="1"/>
+            <a:endParaRPr lang="zh-CN" altLang="en-US" sz="1800" dirty="0"/>
+          </a:p>
+          <a:p>
+            <a:pPr lvl="1"/>
+            <a:r>
+              <a:rPr lang="zh-CN" altLang="en-US" sz="1800" dirty="0"/>
+              <a:t>http://lbsyun.baidu.com/jsdemo.htm#c1_11</a:t>
+            </a:r>
+          </a:p>
+          <a:p>
+            <a:endParaRPr lang="zh-CN" altLang="en-US" dirty="0"/>
           </a:p>
         </p:txBody>
       </p:sp>
-      <p:pic>
-        <p:nvPicPr>
-          <p:cNvPr id="3" name="图片 2"/>
-          <p:cNvPicPr>
-            <a:picLocks noChangeAspect="1"/>
-          </p:cNvPicPr>
+      <p:sp>
+        <p:nvSpPr>
+          <p:cNvPr id="3" name="文本框 2"/>
+          <p:cNvSpPr txBox="1"/>
           <p:nvPr/>
-        </p:nvPicPr>
-        <p:blipFill>
-          <a:blip r:embed="rId1"/>
-          <a:stretch>
-            <a:fillRect/>
-          </a:stretch>
-        </p:blipFill>
+        </p:nvSpPr>
         <p:spPr>
           <a:xfrm>
-            <a:off x="1798955" y="2454910"/>
-            <a:ext cx="5248275" cy="2090420"/>
+            <a:off x="231774" y="177732"/>
+            <a:ext cx="2396009" cy="292388"/>
           </a:xfrm>
           <a:prstGeom prst="rect">
             <a:avLst/>
           </a:prstGeom>
+          <a:noFill/>
         </p:spPr>
-      </p:pic>
+        <p:txBody>
+          <a:bodyPr wrap="square" rtlCol="0">
+            <a:spAutoFit/>
+          </a:bodyPr>
+          <a:lstStyle/>
+          <a:p>
+            <a:r>
+              <a:rPr lang="en-US" altLang="zh-CN" dirty="0"/>
+              <a:t>4</a:t>
+            </a:r>
+            <a:r>
+              <a:rPr lang="zh-CN" altLang="en-US" dirty="0" smtClean="0"/>
+              <a:t>、自定义覆盖物：</a:t>
+            </a:r>
+            <a:endParaRPr lang="zh-CN" altLang="en-US" dirty="0"/>
+          </a:p>
+        </p:txBody>
+      </p:sp>
     </p:spTree>
-    <p:custDataLst>
-      <p:tags r:id="rId2"/>
-    </p:custDataLst>
+    <p:extLst>
+      <p:ext uri="{BB962C8B-B14F-4D97-AF65-F5344CB8AC3E}">
+        <p14:creationId xmlns:p14="http://schemas.microsoft.com/office/powerpoint/2010/main" val="1091898183"/>
+      </p:ext>
+    </p:extLst>
   </p:cSld>
   <p:clrMapOvr>
     <a:masterClrMapping/>
   </p:clrMapOvr>
   <p:transition/>
+  <p:timing>
+    <p:tnLst>
+      <p:par>
+        <p:cTn id="1" dur="indefinite" restart="never" nodeType="tmRoot"/>
+      </p:par>
+    </p:tnLst>
+  </p:timing>
 </p:sld>
 </file>
 
@@ -2346,7 +2464,14 @@
         <p:cNvGrpSpPr/>
         <p:nvPr/>
       </p:nvGrpSpPr>
-      <p:grpSpPr/>
+      <p:grpSpPr>
+        <a:xfrm>
+          <a:off x="0" y="0"/>
+          <a:ext cx="0" cy="0"/>
+          <a:chOff x="0" y="0"/>
+          <a:chExt cx="0" cy="0"/>
+        </a:xfrm>
+      </p:grpSpPr>
       <p:sp>
         <p:nvSpPr>
           <p:cNvPr id="2" name="文本框 1"/>
@@ -2355,8 +2480,8 @@
         </p:nvSpPr>
         <p:spPr>
           <a:xfrm>
-            <a:off x="1078230" y="1090930"/>
-            <a:ext cx="5949950" cy="1891665"/>
+            <a:off x="826135" y="645795"/>
+            <a:ext cx="7418273" cy="2693045"/>
           </a:xfrm>
           <a:prstGeom prst="rect">
             <a:avLst/>
@@ -2367,144 +2492,472 @@
           <a:bodyPr wrap="square" rtlCol="0">
             <a:spAutoFit/>
           </a:bodyPr>
-          <a:p>
-            <a:r>
-              <a:rPr lang="zh-CN" altLang="en-US"/>
-              <a:t>性能优化：</a:t>
-            </a:r>
-            <a:endParaRPr lang="zh-CN" altLang="en-US"/>
-          </a:p>
-          <a:p>
-            <a:r>
-              <a:rPr lang="zh-CN" altLang="en-US"/>
-              <a:t>方案一：</a:t>
-            </a:r>
-            <a:r>
-              <a:rPr lang="en-US" altLang="zh-CN"/>
+          <a:lstStyle/>
+          <a:p>
+            <a:r>
+              <a:rPr lang="zh-CN" altLang="en-US" dirty="0"/>
+              <a:t>聚合marker</a:t>
+            </a:r>
+          </a:p>
+          <a:p>
+            <a:r>
+              <a:rPr lang="zh-CN" altLang="en-US" dirty="0"/>
+              <a:t>MarkerClusterer标记聚合器用来解决加载大量点要素到地图上产生覆盖现象的问题，并提高性能。 主入口类是MarkerClusterer</a:t>
+            </a:r>
+            <a:r>
+              <a:rPr lang="zh-CN" altLang="en-US" dirty="0" smtClean="0"/>
+              <a:t>。</a:t>
+            </a:r>
+            <a:endParaRPr lang="en-US" altLang="zh-CN" dirty="0" smtClean="0"/>
+          </a:p>
+          <a:p>
+            <a:endParaRPr lang="zh-CN" altLang="en-US" dirty="0"/>
+          </a:p>
+          <a:p>
+            <a:r>
+              <a:rPr lang="en-US" altLang="zh-CN" dirty="0" smtClean="0"/>
+              <a:t>1</a:t>
+            </a:r>
+            <a:r>
+              <a:rPr lang="zh-CN" altLang="en-US" dirty="0" smtClean="0"/>
+              <a:t>、</a:t>
+            </a:r>
+            <a:r>
+              <a:rPr lang="en-US" altLang="zh-CN" dirty="0" err="1" smtClean="0"/>
+              <a:t>jsDemo</a:t>
+            </a:r>
+            <a:r>
+              <a:rPr lang="zh-CN" altLang="en-US" dirty="0" smtClean="0"/>
+              <a:t>中，</a:t>
+            </a:r>
+            <a:r>
+              <a:rPr lang="zh-CN" altLang="en-US" dirty="0">
+                <a:sym typeface="+mn-ea"/>
+              </a:rPr>
+              <a:t>图标标注</a:t>
+            </a:r>
+            <a:r>
+              <a:rPr lang="en-US" altLang="zh-CN" dirty="0">
+                <a:sym typeface="+mn-ea"/>
+              </a:rPr>
               <a:t>marker</a:t>
             </a:r>
             <a:r>
-              <a:rPr lang="zh-CN" altLang="en-US"/>
-              <a:t>点</a:t>
-            </a:r>
-            <a:r>
-              <a:rPr lang="en-US" altLang="zh-CN"/>
-              <a:t>+cluster</a:t>
-            </a:r>
-            <a:r>
-              <a:rPr lang="zh-CN" altLang="en-US"/>
-              <a:t>点聚合</a:t>
-            </a:r>
-            <a:endParaRPr lang="zh-CN" altLang="en-US"/>
-          </a:p>
-          <a:p>
-            <a:r>
-              <a:rPr lang="zh-CN" altLang="en-US"/>
-              <a:t>方案二：</a:t>
-            </a:r>
-            <a:r>
-              <a:rPr lang="en-US" altLang="zh-CN">
+              <a:rPr lang="zh-CN" altLang="en-US" dirty="0">
+                <a:sym typeface="+mn-ea"/>
+              </a:rPr>
+              <a:t>点数量过多，</a:t>
+            </a:r>
+            <a:r>
+              <a:rPr lang="zh-CN" altLang="en-US" dirty="0" smtClean="0">
+                <a:sym typeface="+mn-ea"/>
+              </a:rPr>
+              <a:t>达到</a:t>
+            </a:r>
+            <a:r>
+              <a:rPr lang="en-US" altLang="zh-CN" dirty="0" smtClean="0">
+                <a:sym typeface="+mn-ea"/>
+              </a:rPr>
+              <a:t>2000</a:t>
+            </a:r>
+            <a:r>
+              <a:rPr lang="zh-CN" altLang="en-US" dirty="0">
+                <a:sym typeface="+mn-ea"/>
+              </a:rPr>
+              <a:t>时，地图页面将会卡顿；</a:t>
+            </a:r>
+            <a:r>
+              <a:rPr lang="en-US" altLang="zh-CN" dirty="0">
+                <a:sym typeface="+mn-ea"/>
+              </a:rPr>
+              <a:t>2200</a:t>
+            </a:r>
+            <a:r>
+              <a:rPr lang="zh-CN" altLang="en-US" dirty="0">
+                <a:sym typeface="+mn-ea"/>
+              </a:rPr>
+              <a:t>时，会</a:t>
+            </a:r>
+            <a:r>
+              <a:rPr lang="zh-CN" altLang="en-US" dirty="0" smtClean="0">
+                <a:sym typeface="+mn-ea"/>
+              </a:rPr>
+              <a:t>崩溃</a:t>
+            </a:r>
+            <a:r>
+              <a:rPr lang="zh-CN" altLang="en-US" dirty="0">
+                <a:sym typeface="+mn-ea"/>
+              </a:rPr>
+              <a:t>；</a:t>
+            </a:r>
+            <a:endParaRPr lang="zh-CN" altLang="en-US" dirty="0"/>
+          </a:p>
+          <a:p>
+            <a:r>
+              <a:rPr lang="en-US" altLang="zh-CN" dirty="0" smtClean="0">
+                <a:sym typeface="+mn-ea"/>
+              </a:rPr>
+              <a:t>2</a:t>
+            </a:r>
+            <a:r>
+              <a:rPr lang="zh-CN" altLang="en-US" dirty="0" smtClean="0">
+                <a:sym typeface="+mn-ea"/>
+              </a:rPr>
+              <a:t>、</a:t>
+            </a:r>
+            <a:r>
+              <a:rPr lang="en-US" altLang="zh-CN" dirty="0" err="1" smtClean="0">
+                <a:sym typeface="+mn-ea"/>
+              </a:rPr>
+              <a:t>vueDemo</a:t>
+            </a:r>
+            <a:r>
+              <a:rPr lang="zh-CN" altLang="en-US" dirty="0" smtClean="0">
+                <a:sym typeface="+mn-ea"/>
+              </a:rPr>
+              <a:t>中</a:t>
+            </a:r>
+            <a:r>
+              <a:rPr lang="zh-CN" altLang="en-US" dirty="0">
+                <a:sym typeface="+mn-ea"/>
+              </a:rPr>
+              <a:t>，图标标注</a:t>
+            </a:r>
+            <a:r>
+              <a:rPr lang="en-US" altLang="zh-CN" dirty="0">
                 <a:sym typeface="+mn-ea"/>
               </a:rPr>
               <a:t>marker</a:t>
             </a:r>
             <a:r>
-              <a:rPr lang="zh-CN" altLang="en-US">
-                <a:sym typeface="+mn-ea"/>
-              </a:rPr>
-              <a:t>点</a:t>
-            </a:r>
-            <a:r>
-              <a:rPr lang="en-US" altLang="zh-CN">
-                <a:sym typeface="+mn-ea"/>
-              </a:rPr>
-              <a:t>+</a:t>
-            </a:r>
-            <a:r>
-              <a:rPr lang="en-US" altLang="zh-CN"/>
+              <a:rPr lang="zh-CN" altLang="en-US" dirty="0">
+                <a:sym typeface="+mn-ea"/>
+              </a:rPr>
+              <a:t>点数量过多，</a:t>
+            </a:r>
+            <a:r>
+              <a:rPr lang="zh-CN" altLang="en-US" dirty="0" smtClean="0">
+                <a:sym typeface="+mn-ea"/>
+              </a:rPr>
+              <a:t>达到</a:t>
+            </a:r>
+            <a:r>
+              <a:rPr lang="en-US" altLang="zh-CN" dirty="0" smtClean="0">
+                <a:sym typeface="+mn-ea"/>
+              </a:rPr>
+              <a:t>1500</a:t>
+            </a:r>
+            <a:r>
+              <a:rPr lang="zh-CN" altLang="en-US" dirty="0">
+                <a:sym typeface="+mn-ea"/>
+              </a:rPr>
+              <a:t>时，地图页面将会卡</a:t>
+            </a:r>
+            <a:r>
+              <a:rPr lang="zh-CN" altLang="en-US" dirty="0" smtClean="0">
+                <a:sym typeface="+mn-ea"/>
+              </a:rPr>
+              <a:t>顿；</a:t>
+            </a:r>
+            <a:r>
+              <a:rPr lang="en-US" altLang="zh-CN" dirty="0" smtClean="0">
+                <a:sym typeface="+mn-ea"/>
+              </a:rPr>
+              <a:t>1800</a:t>
+            </a:r>
+            <a:r>
+              <a:rPr lang="zh-CN" altLang="en-US" dirty="0" smtClean="0">
+                <a:sym typeface="+mn-ea"/>
+              </a:rPr>
+              <a:t>时，会崩溃</a:t>
+            </a:r>
+            <a:r>
+              <a:rPr lang="zh-CN" altLang="en-US" dirty="0">
+                <a:sym typeface="+mn-ea"/>
+              </a:rPr>
+              <a:t>。</a:t>
+            </a:r>
+          </a:p>
+          <a:p>
+            <a:r>
+              <a:rPr lang="zh-CN" altLang="en-US" dirty="0">
+                <a:sym typeface="+mn-ea"/>
+              </a:rPr>
+              <a:t>解决方案之一：利用我们MarkerClusterer标记聚合器，将</a:t>
+            </a:r>
+            <a:r>
+              <a:rPr lang="zh-CN" altLang="en-US" dirty="0">
+                <a:solidFill>
+                  <a:srgbClr val="FF0000"/>
+                </a:solidFill>
+                <a:sym typeface="+mn-ea"/>
+              </a:rPr>
+              <a:t>规定范围</a:t>
+            </a:r>
+            <a:r>
+              <a:rPr lang="zh-CN" altLang="en-US" dirty="0">
+                <a:sym typeface="+mn-ea"/>
+              </a:rPr>
+              <a:t>内的</a:t>
+            </a:r>
+            <a:r>
+              <a:rPr lang="en-US" altLang="zh-CN" dirty="0">
+                <a:sym typeface="+mn-ea"/>
+              </a:rPr>
+              <a:t>marker</a:t>
+            </a:r>
+            <a:r>
+              <a:rPr lang="zh-CN" altLang="en-US" dirty="0">
+                <a:sym typeface="+mn-ea"/>
+              </a:rPr>
+              <a:t>聚合用一个新</a:t>
+            </a:r>
+            <a:r>
+              <a:rPr lang="en-US" altLang="zh-CN" dirty="0">
+                <a:sym typeface="+mn-ea"/>
+              </a:rPr>
+              <a:t>marker</a:t>
+            </a:r>
+            <a:r>
+              <a:rPr lang="zh-CN" altLang="en-US" dirty="0">
+                <a:sym typeface="+mn-ea"/>
+              </a:rPr>
+              <a:t>（即</a:t>
+            </a:r>
+            <a:r>
+              <a:rPr lang="en-US" altLang="zh-CN" dirty="0">
+                <a:sym typeface="+mn-ea"/>
+              </a:rPr>
               <a:t>cluster</a:t>
             </a:r>
             <a:r>
-              <a:rPr lang="zh-CN" altLang="en-US"/>
-              <a:t>点聚合</a:t>
-            </a:r>
-            <a:r>
-              <a:rPr lang="en-US" altLang="zh-CN"/>
-              <a:t>+</a:t>
-            </a:r>
-            <a:r>
-              <a:rPr lang="zh-CN" altLang="en-US">
-                <a:sym typeface="+mn-ea"/>
-              </a:rPr>
-              <a:t>分批加载</a:t>
-            </a:r>
-            <a:endParaRPr lang="zh-CN" altLang="en-US"/>
-          </a:p>
-          <a:p>
-            <a:r>
-              <a:rPr lang="zh-CN" altLang="en-US"/>
-              <a:t>方案三：海量点</a:t>
-            </a:r>
-            <a:r>
-              <a:rPr lang="en-US" altLang="zh-CN"/>
-              <a:t>+cluster</a:t>
-            </a:r>
-            <a:r>
-              <a:rPr lang="zh-CN" altLang="en-US"/>
-              <a:t>点聚合</a:t>
-            </a:r>
-            <a:endParaRPr lang="zh-CN" altLang="en-US"/>
-          </a:p>
-          <a:p>
-            <a:endParaRPr lang="zh-CN" altLang="en-US"/>
-          </a:p>
-          <a:p>
-            <a:r>
-              <a:rPr lang="zh-CN" altLang="en-US"/>
-              <a:t>各方案存在缺点</a:t>
-            </a:r>
-            <a:r>
-              <a:rPr lang="en-US" altLang="zh-CN"/>
-              <a:t>:</a:t>
-            </a:r>
-            <a:endParaRPr lang="en-US" altLang="zh-CN"/>
-          </a:p>
-          <a:p>
-            <a:r>
-              <a:rPr lang="zh-CN" altLang="en-US"/>
-              <a:t>方案一：在无异步请求时可达到</a:t>
-            </a:r>
-            <a:r>
-              <a:rPr lang="en-US" altLang="zh-CN"/>
+              <a:rPr lang="zh-CN" altLang="en-US" dirty="0">
+                <a:sym typeface="+mn-ea"/>
+              </a:rPr>
+              <a:t>）代替</a:t>
+            </a:r>
+            <a:r>
+              <a:rPr lang="zh-CN" altLang="en-US" dirty="0" smtClean="0">
+                <a:sym typeface="+mn-ea"/>
+              </a:rPr>
+              <a:t>。</a:t>
+            </a:r>
+            <a:endParaRPr lang="en-US" altLang="zh-CN" dirty="0" smtClean="0">
+              <a:sym typeface="+mn-ea"/>
+            </a:endParaRPr>
+          </a:p>
+          <a:p>
+            <a:r>
+              <a:rPr lang="zh-CN" altLang="en-US" dirty="0" smtClean="0">
+                <a:sym typeface="+mn-ea"/>
+              </a:rPr>
+              <a:t>此方案</a:t>
+            </a:r>
+            <a:r>
+              <a:rPr lang="en-US" altLang="zh-CN" dirty="0" err="1"/>
+              <a:t>jsDemo</a:t>
+            </a:r>
+            <a:r>
+              <a:rPr lang="zh-CN" altLang="en-US" dirty="0"/>
+              <a:t>中</a:t>
+            </a:r>
+            <a:r>
+              <a:rPr lang="zh-CN" altLang="en-US" dirty="0" smtClean="0">
+                <a:sym typeface="+mn-ea"/>
+              </a:rPr>
+              <a:t>可以</a:t>
+            </a:r>
+            <a:r>
+              <a:rPr lang="zh-CN" altLang="en-US" dirty="0">
+                <a:sym typeface="+mn-ea"/>
+              </a:rPr>
+              <a:t>将</a:t>
+            </a:r>
+            <a:r>
+              <a:rPr lang="en-US" altLang="zh-CN" dirty="0">
+                <a:sym typeface="+mn-ea"/>
+              </a:rPr>
+              <a:t>marker</a:t>
+            </a:r>
+            <a:r>
+              <a:rPr lang="zh-CN" altLang="en-US" dirty="0">
+                <a:sym typeface="+mn-ea"/>
+              </a:rPr>
+              <a:t>点数量提升</a:t>
+            </a:r>
+            <a:r>
+              <a:rPr lang="zh-CN" altLang="en-US" dirty="0" smtClean="0">
+                <a:sym typeface="+mn-ea"/>
+              </a:rPr>
+              <a:t>到</a:t>
+            </a:r>
+            <a:r>
+              <a:rPr lang="en-US" altLang="zh-CN" dirty="0" smtClean="0">
+                <a:sym typeface="+mn-ea"/>
+              </a:rPr>
+              <a:t>7-8</a:t>
+            </a:r>
+            <a:r>
+              <a:rPr lang="zh-CN" altLang="en-US" dirty="0" smtClean="0">
+                <a:sym typeface="+mn-ea"/>
+              </a:rPr>
+              <a:t>万，最大值</a:t>
+            </a:r>
+            <a:r>
+              <a:rPr lang="en-US" altLang="zh-CN" dirty="0" smtClean="0">
+                <a:sym typeface="+mn-ea"/>
+              </a:rPr>
+              <a:t>9</a:t>
+            </a:r>
+            <a:r>
+              <a:rPr lang="zh-CN" altLang="en-US" dirty="0" smtClean="0">
+                <a:sym typeface="+mn-ea"/>
+              </a:rPr>
+              <a:t>万。</a:t>
+            </a:r>
+            <a:endParaRPr lang="en-US" altLang="zh-CN" dirty="0" smtClean="0">
+              <a:sym typeface="+mn-ea"/>
+            </a:endParaRPr>
+          </a:p>
+          <a:p>
+            <a:r>
+              <a:rPr lang="zh-CN" altLang="en-US" dirty="0">
+                <a:sym typeface="+mn-ea"/>
+              </a:rPr>
+              <a:t>此</a:t>
+            </a:r>
+            <a:r>
+              <a:rPr lang="zh-CN" altLang="en-US" dirty="0" smtClean="0">
+                <a:sym typeface="+mn-ea"/>
+              </a:rPr>
+              <a:t>方案</a:t>
+            </a:r>
+            <a:r>
+              <a:rPr lang="en-US" altLang="zh-CN" dirty="0" err="1">
+                <a:sym typeface="+mn-ea"/>
+              </a:rPr>
+              <a:t>vueDemo</a:t>
+            </a:r>
+            <a:r>
+              <a:rPr lang="zh-CN" altLang="en-US" dirty="0">
+                <a:sym typeface="+mn-ea"/>
+              </a:rPr>
+              <a:t>中</a:t>
+            </a:r>
+            <a:r>
+              <a:rPr lang="zh-CN" altLang="en-US" dirty="0" smtClean="0">
+                <a:sym typeface="+mn-ea"/>
+              </a:rPr>
+              <a:t>可以</a:t>
+            </a:r>
+            <a:r>
+              <a:rPr lang="zh-CN" altLang="en-US" dirty="0">
+                <a:sym typeface="+mn-ea"/>
+              </a:rPr>
+              <a:t>将</a:t>
+            </a:r>
+            <a:r>
+              <a:rPr lang="en-US" altLang="zh-CN" dirty="0">
+                <a:sym typeface="+mn-ea"/>
+              </a:rPr>
+              <a:t>marker</a:t>
+            </a:r>
+            <a:r>
+              <a:rPr lang="zh-CN" altLang="en-US" dirty="0">
+                <a:sym typeface="+mn-ea"/>
+              </a:rPr>
+              <a:t>点数量提升到</a:t>
+            </a:r>
+            <a:r>
+              <a:rPr lang="en-US" altLang="zh-CN" dirty="0">
+                <a:sym typeface="+mn-ea"/>
+              </a:rPr>
+              <a:t>4-5</a:t>
+            </a:r>
+            <a:r>
+              <a:rPr lang="zh-CN" altLang="en-US" dirty="0">
+                <a:sym typeface="+mn-ea"/>
+              </a:rPr>
+              <a:t>万，最大值</a:t>
+            </a:r>
+            <a:r>
+              <a:rPr lang="en-US" altLang="zh-CN" dirty="0">
+                <a:sym typeface="+mn-ea"/>
+              </a:rPr>
               <a:t>5</a:t>
             </a:r>
             <a:r>
-              <a:rPr lang="zh-CN" altLang="en-US"/>
-              <a:t>万，有异步请求时估计</a:t>
-            </a:r>
-            <a:r>
-              <a:rPr lang="en-US" altLang="zh-CN"/>
-              <a:t>2</a:t>
-            </a:r>
-            <a:r>
-              <a:rPr lang="zh-CN" altLang="en-US"/>
-              <a:t>万</a:t>
-            </a:r>
-            <a:endParaRPr lang="zh-CN" altLang="en-US"/>
-          </a:p>
-          <a:p>
-            <a:r>
-              <a:rPr lang="zh-CN" altLang="en-US"/>
-              <a:t>方案二：分四批请求加载，请求过多耗时长</a:t>
-            </a:r>
-            <a:endParaRPr lang="zh-CN" altLang="en-US"/>
-          </a:p>
-          <a:p>
-            <a:r>
-              <a:rPr lang="zh-CN" altLang="en-US"/>
-              <a:t>方案三：不支持单个坐标点样式及动画，谷歌地图不支持海量点标签</a:t>
-            </a:r>
-            <a:endParaRPr lang="zh-CN" altLang="en-US"/>
+              <a:rPr lang="zh-CN" altLang="en-US" dirty="0">
+                <a:sym typeface="+mn-ea"/>
+              </a:rPr>
+              <a:t>万。</a:t>
+            </a:r>
+          </a:p>
+          <a:p>
+            <a:endParaRPr lang="zh-CN" altLang="en-US" dirty="0">
+              <a:sym typeface="+mn-ea"/>
+            </a:endParaRPr>
+          </a:p>
+          <a:p>
+            <a:endParaRPr lang="zh-CN" altLang="en-US" dirty="0"/>
+          </a:p>
+        </p:txBody>
+      </p:sp>
+      <p:pic>
+        <p:nvPicPr>
+          <p:cNvPr id="4" name="图片 3"/>
+          <p:cNvPicPr>
+            <a:picLocks noChangeAspect="1"/>
+          </p:cNvPicPr>
+          <p:nvPr/>
+        </p:nvPicPr>
+        <p:blipFill>
+          <a:blip r:embed="rId3"/>
+          <a:stretch>
+            <a:fillRect/>
+          </a:stretch>
+        </p:blipFill>
+        <p:spPr>
+          <a:xfrm>
+            <a:off x="1979712" y="3003798"/>
+            <a:ext cx="4649713" cy="1669388"/>
+          </a:xfrm>
+          <a:prstGeom prst="rect">
+            <a:avLst/>
+          </a:prstGeom>
+        </p:spPr>
+      </p:pic>
+      <p:sp>
+        <p:nvSpPr>
+          <p:cNvPr id="5" name="文本框 4"/>
+          <p:cNvSpPr txBox="1"/>
+          <p:nvPr/>
+        </p:nvSpPr>
+        <p:spPr>
+          <a:xfrm>
+            <a:off x="231774" y="177732"/>
+            <a:ext cx="2396009" cy="292388"/>
+          </a:xfrm>
+          <a:prstGeom prst="rect">
+            <a:avLst/>
+          </a:prstGeom>
+          <a:noFill/>
+        </p:spPr>
+        <p:txBody>
+          <a:bodyPr wrap="square" rtlCol="0">
+            <a:spAutoFit/>
+          </a:bodyPr>
+          <a:lstStyle/>
+          <a:p>
+            <a:r>
+              <a:rPr lang="en-US" altLang="zh-CN" dirty="0" smtClean="0"/>
+              <a:t>5</a:t>
+            </a:r>
+            <a:r>
+              <a:rPr lang="zh-CN" altLang="en-US" dirty="0" smtClean="0"/>
+              <a:t>、项目中运用：</a:t>
+            </a:r>
+            <a:endParaRPr lang="zh-CN" altLang="en-US" dirty="0"/>
           </a:p>
         </p:txBody>
       </p:sp>
@@ -2517,6 +2970,294 @@
     <a:masterClrMapping/>
   </p:clrMapOvr>
   <p:transition/>
+  <p:timing>
+    <p:tnLst>
+      <p:par>
+        <p:cTn id="1" dur="indefinite" restart="never" nodeType="tmRoot"/>
+      </p:par>
+    </p:tnLst>
+  </p:timing>
+</p:sld>
+</file>
+
+<file path=ppt/slides/slide12.xml><?xml version="1.0" encoding="utf-8"?>
+<p:sld xmlns:a="http://schemas.openxmlformats.org/drawingml/2006/main" xmlns:r="http://schemas.openxmlformats.org/officeDocument/2006/relationships" xmlns:p="http://schemas.openxmlformats.org/presentationml/2006/main">
+  <p:cSld>
+    <p:spTree>
+      <p:nvGrpSpPr>
+        <p:cNvPr id="1" name=""/>
+        <p:cNvGrpSpPr/>
+        <p:nvPr/>
+      </p:nvGrpSpPr>
+      <p:grpSpPr>
+        <a:xfrm>
+          <a:off x="0" y="0"/>
+          <a:ext cx="0" cy="0"/>
+          <a:chOff x="0" y="0"/>
+          <a:chExt cx="0" cy="0"/>
+        </a:xfrm>
+      </p:grpSpPr>
+      <p:sp>
+        <p:nvSpPr>
+          <p:cNvPr id="2" name="文本框 1"/>
+          <p:cNvSpPr txBox="1"/>
+          <p:nvPr/>
+        </p:nvSpPr>
+        <p:spPr>
+          <a:xfrm>
+            <a:off x="755576" y="1131590"/>
+            <a:ext cx="8136904" cy="2554545"/>
+          </a:xfrm>
+          <a:prstGeom prst="rect">
+            <a:avLst/>
+          </a:prstGeom>
+          <a:noFill/>
+        </p:spPr>
+        <p:txBody>
+          <a:bodyPr wrap="square" rtlCol="0">
+            <a:spAutoFit/>
+          </a:bodyPr>
+          <a:lstStyle/>
+          <a:p>
+            <a:r>
+              <a:rPr lang="zh-CN" altLang="en-US" sz="1600" dirty="0" smtClean="0"/>
+              <a:t>方案</a:t>
+            </a:r>
+            <a:r>
+              <a:rPr lang="zh-CN" altLang="en-US" sz="1600" dirty="0"/>
+              <a:t>一：</a:t>
+            </a:r>
+            <a:r>
+              <a:rPr lang="en-US" altLang="zh-CN" sz="1600" dirty="0"/>
+              <a:t>marker</a:t>
+            </a:r>
+            <a:r>
+              <a:rPr lang="zh-CN" altLang="en-US" sz="1600" dirty="0"/>
+              <a:t>点</a:t>
+            </a:r>
+            <a:r>
+              <a:rPr lang="en-US" altLang="zh-CN" sz="1600" dirty="0"/>
+              <a:t>+cluster</a:t>
+            </a:r>
+            <a:r>
+              <a:rPr lang="zh-CN" altLang="en-US" sz="1600" dirty="0"/>
+              <a:t>点聚合</a:t>
+            </a:r>
+          </a:p>
+          <a:p>
+            <a:r>
+              <a:rPr lang="zh-CN" altLang="en-US" sz="1600" dirty="0"/>
+              <a:t>方案二：</a:t>
+            </a:r>
+            <a:r>
+              <a:rPr lang="en-US" altLang="zh-CN" sz="1600" dirty="0">
+                <a:sym typeface="+mn-ea"/>
+              </a:rPr>
+              <a:t>marker</a:t>
+            </a:r>
+            <a:r>
+              <a:rPr lang="zh-CN" altLang="en-US" sz="1600" dirty="0">
+                <a:sym typeface="+mn-ea"/>
+              </a:rPr>
+              <a:t>点</a:t>
+            </a:r>
+            <a:r>
+              <a:rPr lang="en-US" altLang="zh-CN" sz="1600" dirty="0">
+                <a:sym typeface="+mn-ea"/>
+              </a:rPr>
+              <a:t>+</a:t>
+            </a:r>
+            <a:r>
+              <a:rPr lang="en-US" altLang="zh-CN" sz="1600" dirty="0"/>
+              <a:t>cluster</a:t>
+            </a:r>
+            <a:r>
+              <a:rPr lang="zh-CN" altLang="en-US" sz="1600" dirty="0"/>
+              <a:t>点聚合</a:t>
+            </a:r>
+            <a:r>
+              <a:rPr lang="en-US" altLang="zh-CN" sz="1600" dirty="0"/>
+              <a:t>+</a:t>
+            </a:r>
+            <a:r>
+              <a:rPr lang="zh-CN" altLang="en-US" sz="1600" dirty="0">
+                <a:sym typeface="+mn-ea"/>
+              </a:rPr>
+              <a:t>分批加载</a:t>
+            </a:r>
+            <a:endParaRPr lang="zh-CN" altLang="en-US" sz="1600" dirty="0"/>
+          </a:p>
+          <a:p>
+            <a:r>
+              <a:rPr lang="zh-CN" altLang="en-US" sz="1600" dirty="0"/>
+              <a:t>方案三：海量点</a:t>
+            </a:r>
+            <a:r>
+              <a:rPr lang="en-US" altLang="zh-CN" sz="1600" dirty="0"/>
+              <a:t>+cluster</a:t>
+            </a:r>
+            <a:r>
+              <a:rPr lang="zh-CN" altLang="en-US" sz="1600" dirty="0"/>
+              <a:t>点</a:t>
+            </a:r>
+            <a:r>
+              <a:rPr lang="zh-CN" altLang="en-US" sz="1600" dirty="0" smtClean="0"/>
+              <a:t>聚合</a:t>
+            </a:r>
+            <a:endParaRPr lang="en-US" altLang="zh-CN" sz="1600" dirty="0" smtClean="0"/>
+          </a:p>
+          <a:p>
+            <a:r>
+              <a:rPr lang="zh-CN" altLang="en-US" sz="1600" dirty="0" smtClean="0"/>
+              <a:t>方案四：</a:t>
+            </a:r>
+            <a:r>
+              <a:rPr lang="en-US" altLang="zh-CN" sz="1600" dirty="0" smtClean="0"/>
+              <a:t>marker</a:t>
+            </a:r>
+            <a:r>
+              <a:rPr lang="zh-CN" altLang="en-US" sz="1600" dirty="0" smtClean="0"/>
+              <a:t>点</a:t>
+            </a:r>
+            <a:r>
+              <a:rPr lang="en-US" altLang="zh-CN" sz="1600" dirty="0" smtClean="0"/>
+              <a:t>+</a:t>
+            </a:r>
+            <a:r>
+              <a:rPr lang="zh-CN" altLang="en-US" sz="1600" dirty="0" smtClean="0"/>
+              <a:t>后台计算</a:t>
+            </a:r>
+            <a:r>
+              <a:rPr lang="en-US" altLang="zh-CN" sz="1600" dirty="0" smtClean="0"/>
+              <a:t>cluster</a:t>
+            </a:r>
+            <a:r>
+              <a:rPr lang="zh-CN" altLang="en-US" sz="1600" dirty="0" smtClean="0"/>
+              <a:t>点聚合</a:t>
+            </a:r>
+            <a:endParaRPr lang="zh-CN" altLang="en-US" sz="1600" dirty="0"/>
+          </a:p>
+          <a:p>
+            <a:endParaRPr lang="zh-CN" altLang="en-US" sz="1600" dirty="0"/>
+          </a:p>
+          <a:p>
+            <a:r>
+              <a:rPr lang="zh-CN" altLang="en-US" sz="1600" dirty="0"/>
+              <a:t>各方案存在缺点</a:t>
+            </a:r>
+            <a:r>
+              <a:rPr lang="en-US" altLang="zh-CN" sz="1600" dirty="0"/>
+              <a:t>:</a:t>
+            </a:r>
+          </a:p>
+          <a:p>
+            <a:r>
+              <a:rPr lang="zh-CN" altLang="en-US" sz="1600" dirty="0"/>
+              <a:t>方案一：在无异步请求时可达到</a:t>
+            </a:r>
+            <a:r>
+              <a:rPr lang="en-US" altLang="zh-CN" sz="1600" dirty="0"/>
+              <a:t>5</a:t>
+            </a:r>
+            <a:r>
+              <a:rPr lang="zh-CN" altLang="en-US" sz="1600" dirty="0"/>
+              <a:t>万，有异步请求时估计</a:t>
+            </a:r>
+            <a:r>
+              <a:rPr lang="en-US" altLang="zh-CN" sz="1600" dirty="0"/>
+              <a:t>2</a:t>
+            </a:r>
+            <a:r>
+              <a:rPr lang="zh-CN" altLang="en-US" sz="1600" dirty="0" smtClean="0"/>
+              <a:t>万；</a:t>
+            </a:r>
+            <a:endParaRPr lang="zh-CN" altLang="en-US" sz="1600" dirty="0"/>
+          </a:p>
+          <a:p>
+            <a:r>
+              <a:rPr lang="zh-CN" altLang="en-US" sz="1600" dirty="0"/>
+              <a:t>方案二：分四批请求加载，请求过多耗时</a:t>
+            </a:r>
+            <a:r>
+              <a:rPr lang="zh-CN" altLang="en-US" sz="1600" dirty="0" smtClean="0"/>
+              <a:t>长；</a:t>
+            </a:r>
+            <a:endParaRPr lang="zh-CN" altLang="en-US" sz="1600" dirty="0"/>
+          </a:p>
+          <a:p>
+            <a:r>
+              <a:rPr lang="zh-CN" altLang="en-US" sz="1600" dirty="0"/>
+              <a:t>方案三：不支持单个坐标点样式及动画</a:t>
+            </a:r>
+            <a:r>
+              <a:rPr lang="zh-CN" altLang="en-US" sz="1600" dirty="0" smtClean="0"/>
+              <a:t>，标签单独渲染，谷歌</a:t>
+            </a:r>
+            <a:r>
+              <a:rPr lang="zh-CN" altLang="en-US" sz="1600" dirty="0"/>
+              <a:t>地图不支持海量点</a:t>
+            </a:r>
+            <a:r>
+              <a:rPr lang="zh-CN" altLang="en-US" sz="1600" dirty="0" smtClean="0"/>
+              <a:t>标签；</a:t>
+            </a:r>
+            <a:endParaRPr lang="en-US" altLang="zh-CN" sz="1600" dirty="0" smtClean="0"/>
+          </a:p>
+          <a:p>
+            <a:r>
+              <a:rPr lang="zh-CN" altLang="en-US" sz="1600" dirty="0" smtClean="0"/>
+              <a:t>方案四：后台接口可能改动大</a:t>
+            </a:r>
+            <a:endParaRPr lang="zh-CN" altLang="en-US" sz="1600" dirty="0"/>
+          </a:p>
+        </p:txBody>
+      </p:sp>
+      <p:sp>
+        <p:nvSpPr>
+          <p:cNvPr id="3" name="文本框 2"/>
+          <p:cNvSpPr txBox="1"/>
+          <p:nvPr/>
+        </p:nvSpPr>
+        <p:spPr>
+          <a:xfrm>
+            <a:off x="395536" y="411510"/>
+            <a:ext cx="4104456" cy="461665"/>
+          </a:xfrm>
+          <a:prstGeom prst="rect">
+            <a:avLst/>
+          </a:prstGeom>
+          <a:noFill/>
+        </p:spPr>
+        <p:txBody>
+          <a:bodyPr wrap="square" rtlCol="0">
+            <a:spAutoFit/>
+          </a:bodyPr>
+          <a:lstStyle/>
+          <a:p>
+            <a:r>
+              <a:rPr lang="zh-CN" altLang="en-US" sz="2400" dirty="0" smtClean="0"/>
+              <a:t>聚合点性能优化方案：</a:t>
+            </a:r>
+            <a:endParaRPr lang="zh-CN" altLang="en-US" sz="2400" dirty="0"/>
+          </a:p>
+        </p:txBody>
+      </p:sp>
+    </p:spTree>
+    <p:custDataLst>
+      <p:tags r:id="rId1"/>
+    </p:custDataLst>
+  </p:cSld>
+  <p:clrMapOvr>
+    <a:masterClrMapping/>
+  </p:clrMapOvr>
+  <p:transition/>
+  <p:timing>
+    <p:tnLst>
+      <p:par>
+        <p:cTn id="1" dur="indefinite" restart="never" nodeType="tmRoot"/>
+      </p:par>
+    </p:tnLst>
+  </p:timing>
 </p:sld>
 </file>
 
@@ -2543,7 +3284,7 @@
           <p:cNvSpPr txBox="1"/>
           <p:nvPr>
             <p:custDataLst>
-              <p:tags r:id="rId1"/>
+              <p:tags r:id="rId2"/>
             </p:custDataLst>
           </p:nvPr>
         </p:nvSpPr>
@@ -2586,13 +3327,6 @@
               </a:rPr>
               <a:t>地图使用场景</a:t>
             </a:r>
-            <a:endParaRPr lang="zh-CN" altLang="en-US" sz="2700" b="1" spc="300" dirty="0">
-              <a:solidFill>
-                <a:srgbClr val="FFFFFF"/>
-              </a:solidFill>
-              <a:latin typeface="Arial" panose="020B0604020202020204" pitchFamily="34" charset="0"/>
-              <a:ea typeface="微软雅黑" panose="020B0503020204020204" charset="-122"/>
-            </a:endParaRPr>
           </a:p>
         </p:txBody>
       </p:sp>
@@ -2616,16 +3350,17 @@
           <a:bodyPr wrap="square" rtlCol="0">
             <a:spAutoFit/>
           </a:bodyPr>
+          <a:lstStyle/>
           <a:p>
             <a:pPr marL="0" lvl="1"/>
             <a:r>
-              <a:rPr lang="zh-CN" altLang="en-US" sz="2800" b="1">
+              <a:rPr lang="zh-CN" altLang="en-US" sz="2800" b="1" dirty="0">
                 <a:sym typeface="+mn-ea"/>
               </a:rPr>
               <a:t>一、</a:t>
             </a:r>
             <a:r>
-              <a:rPr lang="zh-CN" altLang="en-US" sz="2800">
+              <a:rPr lang="zh-CN" altLang="en-US" sz="2800" dirty="0">
                 <a:ln/>
                 <a:solidFill>
                   <a:schemeClr val="tx1"/>
@@ -2641,7 +3376,7 @@
               </a:rPr>
               <a:t>参考网站</a:t>
             </a:r>
-            <a:endParaRPr lang="en-US" altLang="zh-CN" sz="2000">
+            <a:endParaRPr lang="en-US" altLang="zh-CN" sz="2000" dirty="0">
               <a:solidFill>
                 <a:schemeClr val="tx1"/>
               </a:solidFill>
@@ -2649,7 +3384,7 @@
           </a:p>
           <a:p>
             <a:r>
-              <a:rPr lang="en-US" altLang="zh-CN" sz="2000">
+              <a:rPr lang="en-US" altLang="zh-CN" sz="2000" dirty="0">
                 <a:solidFill>
                   <a:schemeClr val="tx1"/>
                 </a:solidFill>
@@ -2657,7 +3392,7 @@
               <a:t>     1</a:t>
             </a:r>
             <a:r>
-              <a:rPr lang="zh-CN" altLang="en-US" sz="2000">
+              <a:rPr lang="zh-CN" altLang="en-US" sz="2000" dirty="0">
                 <a:solidFill>
                   <a:schemeClr val="tx1"/>
                 </a:solidFill>
@@ -2665,7 +3400,7 @@
               <a:t>、</a:t>
             </a:r>
             <a:r>
-              <a:rPr lang="zh-CN" altLang="en-US" sz="2000">
+              <a:rPr lang="zh-CN" altLang="en-US" sz="2000" dirty="0">
                 <a:solidFill>
                   <a:srgbClr val="FF0000"/>
                 </a:solidFill>
@@ -2673,17 +3408,16 @@
               <a:t>百度</a:t>
             </a:r>
             <a:r>
-              <a:rPr lang="zh-CN" altLang="en-US" sz="2000"/>
+              <a:rPr lang="zh-CN" altLang="en-US" sz="2000" dirty="0"/>
               <a:t>地图</a:t>
             </a:r>
-            <a:endParaRPr lang="zh-CN" altLang="en-US" sz="2000"/>
           </a:p>
           <a:p>
             <a:pPr marL="914400" lvl="2" indent="0">
               <a:buNone/>
             </a:pPr>
             <a:r>
-              <a:rPr lang="en-US" altLang="zh-CN" sz="2000">
+              <a:rPr lang="en-US" altLang="zh-CN" sz="2000" dirty="0">
                 <a:solidFill>
                   <a:schemeClr val="tx1"/>
                 </a:solidFill>
@@ -2691,35 +3425,33 @@
               <a:t>a.</a:t>
             </a:r>
             <a:r>
-              <a:rPr lang="zh-CN" altLang="en-US" sz="2000"/>
+              <a:rPr lang="zh-CN" altLang="en-US" sz="2000" dirty="0"/>
               <a:t>开放平台 http://lbsyun.baidu.com/</a:t>
             </a:r>
-            <a:endParaRPr lang="zh-CN" altLang="en-US" sz="2000"/>
           </a:p>
           <a:p>
             <a:pPr marL="914400" lvl="2" indent="0">
               <a:buNone/>
             </a:pPr>
             <a:r>
-              <a:rPr lang="en-US" altLang="zh-CN" sz="2000"/>
+              <a:rPr lang="en-US" altLang="zh-CN" sz="2000" dirty="0"/>
               <a:t>b.</a:t>
             </a:r>
             <a:r>
-              <a:rPr lang="zh-CN" altLang="en-US" sz="2000"/>
+              <a:rPr lang="zh-CN" altLang="en-US" sz="2000" dirty="0"/>
               <a:t>地图示例 http://lbsyun.baidu.com/jsdemo.htm#a1_2</a:t>
             </a:r>
-            <a:endParaRPr lang="zh-CN" altLang="en-US" sz="2000"/>
           </a:p>
           <a:p>
             <a:pPr marL="914400" lvl="2" indent="0">
               <a:buNone/>
             </a:pPr>
             <a:r>
-              <a:rPr lang="en-US" altLang="zh-CN" sz="2000"/>
+              <a:rPr lang="en-US" altLang="zh-CN" sz="2000" dirty="0" err="1"/>
               <a:t>c.</a:t>
             </a:r>
             <a:r>
-              <a:rPr lang="en-US" altLang="zh-CN" sz="2000">
+              <a:rPr lang="en-US" altLang="zh-CN" sz="2000" dirty="0" err="1">
                 <a:solidFill>
                   <a:srgbClr val="FF0000"/>
                 </a:solidFill>
@@ -2731,25 +3463,69 @@
                   </a:outerShdw>
                 </a:effectLst>
               </a:rPr>
-              <a:t>vue-baidu-map</a:t>
-            </a:r>
-            <a:r>
-              <a:rPr lang="en-US" altLang="zh-CN" sz="2000"/>
+              <a:t>vue</a:t>
+            </a:r>
+            <a:r>
+              <a:rPr lang="en-US" altLang="zh-CN" sz="2000" dirty="0">
+                <a:solidFill>
+                  <a:srgbClr val="FF0000"/>
+                </a:solidFill>
+                <a:effectLst>
+                  <a:outerShdw blurRad="38100" dist="19050" dir="2700000" algn="tl" rotWithShape="0">
+                    <a:schemeClr val="dk1">
+                      <a:alpha val="40000"/>
+                    </a:schemeClr>
+                  </a:outerShdw>
+                </a:effectLst>
+              </a:rPr>
+              <a:t>-</a:t>
+            </a:r>
+            <a:r>
+              <a:rPr lang="en-US" altLang="zh-CN" sz="2000" dirty="0" err="1">
+                <a:solidFill>
+                  <a:srgbClr val="FF0000"/>
+                </a:solidFill>
+                <a:effectLst>
+                  <a:outerShdw blurRad="38100" dist="19050" dir="2700000" algn="tl" rotWithShape="0">
+                    <a:schemeClr val="dk1">
+                      <a:alpha val="40000"/>
+                    </a:schemeClr>
+                  </a:outerShdw>
+                </a:effectLst>
+              </a:rPr>
+              <a:t>baidu</a:t>
+            </a:r>
+            <a:r>
+              <a:rPr lang="en-US" altLang="zh-CN" sz="2000" dirty="0">
+                <a:solidFill>
+                  <a:srgbClr val="FF0000"/>
+                </a:solidFill>
+                <a:effectLst>
+                  <a:outerShdw blurRad="38100" dist="19050" dir="2700000" algn="tl" rotWithShape="0">
+                    <a:schemeClr val="dk1">
+                      <a:alpha val="40000"/>
+                    </a:schemeClr>
+                  </a:outerShdw>
+                </a:effectLst>
+              </a:rPr>
+              <a:t>-map</a:t>
+            </a:r>
+            <a:r>
+              <a:rPr lang="en-US" altLang="zh-CN" sz="2000" dirty="0"/>
               <a:t> https://dafrok.github.io/vue-baidu-map/#/</a:t>
             </a:r>
-            <a:endParaRPr lang="en-US" altLang="zh-CN" sz="2000"/>
           </a:p>
           <a:p>
             <a:pPr marL="914400" lvl="2" indent="0">
               <a:buNone/>
             </a:pPr>
-            <a:endParaRPr lang="en-US" altLang="zh-CN" sz="2000"/>
+            <a:endParaRPr lang="en-US" altLang="zh-CN" sz="2000" dirty="0"/>
           </a:p>
           <a:p>
             <a:pPr marL="457200" lvl="1" indent="0">
               <a:buNone/>
             </a:pPr>
-            <a:endParaRPr lang="zh-CN" altLang="en-US" sz="2000">
+            <a:endParaRPr lang="zh-CN" altLang="en-US" sz="2000" dirty="0">
               <a:sym typeface="+mn-ea"/>
             </a:endParaRPr>
           </a:p>
@@ -2758,7 +3534,7 @@
               <a:buNone/>
             </a:pPr>
             <a:r>
-              <a:rPr lang="en-US" altLang="zh-CN" sz="2000">
+              <a:rPr lang="en-US" altLang="zh-CN" sz="2000" dirty="0">
                 <a:solidFill>
                   <a:schemeClr val="tx1"/>
                 </a:solidFill>
@@ -2767,7 +3543,7 @@
               <a:t>      2</a:t>
             </a:r>
             <a:r>
-              <a:rPr lang="zh-CN" altLang="en-US" sz="2000">
+              <a:rPr lang="zh-CN" altLang="en-US" sz="2000" dirty="0">
                 <a:solidFill>
                   <a:schemeClr val="tx1"/>
                 </a:solidFill>
@@ -2776,7 +3552,7 @@
               <a:t>、</a:t>
             </a:r>
             <a:r>
-              <a:rPr lang="zh-CN" altLang="en-US" sz="2000">
+              <a:rPr lang="zh-CN" altLang="en-US" sz="2000" dirty="0">
                 <a:solidFill>
                   <a:srgbClr val="FF0000"/>
                 </a:solidFill>
@@ -2785,7 +3561,7 @@
               <a:t>谷歌</a:t>
             </a:r>
             <a:r>
-              <a:rPr lang="zh-CN" altLang="en-US" sz="2000">
+              <a:rPr lang="zh-CN" altLang="en-US" sz="2000" dirty="0">
                 <a:solidFill>
                   <a:schemeClr val="tx1"/>
                 </a:solidFill>
@@ -2793,19 +3569,13 @@
               </a:rPr>
               <a:t>地图</a:t>
             </a:r>
-            <a:endParaRPr lang="zh-CN" altLang="en-US" sz="2000">
-              <a:solidFill>
-                <a:schemeClr val="tx1"/>
-              </a:solidFill>
-              <a:sym typeface="+mn-ea"/>
-            </a:endParaRPr>
           </a:p>
           <a:p>
             <a:pPr marL="457200" lvl="1" indent="0">
               <a:buNone/>
             </a:pPr>
             <a:r>
-              <a:rPr lang="zh-CN" altLang="en-US" sz="2000">
+              <a:rPr lang="zh-CN" altLang="en-US" sz="2000" dirty="0">
                 <a:solidFill>
                   <a:schemeClr val="tx1"/>
                 </a:solidFill>
@@ -2814,65 +3584,59 @@
               <a:t>      </a:t>
             </a:r>
             <a:r>
-              <a:rPr lang="en-US" altLang="zh-CN" sz="2000">
+              <a:rPr lang="en-US" altLang="zh-CN" sz="2000" dirty="0">
                 <a:sym typeface="+mn-ea"/>
               </a:rPr>
               <a:t>a.</a:t>
             </a:r>
             <a:r>
-              <a:rPr lang="zh-CN" altLang="en-US" sz="2000">
+              <a:rPr lang="zh-CN" altLang="en-US" sz="2000" dirty="0">
                 <a:sym typeface="+mn-ea"/>
               </a:rPr>
               <a:t>开放平台 https://cloud.google.com/maps-platform</a:t>
             </a:r>
-            <a:endParaRPr lang="zh-CN" altLang="en-US" sz="2000">
-              <a:sym typeface="+mn-ea"/>
-            </a:endParaRPr>
           </a:p>
           <a:p>
             <a:pPr marL="457200" lvl="1" indent="0">
               <a:buNone/>
             </a:pPr>
             <a:r>
-              <a:rPr lang="zh-CN" altLang="en-US" sz="2000">
+              <a:rPr lang="zh-CN" altLang="en-US" sz="2000" dirty="0">
                 <a:sym typeface="+mn-ea"/>
               </a:rPr>
               <a:t>      </a:t>
             </a:r>
             <a:r>
-              <a:rPr lang="en-US" altLang="zh-CN" sz="2000">
+              <a:rPr lang="en-US" altLang="zh-CN" sz="2000" dirty="0">
                 <a:sym typeface="+mn-ea"/>
               </a:rPr>
               <a:t>b.</a:t>
             </a:r>
             <a:r>
-              <a:rPr lang="zh-CN" altLang="en-US" sz="2000">
+              <a:rPr lang="zh-CN" altLang="en-US" sz="2000" dirty="0">
                 <a:sym typeface="+mn-ea"/>
               </a:rPr>
               <a:t>地图示例 https://xkjyeah.github.io/vue-google-maps/</a:t>
             </a:r>
-            <a:endParaRPr lang="zh-CN" altLang="en-US" sz="2000">
-              <a:sym typeface="+mn-ea"/>
-            </a:endParaRPr>
           </a:p>
           <a:p>
             <a:pPr marL="457200" lvl="1" indent="0">
               <a:buNone/>
             </a:pPr>
             <a:r>
-              <a:rPr lang="zh-CN" altLang="en-US" sz="2000">
+              <a:rPr lang="zh-CN" altLang="en-US" sz="2000" dirty="0">
                 <a:sym typeface="+mn-ea"/>
               </a:rPr>
               <a:t>      </a:t>
             </a:r>
             <a:r>
-              <a:rPr lang="en-US" altLang="zh-CN" sz="2000">
+              <a:rPr lang="en-US" altLang="zh-CN" sz="2000" dirty="0">
                 <a:sym typeface="+mn-ea"/>
               </a:rPr>
               <a:t>c.</a:t>
             </a:r>
             <a:r>
-              <a:rPr lang="en-US" altLang="zh-CN" sz="2000">
+              <a:rPr lang="en-US" altLang="zh-CN" sz="2000" dirty="0">
                 <a:solidFill>
                   <a:srgbClr val="FF0000"/>
                 </a:solidFill>
@@ -2881,12 +3645,12 @@
               <a:t>vue2-google-map</a:t>
             </a:r>
             <a:r>
-              <a:rPr lang="en-US" altLang="zh-CN" sz="2000">
+              <a:rPr lang="en-US" altLang="zh-CN" sz="2000" dirty="0">
                 <a:sym typeface="+mn-ea"/>
               </a:rPr>
               <a:t> </a:t>
             </a:r>
-            <a:endParaRPr lang="zh-CN" altLang="en-US" sz="2000">
+            <a:endParaRPr lang="zh-CN" altLang="en-US" sz="2000" dirty="0">
               <a:solidFill>
                 <a:schemeClr val="tx1"/>
               </a:solidFill>
@@ -2896,7 +3660,7 @@
             <a:pPr marL="457200" lvl="1" indent="0">
               <a:buNone/>
             </a:pPr>
-            <a:endParaRPr lang="zh-CN" altLang="en-US" sz="2000">
+            <a:endParaRPr lang="zh-CN" altLang="en-US" sz="2000" dirty="0">
               <a:solidFill>
                 <a:schemeClr val="tx1"/>
               </a:solidFill>
@@ -2906,17 +3670,17 @@
       </p:sp>
     </p:spTree>
     <p:custDataLst>
-      <p:tags r:id="rId2"/>
+      <p:tags r:id="rId1"/>
     </p:custDataLst>
   </p:cSld>
   <p:clrMapOvr>
     <a:masterClrMapping/>
   </p:clrMapOvr>
-  <mc:AlternateContent xmlns:mc="http://schemas.openxmlformats.org/markup-compatibility/2006">
-    <mc:Choice xmlns:p14="http://schemas.microsoft.com/office/powerpoint/2010/main" Requires="p14">
+  <mc:AlternateContent xmlns:mc="http://schemas.openxmlformats.org/markup-compatibility/2006" xmlns:p14="http://schemas.microsoft.com/office/powerpoint/2010/main">
+    <mc:Choice Requires="p14">
       <p:transition spd="slow" p14:dur="2000"/>
     </mc:Choice>
-    <mc:Fallback>
+    <mc:Fallback xmlns="">
       <p:transition spd="slow"/>
     </mc:Fallback>
   </mc:AlternateContent>
@@ -2939,7 +3703,14 @@
         <p:cNvGrpSpPr/>
         <p:nvPr/>
       </p:nvGrpSpPr>
-      <p:grpSpPr/>
+      <p:grpSpPr>
+        <a:xfrm>
+          <a:off x="0" y="0"/>
+          <a:ext cx="0" cy="0"/>
+          <a:chOff x="0" y="0"/>
+          <a:chExt cx="0" cy="0"/>
+        </a:xfrm>
+      </p:grpSpPr>
       <p:pic>
         <p:nvPicPr>
           <p:cNvPr id="2" name="图片 1"/>
@@ -2949,7 +3720,7 @@
           <p:nvPr/>
         </p:nvPicPr>
         <p:blipFill>
-          <a:blip r:embed="rId1"/>
+          <a:blip r:embed="rId3"/>
           <a:stretch>
             <a:fillRect/>
           </a:stretch>
@@ -2984,25 +3755,162 @@
           <a:bodyPr wrap="square" rtlCol="0">
             <a:spAutoFit/>
           </a:bodyPr>
+          <a:lstStyle/>
           <a:p>
             <a:pPr algn="l"/>
             <a:r>
-              <a:rPr lang="zh-CN" altLang="en-US" sz="2800"/>
-              <a:t>二、地图模块</a:t>
-            </a:r>
-            <a:endParaRPr lang="zh-CN" altLang="en-US" sz="2800"/>
+              <a:rPr lang="zh-CN" altLang="en-US" sz="2800" dirty="0"/>
+              <a:t>二</a:t>
+            </a:r>
+            <a:r>
+              <a:rPr lang="zh-CN" altLang="en-US" sz="2800" dirty="0" smtClean="0"/>
+              <a:t>、常用地图</a:t>
+            </a:r>
+            <a:r>
+              <a:rPr lang="zh-CN" altLang="en-US" sz="2800" dirty="0"/>
+              <a:t>模块</a:t>
+            </a:r>
           </a:p>
         </p:txBody>
       </p:sp>
     </p:spTree>
     <p:custDataLst>
-      <p:tags r:id="rId2"/>
+      <p:tags r:id="rId1"/>
     </p:custDataLst>
   </p:cSld>
   <p:clrMapOvr>
     <a:masterClrMapping/>
   </p:clrMapOvr>
   <p:transition/>
+  <p:timing>
+    <p:tnLst>
+      <p:par>
+        <p:cTn id="1" dur="indefinite" restart="never" nodeType="tmRoot">
+          <p:childTnLst>
+            <p:seq concurrent="1" nextAc="seek">
+              <p:cTn id="2" dur="indefinite" nodeType="mainSeq">
+                <p:childTnLst>
+                  <p:par>
+                    <p:cTn id="3" fill="hold">
+                      <p:stCondLst>
+                        <p:cond delay="indefinite"/>
+                      </p:stCondLst>
+                      <p:childTnLst>
+                        <p:par>
+                          <p:cTn id="4" fill="hold">
+                            <p:stCondLst>
+                              <p:cond delay="0"/>
+                            </p:stCondLst>
+                            <p:childTnLst>
+                              <p:par>
+                                <p:cTn id="5" presetID="42" presetClass="entr" presetSubtype="0" fill="hold" nodeType="clickEffect">
+                                  <p:stCondLst>
+                                    <p:cond delay="0"/>
+                                  </p:stCondLst>
+                                  <p:childTnLst>
+                                    <p:set>
+                                      <p:cBhvr>
+                                        <p:cTn id="6" dur="1" fill="hold">
+                                          <p:stCondLst>
+                                            <p:cond delay="0"/>
+                                          </p:stCondLst>
+                                        </p:cTn>
+                                        <p:tgtEl>
+                                          <p:spTgt spid="2"/>
+                                        </p:tgtEl>
+                                        <p:attrNameLst>
+                                          <p:attrName>style.visibility</p:attrName>
+                                        </p:attrNameLst>
+                                      </p:cBhvr>
+                                      <p:to>
+                                        <p:strVal val="visible"/>
+                                      </p:to>
+                                    </p:set>
+                                    <p:animEffect transition="in" filter="fade">
+                                      <p:cBhvr>
+                                        <p:cTn id="7" dur="1000"/>
+                                        <p:tgtEl>
+                                          <p:spTgt spid="2"/>
+                                        </p:tgtEl>
+                                      </p:cBhvr>
+                                    </p:animEffect>
+                                    <p:anim calcmode="lin" valueType="num">
+                                      <p:cBhvr>
+                                        <p:cTn id="8" dur="1000" fill="hold"/>
+                                        <p:tgtEl>
+                                          <p:spTgt spid="2"/>
+                                        </p:tgtEl>
+                                        <p:attrNameLst>
+                                          <p:attrName>ppt_x</p:attrName>
+                                        </p:attrNameLst>
+                                      </p:cBhvr>
+                                      <p:tavLst>
+                                        <p:tav tm="0">
+                                          <p:val>
+                                            <p:strVal val="#ppt_x"/>
+                                          </p:val>
+                                        </p:tav>
+                                        <p:tav tm="100000">
+                                          <p:val>
+                                            <p:strVal val="#ppt_x"/>
+                                          </p:val>
+                                        </p:tav>
+                                      </p:tavLst>
+                                    </p:anim>
+                                    <p:anim calcmode="lin" valueType="num">
+                                      <p:cBhvr>
+                                        <p:cTn id="9" dur="1000" fill="hold"/>
+                                        <p:tgtEl>
+                                          <p:spTgt spid="2"/>
+                                        </p:tgtEl>
+                                        <p:attrNameLst>
+                                          <p:attrName>ppt_y</p:attrName>
+                                        </p:attrNameLst>
+                                      </p:cBhvr>
+                                      <p:tavLst>
+                                        <p:tav tm="0">
+                                          <p:val>
+                                            <p:strVal val="#ppt_y+.1"/>
+                                          </p:val>
+                                        </p:tav>
+                                        <p:tav tm="100000">
+                                          <p:val>
+                                            <p:strVal val="#ppt_y"/>
+                                          </p:val>
+                                        </p:tav>
+                                      </p:tavLst>
+                                    </p:anim>
+                                  </p:childTnLst>
+                                </p:cTn>
+                              </p:par>
+                            </p:childTnLst>
+                          </p:cTn>
+                        </p:par>
+                      </p:childTnLst>
+                    </p:cTn>
+                  </p:par>
+                </p:childTnLst>
+              </p:cTn>
+              <p:prevCondLst>
+                <p:cond evt="onPrev" delay="0">
+                  <p:tgtEl>
+                    <p:sldTgt/>
+                  </p:tgtEl>
+                </p:cond>
+              </p:prevCondLst>
+              <p:nextCondLst>
+                <p:cond evt="onNext" delay="0">
+                  <p:tgtEl>
+                    <p:sldTgt/>
+                  </p:tgtEl>
+                </p:cond>
+              </p:nextCondLst>
+            </p:seq>
+          </p:childTnLst>
+        </p:cTn>
+      </p:par>
+    </p:tnLst>
+  </p:timing>
 </p:sld>
 </file>
 
@@ -3015,7 +3923,14 @@
         <p:cNvGrpSpPr/>
         <p:nvPr/>
       </p:nvGrpSpPr>
-      <p:grpSpPr/>
+      <p:grpSpPr>
+        <a:xfrm>
+          <a:off x="0" y="0"/>
+          <a:ext cx="0" cy="0"/>
+          <a:chOff x="0" y="0"/>
+          <a:chExt cx="0" cy="0"/>
+        </a:xfrm>
+      </p:grpSpPr>
       <p:sp>
         <p:nvSpPr>
           <p:cNvPr id="2" name="文本框 1"/>
@@ -3025,7 +3940,7 @@
         <p:spPr>
           <a:xfrm>
             <a:off x="551815" y="798830"/>
-            <a:ext cx="8049260" cy="1522095"/>
+            <a:ext cx="8049260" cy="3524042"/>
           </a:xfrm>
           <a:prstGeom prst="rect">
             <a:avLst/>
@@ -3036,9 +3951,10 @@
           <a:bodyPr wrap="square" rtlCol="0">
             <a:spAutoFit/>
           </a:bodyPr>
-          <a:p>
-            <a:r>
-              <a:rPr lang="zh-CN" altLang="en-US" sz="2800">
+          <a:lstStyle/>
+          <a:p>
+            <a:r>
+              <a:rPr lang="zh-CN" altLang="en-US" sz="2800" dirty="0">
                 <a:effectLst>
                   <a:outerShdw blurRad="38100" dist="19050" dir="2700000" algn="tl" rotWithShape="0">
                     <a:schemeClr val="dk1">
@@ -3051,7 +3967,7 @@
               <a:t>三、</a:t>
             </a:r>
             <a:r>
-              <a:rPr lang="en-US" altLang="zh-CN" sz="2800">
+              <a:rPr lang="en-US" altLang="zh-CN" sz="2800" dirty="0">
                 <a:effectLst>
                   <a:outerShdw blurRad="38100" dist="19050" dir="2700000" algn="tl" rotWithShape="0">
                     <a:schemeClr val="dk1">
@@ -3064,7 +3980,7 @@
               <a:t>Overlay </a:t>
             </a:r>
             <a:r>
-              <a:rPr lang="zh-CN" altLang="en-US" sz="2800">
+              <a:rPr lang="zh-CN" altLang="en-US" sz="2800" dirty="0">
                 <a:effectLst>
                   <a:outerShdw blurRad="38100" dist="19050" dir="2700000" algn="tl" rotWithShape="0">
                     <a:schemeClr val="dk1">
@@ -3076,7 +3992,7 @@
               </a:rPr>
               <a:t>覆盖物</a:t>
             </a:r>
-            <a:endParaRPr lang="zh-CN" altLang="en-US" sz="2800">
+            <a:endParaRPr lang="zh-CN" altLang="en-US" sz="2800" dirty="0">
               <a:solidFill>
                 <a:schemeClr val="tx1"/>
               </a:solidFill>
@@ -3090,24 +4006,129 @@
             </a:endParaRPr>
           </a:p>
           <a:p>
-            <a:endParaRPr lang="zh-CN" altLang="en-US"/>
-          </a:p>
-          <a:p>
-            <a:r>
-              <a:rPr lang="zh-CN" altLang="en-US"/>
-              <a:t>     所有叠加或覆盖到地图的内容，我们统称为地图覆盖物。覆盖物拥有自己的地理坐标，当您拖动或缩放地图时，它们会相应的移动。</a:t>
-            </a:r>
-            <a:endParaRPr lang="zh-CN" altLang="en-US"/>
-          </a:p>
-          <a:p>
-            <a:endParaRPr lang="zh-CN" altLang="en-US"/>
-          </a:p>
-          <a:p>
-            <a:r>
-              <a:rPr lang="zh-CN" altLang="en-US"/>
-              <a:t>    覆盖物主要分为：标注（点标注、矢量图形（包括折线、多边形、圆））、信息窗口、图层。</a:t>
-            </a:r>
-            <a:endParaRPr lang="zh-CN" altLang="en-US"/>
+            <a:endParaRPr lang="zh-CN" altLang="en-US" dirty="0"/>
+          </a:p>
+          <a:p>
+            <a:r>
+              <a:rPr lang="zh-CN" altLang="en-US" dirty="0"/>
+              <a:t>     所有叠加或覆盖到</a:t>
+            </a:r>
+            <a:r>
+              <a:rPr lang="zh-CN" altLang="en-US" dirty="0" smtClean="0"/>
+              <a:t>地图上的</a:t>
+            </a:r>
+            <a:r>
+              <a:rPr lang="zh-CN" altLang="en-US" dirty="0"/>
+              <a:t>内容，我们统称为地图覆盖物。覆盖物拥有自己的地理坐标，当您拖动或缩放地图时，它们会相应的移动。</a:t>
+            </a:r>
+          </a:p>
+          <a:p>
+            <a:endParaRPr lang="en-US" altLang="zh-CN" dirty="0"/>
+          </a:p>
+          <a:p>
+            <a:endParaRPr lang="en-US" altLang="zh-CN" dirty="0"/>
+          </a:p>
+          <a:p>
+            <a:r>
+              <a:rPr lang="en-US" altLang="zh-CN" dirty="0"/>
+              <a:t> </a:t>
+            </a:r>
+            <a:r>
+              <a:rPr lang="en-US" altLang="zh-CN" dirty="0" smtClean="0"/>
+              <a:t>   1</a:t>
+            </a:r>
+            <a:r>
+              <a:rPr lang="zh-CN" altLang="en-US" dirty="0" smtClean="0"/>
+              <a:t>、简介：常用覆盖物有</a:t>
+            </a:r>
+            <a:r>
+              <a:rPr lang="en-US" altLang="zh-CN" dirty="0" smtClean="0"/>
+              <a:t>8</a:t>
+            </a:r>
+            <a:r>
+              <a:rPr lang="zh-CN" altLang="en-US" dirty="0" smtClean="0"/>
+              <a:t>类</a:t>
+            </a:r>
+            <a:endParaRPr lang="en-US" altLang="zh-CN" dirty="0" smtClean="0"/>
+          </a:p>
+          <a:p>
+            <a:r>
+              <a:rPr lang="en-US" altLang="zh-CN" dirty="0"/>
+              <a:t>	</a:t>
+            </a:r>
+            <a:r>
+              <a:rPr lang="zh-CN" altLang="en-US" dirty="0"/>
+              <a:t> </a:t>
+            </a:r>
+            <a:r>
+              <a:rPr lang="zh-CN" altLang="en-US" dirty="0" smtClean="0"/>
+              <a:t>主要</a:t>
+            </a:r>
+            <a:r>
+              <a:rPr lang="zh-CN" altLang="en-US" dirty="0"/>
+              <a:t>分为：标注（点标注、矢量图形（包括折线、多边形、圆））、信息窗口、图层</a:t>
+            </a:r>
+            <a:r>
+              <a:rPr lang="zh-CN" altLang="en-US" dirty="0" smtClean="0"/>
+              <a:t>。</a:t>
+            </a:r>
+            <a:endParaRPr lang="en-US" altLang="zh-CN" dirty="0" smtClean="0"/>
+          </a:p>
+          <a:p>
+            <a:endParaRPr lang="en-US" altLang="zh-CN" dirty="0"/>
+          </a:p>
+          <a:p>
+            <a:r>
+              <a:rPr lang="en-US" altLang="zh-CN" dirty="0"/>
+              <a:t> </a:t>
+            </a:r>
+            <a:r>
+              <a:rPr lang="en-US" altLang="zh-CN" dirty="0" smtClean="0"/>
+              <a:t>   2</a:t>
+            </a:r>
+            <a:r>
+              <a:rPr lang="zh-CN" altLang="en-US" dirty="0" smtClean="0"/>
+              <a:t>、容器：覆盖物存放位置</a:t>
+            </a:r>
+            <a:endParaRPr lang="en-US" altLang="zh-CN" dirty="0" smtClean="0"/>
+          </a:p>
+          <a:p>
+            <a:endParaRPr lang="en-US" altLang="zh-CN" dirty="0" smtClean="0"/>
+          </a:p>
+          <a:p>
+            <a:endParaRPr lang="en-US" altLang="zh-CN" dirty="0"/>
+          </a:p>
+          <a:p>
+            <a:r>
+              <a:rPr lang="en-US" altLang="zh-CN" dirty="0"/>
+              <a:t> </a:t>
+            </a:r>
+            <a:r>
+              <a:rPr lang="en-US" altLang="zh-CN" dirty="0" smtClean="0"/>
+              <a:t>   3</a:t>
+            </a:r>
+            <a:r>
+              <a:rPr lang="zh-CN" altLang="en-US" dirty="0" smtClean="0"/>
+              <a:t>、共同点：拥有相同的基类（父类）</a:t>
+            </a:r>
+            <a:endParaRPr lang="en-US" altLang="zh-CN" dirty="0" smtClean="0"/>
+          </a:p>
+          <a:p>
+            <a:endParaRPr lang="en-US" altLang="zh-CN" dirty="0" smtClean="0"/>
+          </a:p>
+          <a:p>
+            <a:endParaRPr lang="en-US" altLang="zh-CN" dirty="0"/>
+          </a:p>
+          <a:p>
+            <a:r>
+              <a:rPr lang="en-US" altLang="zh-CN" dirty="0" smtClean="0"/>
+              <a:t>    4</a:t>
+            </a:r>
+            <a:r>
+              <a:rPr lang="zh-CN" altLang="en-US" dirty="0" smtClean="0"/>
+              <a:t>、自定义覆盖物</a:t>
+            </a:r>
+            <a:endParaRPr lang="en-US" altLang="zh-CN" dirty="0" smtClean="0"/>
           </a:p>
         </p:txBody>
       </p:sp>
@@ -3120,6 +4141,13 @@
     <a:masterClrMapping/>
   </p:clrMapOvr>
   <p:transition/>
+  <p:timing>
+    <p:tnLst>
+      <p:par>
+        <p:cTn id="1" dur="indefinite" restart="never" nodeType="tmRoot"/>
+      </p:par>
+    </p:tnLst>
+  </p:timing>
 </p:sld>
 </file>
 
@@ -3132,7 +4160,14 @@
         <p:cNvGrpSpPr/>
         <p:nvPr/>
       </p:nvGrpSpPr>
-      <p:grpSpPr/>
+      <p:grpSpPr>
+        <a:xfrm>
+          <a:off x="0" y="0"/>
+          <a:ext cx="0" cy="0"/>
+          <a:chOff x="0" y="0"/>
+          <a:chExt cx="0" cy="0"/>
+        </a:xfrm>
+      </p:grpSpPr>
       <p:sp>
         <p:nvSpPr>
           <p:cNvPr id="2" name="文本框 1"/>
@@ -3142,7 +4177,7 @@
         <p:spPr>
           <a:xfrm>
             <a:off x="231775" y="396875"/>
-            <a:ext cx="8457565" cy="3861435"/>
+            <a:ext cx="8457565" cy="4116512"/>
           </a:xfrm>
           <a:prstGeom prst="rect">
             <a:avLst/>
@@ -3153,28 +4188,43 @@
           <a:bodyPr wrap="square" rtlCol="0">
             <a:spAutoFit/>
           </a:bodyPr>
-          <a:p>
-            <a:endParaRPr lang="zh-CN" altLang="en-US"/>
+          <a:lstStyle/>
+          <a:p>
+            <a:endParaRPr lang="zh-CN" altLang="en-US" dirty="0"/>
           </a:p>
           <a:p>
             <a:pPr marL="457200" lvl="1" indent="0">
               <a:buNone/>
             </a:pPr>
             <a:r>
-              <a:rPr sz="1600">
-                <a:sym typeface="+mn-ea"/>
-              </a:rPr>
-              <a:t>BmMarker            </a:t>
-            </a:r>
-            <a:r>
-              <a:rPr lang="zh-CN" altLang="en-US" sz="1600">
+              <a:rPr sz="1600" dirty="0" err="1">
+                <a:sym typeface="+mn-ea"/>
+              </a:rPr>
+              <a:t>BmMarker</a:t>
+            </a:r>
+            <a:r>
+              <a:rPr sz="1600" dirty="0">
+                <a:sym typeface="+mn-ea"/>
+              </a:rPr>
+              <a:t>            </a:t>
+            </a:r>
+            <a:r>
+              <a:rPr lang="zh-CN" altLang="en-US" sz="1600" dirty="0">
                 <a:solidFill>
                   <a:schemeClr val="tx1"/>
                 </a:solidFill>
               </a:rPr>
-              <a:t>图标标注</a:t>
-            </a:r>
-            <a:endParaRPr lang="zh-CN" altLang="en-US" sz="1600">
+              <a:t>图标</a:t>
+            </a:r>
+            <a:r>
+              <a:rPr lang="zh-CN" altLang="en-US" sz="1600" dirty="0" smtClean="0">
+                <a:solidFill>
+                  <a:schemeClr val="tx1"/>
+                </a:solidFill>
+              </a:rPr>
+              <a:t>标注</a:t>
+            </a:r>
+            <a:endParaRPr lang="zh-CN" altLang="en-US" sz="1600" dirty="0">
               <a:solidFill>
                 <a:schemeClr val="tx1"/>
               </a:solidFill>
@@ -3185,30 +4235,36 @@
               <a:buNone/>
             </a:pPr>
             <a:r>
-              <a:rPr lang="en-US" altLang="zh-CN" sz="1600">
+              <a:rPr lang="en-US" altLang="zh-CN" sz="1600" dirty="0">
                 <a:sym typeface="+mn-ea"/>
               </a:rPr>
               <a:t>        </a:t>
             </a:r>
             <a:r>
-              <a:rPr lang="en-US" altLang="zh-CN" sz="1000">
-                <a:sym typeface="+mn-ea"/>
-              </a:rPr>
-              <a:t>(markerMouseTarget</a:t>
-            </a:r>
-            <a:r>
-              <a:rPr lang="zh-CN" altLang="en-US" sz="1000">
+              <a:rPr lang="en-US" altLang="zh-CN" sz="1000" dirty="0">
+                <a:sym typeface="+mn-ea"/>
+              </a:rPr>
+              <a:t>(</a:t>
+            </a:r>
+            <a:r>
+              <a:rPr lang="en-US" altLang="zh-CN" sz="1000" dirty="0" err="1">
+                <a:sym typeface="+mn-ea"/>
+              </a:rPr>
+              <a:t>markerMouseTarget</a:t>
+            </a:r>
+            <a:r>
+              <a:rPr lang="zh-CN" altLang="en-US" sz="1000" dirty="0">
                 <a:sym typeface="+mn-ea"/>
               </a:rPr>
               <a:t>、markerPane、markerShadow</a:t>
             </a:r>
             <a:r>
-              <a:rPr lang="en-US" altLang="zh-CN" sz="1000">
+              <a:rPr lang="en-US" altLang="zh-CN" sz="1000" dirty="0">
                 <a:sym typeface="+mn-ea"/>
               </a:rPr>
               <a:t>)</a:t>
             </a:r>
-            <a:endParaRPr lang="zh-CN" altLang="en-US" sz="1000">
+            <a:endParaRPr lang="zh-CN" altLang="en-US" sz="1000" dirty="0">
               <a:solidFill>
                 <a:schemeClr val="tx1"/>
               </a:solidFill>
@@ -3218,7 +4274,7 @@
             <a:pPr marL="457200" lvl="1" indent="0">
               <a:buNone/>
             </a:pPr>
-            <a:endParaRPr lang="zh-CN" altLang="en-US" sz="1600">
+            <a:endParaRPr lang="zh-CN" altLang="en-US" sz="1600" dirty="0">
               <a:solidFill>
                 <a:schemeClr val="tx1"/>
               </a:solidFill>
@@ -3228,7 +4284,7 @@
             <a:pPr marL="457200" lvl="1" indent="0">
               <a:buNone/>
             </a:pPr>
-            <a:endParaRPr lang="zh-CN" altLang="en-US" sz="1600">
+            <a:endParaRPr lang="zh-CN" altLang="en-US" sz="1600" dirty="0">
               <a:solidFill>
                 <a:schemeClr val="tx1"/>
               </a:solidFill>
@@ -3238,7 +4294,7 @@
             <a:pPr marL="457200" lvl="1" indent="0">
               <a:buNone/>
             </a:pPr>
-            <a:endParaRPr lang="zh-CN" altLang="en-US" sz="1600">
+            <a:endParaRPr lang="zh-CN" altLang="en-US" sz="1600" dirty="0">
               <a:solidFill>
                 <a:schemeClr val="tx1"/>
               </a:solidFill>
@@ -3249,50 +4305,63 @@
               <a:buNone/>
             </a:pPr>
             <a:r>
-              <a:rPr lang="en-US" altLang="zh-CN" sz="1600">
+              <a:rPr lang="en-US" altLang="zh-CN" sz="1600" dirty="0" err="1">
                 <a:solidFill>
                   <a:schemeClr val="tx1"/>
                 </a:solidFill>
               </a:rPr>
-              <a:t>BmLabel              </a:t>
-            </a:r>
-            <a:r>
-              <a:rPr lang="zh-CN" altLang="en-US" sz="1600">
+              <a:t>BmLabel</a:t>
+            </a:r>
+            <a:r>
+              <a:rPr lang="en-US" altLang="zh-CN" sz="1600" dirty="0">
                 <a:solidFill>
                   <a:schemeClr val="tx1"/>
                 </a:solidFill>
               </a:rPr>
+              <a:t>              </a:t>
+            </a:r>
+            <a:r>
+              <a:rPr lang="zh-CN" altLang="en-US" sz="1600" dirty="0">
+                <a:solidFill>
+                  <a:schemeClr val="tx1"/>
+                </a:solidFill>
+              </a:rPr>
               <a:t>文本标注</a:t>
             </a:r>
-            <a:endParaRPr lang="zh-CN" altLang="en-US" sz="1600">
+          </a:p>
+          <a:p>
+            <a:pPr marL="0" lvl="1" indent="0">
+              <a:buNone/>
+            </a:pPr>
+            <a:r>
+              <a:rPr lang="en-US" altLang="zh-CN" sz="1000" dirty="0">
+                <a:sym typeface="+mn-ea"/>
+              </a:rPr>
+              <a:t>            (</a:t>
+            </a:r>
+            <a:r>
+              <a:rPr sz="1000" dirty="0" err="1">
+                <a:sym typeface="+mn-ea"/>
+              </a:rPr>
+              <a:t>labelPane</a:t>
+            </a:r>
+            <a:r>
+              <a:rPr lang="en-US" altLang="zh-CN" sz="1000" dirty="0">
+                <a:sym typeface="+mn-ea"/>
+              </a:rPr>
+              <a:t>)</a:t>
+            </a:r>
+            <a:endParaRPr lang="zh-CN" altLang="en-US" sz="1000" dirty="0">
               <a:solidFill>
                 <a:schemeClr val="tx1"/>
               </a:solidFill>
             </a:endParaRPr>
           </a:p>
           <a:p>
-            <a:pPr marL="0" lvl="1" indent="0">
+            <a:pPr marL="457200" lvl="1" indent="0">
               <a:buNone/>
             </a:pPr>
-            <a:r>
-              <a:rPr lang="en-US" altLang="zh-CN" sz="1000">
-                <a:sym typeface="+mn-ea"/>
-              </a:rPr>
-              <a:t>            (</a:t>
-            </a:r>
-            <a:r>
-              <a:rPr sz="1000">
-                <a:sym typeface="+mn-ea"/>
-              </a:rPr>
-              <a:t>labelPane</a:t>
-            </a:r>
-            <a:r>
-              <a:rPr lang="en-US" altLang="zh-CN" sz="1000">
-                <a:sym typeface="+mn-ea"/>
-              </a:rPr>
-              <a:t>)</a:t>
-            </a:r>
-            <a:endParaRPr lang="zh-CN" altLang="en-US" sz="1000">
+            <a:endParaRPr lang="zh-CN" altLang="en-US" sz="1600" dirty="0">
               <a:solidFill>
                 <a:schemeClr val="tx1"/>
               </a:solidFill>
@@ -3302,7 +4371,7 @@
             <a:pPr marL="457200" lvl="1" indent="0">
               <a:buNone/>
             </a:pPr>
-            <a:endParaRPr lang="zh-CN" altLang="en-US" sz="1600">
+            <a:endParaRPr lang="zh-CN" altLang="en-US" sz="1600" dirty="0">
               <a:solidFill>
                 <a:schemeClr val="tx1"/>
               </a:solidFill>
@@ -3312,7 +4381,60 @@
             <a:pPr marL="457200" lvl="1" indent="0">
               <a:buNone/>
             </a:pPr>
-            <a:endParaRPr lang="zh-CN" altLang="en-US" sz="1600">
+            <a:r>
+              <a:rPr lang="en-US" altLang="zh-CN" sz="1600" dirty="0" err="1">
+                <a:solidFill>
+                  <a:schemeClr val="tx1"/>
+                </a:solidFill>
+              </a:rPr>
+              <a:t>BmInfoWindow</a:t>
+            </a:r>
+            <a:r>
+              <a:rPr lang="en-US" altLang="zh-CN" sz="1600" dirty="0">
+                <a:solidFill>
+                  <a:schemeClr val="tx1"/>
+                </a:solidFill>
+              </a:rPr>
+              <a:t>     </a:t>
+            </a:r>
+            <a:r>
+              <a:rPr lang="zh-CN" altLang="en-US" sz="1600" dirty="0">
+                <a:solidFill>
+                  <a:schemeClr val="tx1"/>
+                </a:solidFill>
+              </a:rPr>
+              <a:t>信息窗口</a:t>
+            </a:r>
+          </a:p>
+          <a:p>
+            <a:pPr marL="457200" lvl="1" indent="0">
+              <a:buNone/>
+            </a:pPr>
+            <a:r>
+              <a:rPr lang="en-US" altLang="zh-CN" sz="1000" dirty="0">
+                <a:sym typeface="+mn-ea"/>
+              </a:rPr>
+              <a:t>(</a:t>
+            </a:r>
+            <a:r>
+              <a:rPr lang="en-US" altLang="zh-CN" sz="1000" dirty="0" err="1">
+                <a:sym typeface="+mn-ea"/>
+              </a:rPr>
+              <a:t>floatPane</a:t>
+            </a:r>
+            <a:r>
+              <a:rPr lang="zh-CN" altLang="en-US" sz="1000" dirty="0">
+                <a:sym typeface="+mn-ea"/>
+              </a:rPr>
+              <a:t>、floatShadow</a:t>
+            </a:r>
+            <a:r>
+              <a:rPr lang="en-US" altLang="zh-CN" sz="1000" dirty="0">
+                <a:sym typeface="+mn-ea"/>
+              </a:rPr>
+              <a:t>)</a:t>
+            </a:r>
+            <a:endParaRPr lang="zh-CN" altLang="en-US" sz="1000" dirty="0">
               <a:solidFill>
                 <a:schemeClr val="tx1"/>
               </a:solidFill>
@@ -3322,23 +4444,7 @@
             <a:pPr marL="457200" lvl="1" indent="0">
               <a:buNone/>
             </a:pPr>
-            <a:r>
-              <a:rPr lang="en-US" altLang="zh-CN" sz="1600">
-                <a:solidFill>
-                  <a:schemeClr val="tx1"/>
-                </a:solidFill>
-              </a:rPr>
-              <a:t>BmInfoWindow     </a:t>
-            </a:r>
-            <a:r>
-              <a:rPr lang="zh-CN" altLang="en-US" sz="1600">
-                <a:solidFill>
-                  <a:schemeClr val="tx1"/>
-                </a:solidFill>
-              </a:rPr>
-              <a:t>信息窗口</a:t>
-            </a:r>
-            <a:endParaRPr lang="zh-CN" altLang="en-US" sz="1600">
+            <a:endParaRPr lang="en-US" altLang="zh-CN" sz="1600" dirty="0" smtClean="0">
               <a:solidFill>
                 <a:schemeClr val="tx1"/>
               </a:solidFill>
@@ -3348,35 +4454,50 @@
             <a:pPr marL="457200" lvl="1" indent="0">
               <a:buNone/>
             </a:pPr>
-            <a:r>
-              <a:rPr lang="en-US" altLang="zh-CN" sz="1000">
-                <a:sym typeface="+mn-ea"/>
-              </a:rPr>
-              <a:t>(floatPane</a:t>
-            </a:r>
-            <a:r>
-              <a:rPr lang="zh-CN" altLang="en-US" sz="1000">
-                <a:sym typeface="+mn-ea"/>
-              </a:rPr>
-              <a:t>、floatShadow</a:t>
-            </a:r>
-            <a:r>
-              <a:rPr lang="en-US" altLang="zh-CN" sz="1000">
-                <a:sym typeface="+mn-ea"/>
-              </a:rPr>
-              <a:t>)</a:t>
-            </a:r>
-            <a:endParaRPr lang="zh-CN" altLang="en-US" sz="1000">
+            <a:endParaRPr lang="zh-CN" altLang="en-US" sz="1600" dirty="0">
               <a:solidFill>
                 <a:schemeClr val="tx1"/>
               </a:solidFill>
             </a:endParaRPr>
           </a:p>
           <a:p>
+            <a:pPr lvl="1"/>
+            <a:r>
+              <a:rPr lang="zh-CN" altLang="en-US" sz="1600" dirty="0">
+                <a:sym typeface="+mn-ea"/>
+              </a:rPr>
+              <a:t>BmGround            图层 </a:t>
+            </a:r>
+          </a:p>
+          <a:p>
+            <a:pPr lvl="1"/>
+            <a:r>
+              <a:rPr lang="en-US" altLang="zh-CN" sz="1050" dirty="0">
+                <a:sym typeface="+mn-ea"/>
+              </a:rPr>
+              <a:t>(</a:t>
+            </a:r>
+            <a:r>
+              <a:rPr lang="en-US" altLang="zh-CN" sz="1050" dirty="0" err="1">
+                <a:sym typeface="+mn-ea"/>
+              </a:rPr>
+              <a:t>floatPane</a:t>
+            </a:r>
+            <a:r>
+              <a:rPr lang="en-US" altLang="zh-CN" sz="1050" dirty="0">
+                <a:sym typeface="+mn-ea"/>
+              </a:rPr>
+              <a:t>)</a:t>
+            </a:r>
+            <a:endParaRPr lang="zh-CN" altLang="en-US" sz="1050" dirty="0">
+              <a:sym typeface="+mn-ea"/>
+            </a:endParaRPr>
+          </a:p>
+          <a:p>
             <a:pPr marL="457200" lvl="1" indent="0">
               <a:buNone/>
             </a:pPr>
-            <a:endParaRPr lang="zh-CN" altLang="en-US" sz="1600">
+            <a:endParaRPr lang="zh-CN" altLang="en-US" sz="1600" dirty="0">
               <a:solidFill>
                 <a:schemeClr val="tx1"/>
               </a:solidFill>
@@ -3386,127 +4507,51 @@
             <a:pPr marL="457200" lvl="1" indent="0">
               <a:buNone/>
             </a:pPr>
-            <a:endParaRPr lang="zh-CN" altLang="en-US" sz="1600">
+            <a:endParaRPr lang="en-US" altLang="zh-CN" sz="1000" dirty="0">
               <a:solidFill>
                 <a:schemeClr val="tx1"/>
               </a:solidFill>
             </a:endParaRPr>
           </a:p>
-          <a:p>
-            <a:pPr marL="457200" lvl="1" indent="0">
-              <a:buNone/>
-            </a:pPr>
-            <a:r>
-              <a:rPr lang="zh-CN" altLang="en-US" sz="1600">
-                <a:sym typeface="+mn-ea"/>
-              </a:rPr>
-              <a:t>Bm</a:t>
-            </a:r>
-            <a:r>
-              <a:rPr lang="zh-CN" altLang="en-US" sz="1600">
-                <a:solidFill>
-                  <a:schemeClr val="tx1"/>
-                </a:solidFill>
-              </a:rPr>
-              <a:t>Polyline           折线 </a:t>
-            </a:r>
-            <a:endParaRPr lang="zh-CN" altLang="en-US" sz="1600">
-              <a:solidFill>
-                <a:schemeClr val="tx1"/>
-              </a:solidFill>
-            </a:endParaRPr>
-          </a:p>
-          <a:p>
-            <a:pPr marL="457200" lvl="1" indent="0">
-              <a:buNone/>
-            </a:pPr>
-            <a:r>
-              <a:rPr lang="en-US" altLang="zh-CN" sz="1000">
-                <a:sym typeface="+mn-ea"/>
-              </a:rPr>
-              <a:t>(</a:t>
-            </a:r>
-            <a:r>
-              <a:rPr sz="1000">
-                <a:sym typeface="+mn-ea"/>
-              </a:rPr>
-              <a:t>mapPane</a:t>
-            </a:r>
-            <a:r>
-              <a:rPr lang="en-US" altLang="zh-CN" sz="1000">
-                <a:sym typeface="+mn-ea"/>
-              </a:rPr>
-              <a:t>)</a:t>
-            </a:r>
-            <a:endParaRPr lang="zh-CN" altLang="en-US" sz="1000">
-              <a:solidFill>
-                <a:schemeClr val="tx1"/>
-              </a:solidFill>
-            </a:endParaRPr>
-          </a:p>
-          <a:p>
-            <a:pPr marL="457200" lvl="1" indent="0">
-              <a:buNone/>
-            </a:pPr>
-            <a:endParaRPr lang="en-US" altLang="zh-CN" sz="1000">
-              <a:solidFill>
-                <a:schemeClr val="tx1"/>
-              </a:solidFill>
-            </a:endParaRPr>
+        </p:txBody>
+      </p:sp>
+      <p:sp>
+        <p:nvSpPr>
+          <p:cNvPr id="8" name="文本框 7"/>
+          <p:cNvSpPr txBox="1"/>
+          <p:nvPr/>
+        </p:nvSpPr>
+        <p:spPr>
+          <a:xfrm>
+            <a:off x="231774" y="177732"/>
+            <a:ext cx="2396009" cy="292388"/>
+          </a:xfrm>
+          <a:prstGeom prst="rect">
+            <a:avLst/>
+          </a:prstGeom>
+          <a:noFill/>
+        </p:spPr>
+        <p:txBody>
+          <a:bodyPr wrap="square" rtlCol="0">
+            <a:spAutoFit/>
+          </a:bodyPr>
+          <a:lstStyle/>
+          <a:p>
+            <a:r>
+              <a:rPr lang="en-US" altLang="zh-CN" dirty="0" smtClean="0"/>
+              <a:t>1</a:t>
+            </a:r>
+            <a:r>
+              <a:rPr lang="zh-CN" altLang="en-US" dirty="0" smtClean="0"/>
+              <a:t>、覆盖物简介：</a:t>
+            </a:r>
+            <a:endParaRPr lang="zh-CN" altLang="en-US" dirty="0"/>
           </a:p>
         </p:txBody>
       </p:sp>
       <p:pic>
         <p:nvPicPr>
-          <p:cNvPr id="3" name="图片 2"/>
-          <p:cNvPicPr>
-            <a:picLocks noChangeAspect="1"/>
-          </p:cNvPicPr>
-          <p:nvPr/>
-        </p:nvPicPr>
-        <p:blipFill>
-          <a:blip r:embed="rId1"/>
-          <a:stretch>
-            <a:fillRect/>
-          </a:stretch>
-        </p:blipFill>
-        <p:spPr>
-          <a:xfrm>
-            <a:off x="6526530" y="612775"/>
-            <a:ext cx="1064260" cy="806450"/>
-          </a:xfrm>
-          <a:prstGeom prst="rect">
-            <a:avLst/>
-          </a:prstGeom>
-        </p:spPr>
-      </p:pic>
-      <p:pic>
-        <p:nvPicPr>
-          <p:cNvPr id="4" name="图片 3"/>
-          <p:cNvPicPr>
-            <a:picLocks noChangeAspect="1"/>
-          </p:cNvPicPr>
-          <p:nvPr/>
-        </p:nvPicPr>
-        <p:blipFill>
-          <a:blip r:embed="rId2"/>
-          <a:stretch>
-            <a:fillRect/>
-          </a:stretch>
-        </p:blipFill>
-        <p:spPr>
-          <a:xfrm rot="10800000" flipV="1">
-            <a:off x="6526530" y="2502535"/>
-            <a:ext cx="2261870" cy="1052830"/>
-          </a:xfrm>
-          <a:prstGeom prst="rect">
-            <a:avLst/>
-          </a:prstGeom>
-        </p:spPr>
-      </p:pic>
-      <p:pic>
-        <p:nvPicPr>
-          <p:cNvPr id="5" name="图片 4"/>
+          <p:cNvPr id="6" name="图片 5"/>
           <p:cNvPicPr>
             <a:picLocks noChangeAspect="1"/>
           </p:cNvPicPr>
@@ -3520,8 +4565,701 @@
         </p:blipFill>
         <p:spPr>
           <a:xfrm>
-            <a:off x="4242435" y="1419225"/>
-            <a:ext cx="1689100" cy="1083310"/>
+            <a:off x="4572000" y="627534"/>
+            <a:ext cx="3691310" cy="3494902"/>
+          </a:xfrm>
+          <a:prstGeom prst="rect">
+            <a:avLst/>
+          </a:prstGeom>
+        </p:spPr>
+      </p:pic>
+      <p:pic>
+        <p:nvPicPr>
+          <p:cNvPr id="9" name="图片 8"/>
+          <p:cNvPicPr>
+            <a:picLocks noChangeAspect="1"/>
+          </p:cNvPicPr>
+          <p:nvPr/>
+        </p:nvPicPr>
+        <p:blipFill>
+          <a:blip r:embed="rId4"/>
+          <a:stretch>
+            <a:fillRect/>
+          </a:stretch>
+        </p:blipFill>
+        <p:spPr>
+          <a:xfrm>
+            <a:off x="4572000" y="627534"/>
+            <a:ext cx="3660505" cy="3561953"/>
+          </a:xfrm>
+          <a:prstGeom prst="rect">
+            <a:avLst/>
+          </a:prstGeom>
+        </p:spPr>
+      </p:pic>
+      <p:pic>
+        <p:nvPicPr>
+          <p:cNvPr id="10" name="图片 9"/>
+          <p:cNvPicPr>
+            <a:picLocks noChangeAspect="1"/>
+          </p:cNvPicPr>
+          <p:nvPr/>
+        </p:nvPicPr>
+        <p:blipFill>
+          <a:blip r:embed="rId5"/>
+          <a:stretch>
+            <a:fillRect/>
+          </a:stretch>
+        </p:blipFill>
+        <p:spPr>
+          <a:xfrm>
+            <a:off x="4440154" y="590770"/>
+            <a:ext cx="3989836" cy="3728721"/>
+          </a:xfrm>
+          <a:prstGeom prst="rect">
+            <a:avLst/>
+          </a:prstGeom>
+        </p:spPr>
+      </p:pic>
+      <p:pic>
+        <p:nvPicPr>
+          <p:cNvPr id="11" name="图片 10"/>
+          <p:cNvPicPr>
+            <a:picLocks noChangeAspect="1"/>
+          </p:cNvPicPr>
+          <p:nvPr/>
+        </p:nvPicPr>
+        <p:blipFill>
+          <a:blip r:embed="rId6"/>
+          <a:stretch>
+            <a:fillRect/>
+          </a:stretch>
+        </p:blipFill>
+        <p:spPr>
+          <a:xfrm>
+            <a:off x="4428099" y="603301"/>
+            <a:ext cx="4219500" cy="3599687"/>
+          </a:xfrm>
+          <a:prstGeom prst="rect">
+            <a:avLst/>
+          </a:prstGeom>
+        </p:spPr>
+      </p:pic>
+    </p:spTree>
+    <p:custDataLst>
+      <p:tags r:id="rId1"/>
+    </p:custDataLst>
+  </p:cSld>
+  <p:clrMapOvr>
+    <a:masterClrMapping/>
+  </p:clrMapOvr>
+  <p:transition/>
+  <p:timing>
+    <p:tnLst>
+      <p:par>
+        <p:cTn id="1" dur="indefinite" restart="never" nodeType="tmRoot">
+          <p:childTnLst>
+            <p:seq concurrent="1" nextAc="seek">
+              <p:cTn id="2" dur="indefinite" nodeType="mainSeq">
+                <p:childTnLst>
+                  <p:par>
+                    <p:cTn id="3" fill="hold">
+                      <p:stCondLst>
+                        <p:cond delay="indefinite"/>
+                      </p:stCondLst>
+                      <p:childTnLst>
+                        <p:par>
+                          <p:cTn id="4" fill="hold">
+                            <p:stCondLst>
+                              <p:cond delay="0"/>
+                            </p:stCondLst>
+                            <p:childTnLst>
+                              <p:par>
+                                <p:cTn id="5" presetID="10" presetClass="entr" presetSubtype="0" fill="hold" nodeType="clickEffect">
+                                  <p:stCondLst>
+                                    <p:cond delay="0"/>
+                                  </p:stCondLst>
+                                  <p:childTnLst>
+                                    <p:set>
+                                      <p:cBhvr>
+                                        <p:cTn id="6" dur="1" fill="hold">
+                                          <p:stCondLst>
+                                            <p:cond delay="0"/>
+                                          </p:stCondLst>
+                                        </p:cTn>
+                                        <p:tgtEl>
+                                          <p:spTgt spid="6"/>
+                                        </p:tgtEl>
+                                        <p:attrNameLst>
+                                          <p:attrName>style.visibility</p:attrName>
+                                        </p:attrNameLst>
+                                      </p:cBhvr>
+                                      <p:to>
+                                        <p:strVal val="visible"/>
+                                      </p:to>
+                                    </p:set>
+                                    <p:animEffect transition="in" filter="fade">
+                                      <p:cBhvr>
+                                        <p:cTn id="7" dur="500"/>
+                                        <p:tgtEl>
+                                          <p:spTgt spid="6"/>
+                                        </p:tgtEl>
+                                      </p:cBhvr>
+                                    </p:animEffect>
+                                  </p:childTnLst>
+                                </p:cTn>
+                              </p:par>
+                            </p:childTnLst>
+                          </p:cTn>
+                        </p:par>
+                      </p:childTnLst>
+                    </p:cTn>
+                  </p:par>
+                  <p:par>
+                    <p:cTn id="8" fill="hold">
+                      <p:stCondLst>
+                        <p:cond delay="indefinite"/>
+                      </p:stCondLst>
+                      <p:childTnLst>
+                        <p:par>
+                          <p:cTn id="9" fill="hold">
+                            <p:stCondLst>
+                              <p:cond delay="0"/>
+                            </p:stCondLst>
+                            <p:childTnLst>
+                              <p:par>
+                                <p:cTn id="10" presetID="10" presetClass="entr" presetSubtype="0" fill="hold" nodeType="clickEffect">
+                                  <p:stCondLst>
+                                    <p:cond delay="0"/>
+                                  </p:stCondLst>
+                                  <p:childTnLst>
+                                    <p:set>
+                                      <p:cBhvr>
+                                        <p:cTn id="11" dur="1" fill="hold">
+                                          <p:stCondLst>
+                                            <p:cond delay="0"/>
+                                          </p:stCondLst>
+                                        </p:cTn>
+                                        <p:tgtEl>
+                                          <p:spTgt spid="9"/>
+                                        </p:tgtEl>
+                                        <p:attrNameLst>
+                                          <p:attrName>style.visibility</p:attrName>
+                                        </p:attrNameLst>
+                                      </p:cBhvr>
+                                      <p:to>
+                                        <p:strVal val="visible"/>
+                                      </p:to>
+                                    </p:set>
+                                    <p:animEffect transition="in" filter="fade">
+                                      <p:cBhvr>
+                                        <p:cTn id="12" dur="500"/>
+                                        <p:tgtEl>
+                                          <p:spTgt spid="9"/>
+                                        </p:tgtEl>
+                                      </p:cBhvr>
+                                    </p:animEffect>
+                                  </p:childTnLst>
+                                </p:cTn>
+                              </p:par>
+                            </p:childTnLst>
+                          </p:cTn>
+                        </p:par>
+                      </p:childTnLst>
+                    </p:cTn>
+                  </p:par>
+                  <p:par>
+                    <p:cTn id="13" fill="hold">
+                      <p:stCondLst>
+                        <p:cond delay="indefinite"/>
+                      </p:stCondLst>
+                      <p:childTnLst>
+                        <p:par>
+                          <p:cTn id="14" fill="hold">
+                            <p:stCondLst>
+                              <p:cond delay="0"/>
+                            </p:stCondLst>
+                            <p:childTnLst>
+                              <p:par>
+                                <p:cTn id="15" presetID="10" presetClass="entr" presetSubtype="0" fill="hold" nodeType="clickEffect">
+                                  <p:stCondLst>
+                                    <p:cond delay="0"/>
+                                  </p:stCondLst>
+                                  <p:childTnLst>
+                                    <p:set>
+                                      <p:cBhvr>
+                                        <p:cTn id="16" dur="1" fill="hold">
+                                          <p:stCondLst>
+                                            <p:cond delay="0"/>
+                                          </p:stCondLst>
+                                        </p:cTn>
+                                        <p:tgtEl>
+                                          <p:spTgt spid="10"/>
+                                        </p:tgtEl>
+                                        <p:attrNameLst>
+                                          <p:attrName>style.visibility</p:attrName>
+                                        </p:attrNameLst>
+                                      </p:cBhvr>
+                                      <p:to>
+                                        <p:strVal val="visible"/>
+                                      </p:to>
+                                    </p:set>
+                                    <p:animEffect transition="in" filter="fade">
+                                      <p:cBhvr>
+                                        <p:cTn id="17" dur="500"/>
+                                        <p:tgtEl>
+                                          <p:spTgt spid="10"/>
+                                        </p:tgtEl>
+                                      </p:cBhvr>
+                                    </p:animEffect>
+                                  </p:childTnLst>
+                                </p:cTn>
+                              </p:par>
+                            </p:childTnLst>
+                          </p:cTn>
+                        </p:par>
+                      </p:childTnLst>
+                    </p:cTn>
+                  </p:par>
+                  <p:par>
+                    <p:cTn id="18" fill="hold">
+                      <p:stCondLst>
+                        <p:cond delay="indefinite"/>
+                      </p:stCondLst>
+                      <p:childTnLst>
+                        <p:par>
+                          <p:cTn id="19" fill="hold">
+                            <p:stCondLst>
+                              <p:cond delay="0"/>
+                            </p:stCondLst>
+                            <p:childTnLst>
+                              <p:par>
+                                <p:cTn id="20" presetID="10" presetClass="entr" presetSubtype="0" fill="hold" nodeType="clickEffect">
+                                  <p:stCondLst>
+                                    <p:cond delay="0"/>
+                                  </p:stCondLst>
+                                  <p:childTnLst>
+                                    <p:set>
+                                      <p:cBhvr>
+                                        <p:cTn id="21" dur="1" fill="hold">
+                                          <p:stCondLst>
+                                            <p:cond delay="0"/>
+                                          </p:stCondLst>
+                                        </p:cTn>
+                                        <p:tgtEl>
+                                          <p:spTgt spid="11"/>
+                                        </p:tgtEl>
+                                        <p:attrNameLst>
+                                          <p:attrName>style.visibility</p:attrName>
+                                        </p:attrNameLst>
+                                      </p:cBhvr>
+                                      <p:to>
+                                        <p:strVal val="visible"/>
+                                      </p:to>
+                                    </p:set>
+                                    <p:animEffect transition="in" filter="fade">
+                                      <p:cBhvr>
+                                        <p:cTn id="22" dur="500"/>
+                                        <p:tgtEl>
+                                          <p:spTgt spid="11"/>
+                                        </p:tgtEl>
+                                      </p:cBhvr>
+                                    </p:animEffect>
+                                  </p:childTnLst>
+                                </p:cTn>
+                              </p:par>
+                            </p:childTnLst>
+                          </p:cTn>
+                        </p:par>
+                      </p:childTnLst>
+                    </p:cTn>
+                  </p:par>
+                </p:childTnLst>
+              </p:cTn>
+              <p:prevCondLst>
+                <p:cond evt="onPrev" delay="0">
+                  <p:tgtEl>
+                    <p:sldTgt/>
+                  </p:tgtEl>
+                </p:cond>
+              </p:prevCondLst>
+              <p:nextCondLst>
+                <p:cond evt="onNext" delay="0">
+                  <p:tgtEl>
+                    <p:sldTgt/>
+                  </p:tgtEl>
+                </p:cond>
+              </p:nextCondLst>
+            </p:seq>
+          </p:childTnLst>
+        </p:cTn>
+      </p:par>
+    </p:tnLst>
+  </p:timing>
+</p:sld>
+</file>
+
+<file path=ppt/slides/slide6.xml><?xml version="1.0" encoding="utf-8"?>
+<p:sld xmlns:a="http://schemas.openxmlformats.org/drawingml/2006/main" xmlns:r="http://schemas.openxmlformats.org/officeDocument/2006/relationships" xmlns:p="http://schemas.openxmlformats.org/presentationml/2006/main">
+  <p:cSld>
+    <p:spTree>
+      <p:nvGrpSpPr>
+        <p:cNvPr id="1" name=""/>
+        <p:cNvGrpSpPr/>
+        <p:nvPr/>
+      </p:nvGrpSpPr>
+      <p:grpSpPr>
+        <a:xfrm>
+          <a:off x="0" y="0"/>
+          <a:ext cx="0" cy="0"/>
+          <a:chOff x="0" y="0"/>
+          <a:chExt cx="0" cy="0"/>
+        </a:xfrm>
+      </p:grpSpPr>
+      <p:sp>
+        <p:nvSpPr>
+          <p:cNvPr id="3" name="文本框 2"/>
+          <p:cNvSpPr txBox="1"/>
+          <p:nvPr/>
+        </p:nvSpPr>
+        <p:spPr>
+          <a:xfrm>
+            <a:off x="294005" y="302260"/>
+            <a:ext cx="8462010" cy="3754874"/>
+          </a:xfrm>
+          <a:prstGeom prst="rect">
+            <a:avLst/>
+          </a:prstGeom>
+          <a:noFill/>
+        </p:spPr>
+        <p:txBody>
+          <a:bodyPr wrap="square" rtlCol="0">
+            <a:spAutoFit/>
+          </a:bodyPr>
+          <a:lstStyle/>
+          <a:p>
+            <a:pPr marL="457200" lvl="1" indent="0">
+              <a:buNone/>
+            </a:pPr>
+            <a:endParaRPr lang="zh-CN" altLang="en-US" dirty="0">
+              <a:sym typeface="+mn-ea"/>
+            </a:endParaRPr>
+          </a:p>
+          <a:p>
+            <a:pPr marL="457200" lvl="1" indent="0">
+              <a:buNone/>
+            </a:pPr>
+            <a:r>
+              <a:rPr lang="zh-CN" altLang="en-US" dirty="0">
+                <a:sym typeface="+mn-ea"/>
+              </a:rPr>
+              <a:t>BmPolygon          多边形</a:t>
+            </a:r>
+          </a:p>
+          <a:p>
+            <a:pPr marL="457200" lvl="1" indent="0">
+              <a:buNone/>
+            </a:pPr>
+            <a:r>
+              <a:rPr lang="en-US" altLang="zh-CN" sz="1000" dirty="0">
+                <a:solidFill>
+                  <a:schemeClr val="tx1"/>
+                </a:solidFill>
+                <a:sym typeface="+mn-ea"/>
+              </a:rPr>
+              <a:t>(</a:t>
+            </a:r>
+            <a:r>
+              <a:rPr lang="en-US" altLang="zh-CN" sz="1000" dirty="0" err="1">
+                <a:solidFill>
+                  <a:schemeClr val="tx1"/>
+                </a:solidFill>
+                <a:sym typeface="+mn-ea"/>
+              </a:rPr>
+              <a:t>mapPane</a:t>
+            </a:r>
+            <a:r>
+              <a:rPr lang="en-US" altLang="zh-CN" sz="1000" dirty="0">
+                <a:solidFill>
+                  <a:schemeClr val="tx1"/>
+                </a:solidFill>
+                <a:sym typeface="+mn-ea"/>
+              </a:rPr>
+              <a:t>)</a:t>
+            </a:r>
+            <a:endParaRPr lang="zh-CN" altLang="en-US" sz="1000" dirty="0">
+              <a:solidFill>
+                <a:schemeClr val="tx1"/>
+              </a:solidFill>
+              <a:sym typeface="+mn-ea"/>
+            </a:endParaRPr>
+          </a:p>
+          <a:p>
+            <a:pPr marL="457200" lvl="1" indent="0">
+              <a:buNone/>
+            </a:pPr>
+            <a:endParaRPr lang="zh-CN" altLang="en-US" dirty="0">
+              <a:solidFill>
+                <a:schemeClr val="tx1"/>
+              </a:solidFill>
+            </a:endParaRPr>
+          </a:p>
+          <a:p>
+            <a:pPr marL="457200" lvl="1" indent="0">
+              <a:buNone/>
+            </a:pPr>
+            <a:endParaRPr lang="zh-CN" altLang="en-US" dirty="0">
+              <a:solidFill>
+                <a:schemeClr val="tx1"/>
+              </a:solidFill>
+            </a:endParaRPr>
+          </a:p>
+          <a:p>
+            <a:pPr marL="457200" lvl="1" indent="0">
+              <a:buNone/>
+            </a:pPr>
+            <a:endParaRPr lang="zh-CN" altLang="en-US" dirty="0">
+              <a:solidFill>
+                <a:schemeClr val="tx1"/>
+              </a:solidFill>
+            </a:endParaRPr>
+          </a:p>
+          <a:p>
+            <a:pPr marL="457200" lvl="1" indent="0">
+              <a:buNone/>
+            </a:pPr>
+            <a:r>
+              <a:rPr lang="zh-CN" altLang="en-US" dirty="0">
+                <a:sym typeface="+mn-ea"/>
+              </a:rPr>
+              <a:t>BmCircle               圆形</a:t>
+            </a:r>
+          </a:p>
+          <a:p>
+            <a:pPr marL="457200" lvl="1" indent="0">
+              <a:buNone/>
+            </a:pPr>
+            <a:r>
+              <a:rPr lang="en-US" altLang="zh-CN" sz="1000" dirty="0">
+                <a:solidFill>
+                  <a:schemeClr val="tx1"/>
+                </a:solidFill>
+                <a:sym typeface="+mn-ea"/>
+              </a:rPr>
+              <a:t>(</a:t>
+            </a:r>
+            <a:r>
+              <a:rPr lang="en-US" altLang="zh-CN" sz="1000" dirty="0" err="1">
+                <a:solidFill>
+                  <a:schemeClr val="tx1"/>
+                </a:solidFill>
+                <a:sym typeface="+mn-ea"/>
+              </a:rPr>
+              <a:t>mapPane</a:t>
+            </a:r>
+            <a:r>
+              <a:rPr lang="en-US" altLang="zh-CN" sz="1000" dirty="0">
+                <a:solidFill>
+                  <a:schemeClr val="tx1"/>
+                </a:solidFill>
+                <a:sym typeface="+mn-ea"/>
+              </a:rPr>
+              <a:t>)</a:t>
+            </a:r>
+            <a:endParaRPr lang="zh-CN" altLang="en-US" sz="1000" dirty="0">
+              <a:solidFill>
+                <a:schemeClr val="tx1"/>
+              </a:solidFill>
+              <a:sym typeface="+mn-ea"/>
+            </a:endParaRPr>
+          </a:p>
+          <a:p>
+            <a:pPr marL="457200" lvl="1" indent="0">
+              <a:buNone/>
+            </a:pPr>
+            <a:endParaRPr lang="zh-CN" altLang="en-US" dirty="0">
+              <a:solidFill>
+                <a:schemeClr val="tx1"/>
+              </a:solidFill>
+            </a:endParaRPr>
+          </a:p>
+          <a:p>
+            <a:pPr marL="457200" lvl="1" indent="0">
+              <a:buNone/>
+            </a:pPr>
+            <a:endParaRPr lang="zh-CN" altLang="en-US" dirty="0">
+              <a:solidFill>
+                <a:schemeClr val="tx1"/>
+              </a:solidFill>
+            </a:endParaRPr>
+          </a:p>
+          <a:p>
+            <a:pPr marL="457200" lvl="1" indent="0">
+              <a:buNone/>
+            </a:pPr>
+            <a:endParaRPr lang="zh-CN" altLang="en-US" dirty="0">
+              <a:solidFill>
+                <a:schemeClr val="tx1"/>
+              </a:solidFill>
+            </a:endParaRPr>
+          </a:p>
+          <a:p>
+            <a:pPr lvl="1"/>
+            <a:r>
+              <a:rPr lang="en-US" altLang="zh-CN" sz="1400" dirty="0" err="1">
+                <a:sym typeface="+mn-ea"/>
+              </a:rPr>
+              <a:t>Bm</a:t>
+            </a:r>
+            <a:r>
+              <a:rPr lang="en-US" altLang="zh-CN" sz="1400" dirty="0" err="1"/>
+              <a:t>Polyline</a:t>
+            </a:r>
+            <a:r>
+              <a:rPr lang="en-US" altLang="zh-CN" sz="1400" dirty="0"/>
+              <a:t>           </a:t>
+            </a:r>
+            <a:r>
+              <a:rPr lang="zh-CN" altLang="en-US" sz="1400" dirty="0"/>
+              <a:t>折线 </a:t>
+            </a:r>
+          </a:p>
+          <a:p>
+            <a:pPr lvl="1"/>
+            <a:r>
+              <a:rPr lang="en-US" altLang="zh-CN" sz="900" dirty="0">
+                <a:sym typeface="+mn-ea"/>
+              </a:rPr>
+              <a:t>(</a:t>
+            </a:r>
+            <a:r>
+              <a:rPr lang="en-US" altLang="zh-CN" sz="900" dirty="0" err="1">
+                <a:sym typeface="+mn-ea"/>
+              </a:rPr>
+              <a:t>mapPane</a:t>
+            </a:r>
+            <a:r>
+              <a:rPr lang="en-US" altLang="zh-CN" sz="900" dirty="0" smtClean="0">
+                <a:sym typeface="+mn-ea"/>
+              </a:rPr>
+              <a:t>)</a:t>
+            </a:r>
+            <a:endParaRPr lang="zh-CN" altLang="en-US" dirty="0">
+              <a:solidFill>
+                <a:schemeClr val="tx1"/>
+              </a:solidFill>
+            </a:endParaRPr>
+          </a:p>
+          <a:p>
+            <a:pPr marL="457200" lvl="1" indent="0">
+              <a:buNone/>
+            </a:pPr>
+            <a:endParaRPr lang="zh-CN" altLang="en-US" dirty="0">
+              <a:solidFill>
+                <a:schemeClr val="tx1"/>
+              </a:solidFill>
+              <a:sym typeface="+mn-ea"/>
+            </a:endParaRPr>
+          </a:p>
+          <a:p>
+            <a:pPr marL="457200" lvl="1" indent="0">
+              <a:buNone/>
+            </a:pPr>
+            <a:endParaRPr lang="zh-CN" altLang="en-US" dirty="0">
+              <a:solidFill>
+                <a:schemeClr val="tx1"/>
+              </a:solidFill>
+            </a:endParaRPr>
+          </a:p>
+          <a:p>
+            <a:pPr marL="457200" lvl="1" indent="0">
+              <a:buNone/>
+            </a:pPr>
+            <a:endParaRPr lang="zh-CN" altLang="en-US" dirty="0">
+              <a:solidFill>
+                <a:schemeClr val="tx1"/>
+              </a:solidFill>
+            </a:endParaRPr>
+          </a:p>
+          <a:p>
+            <a:pPr marL="457200" lvl="1" indent="0">
+              <a:buNone/>
+            </a:pPr>
+            <a:endParaRPr lang="zh-CN" altLang="en-US" dirty="0">
+              <a:solidFill>
+                <a:schemeClr val="tx1"/>
+              </a:solidFill>
+            </a:endParaRPr>
+          </a:p>
+          <a:p>
+            <a:r>
+              <a:rPr lang="en-US" altLang="zh-CN" dirty="0">
+                <a:sym typeface="+mn-ea"/>
+              </a:rPr>
+              <a:t>          </a:t>
+            </a:r>
+            <a:r>
+              <a:rPr lang="en-US" altLang="zh-CN" dirty="0" err="1">
+                <a:sym typeface="+mn-ea"/>
+              </a:rPr>
+              <a:t>BmPointCollection</a:t>
+            </a:r>
+            <a:r>
+              <a:rPr lang="en-US" altLang="zh-CN" dirty="0">
+                <a:sym typeface="+mn-ea"/>
+              </a:rPr>
+              <a:t>  </a:t>
+            </a:r>
+            <a:r>
+              <a:rPr lang="en-US" altLang="zh-CN" dirty="0" err="1">
+                <a:sym typeface="+mn-ea"/>
+              </a:rPr>
+              <a:t>海量点</a:t>
+            </a:r>
+            <a:endParaRPr lang="en-US" altLang="zh-CN" dirty="0">
+              <a:solidFill>
+                <a:schemeClr val="tx1"/>
+              </a:solidFill>
+            </a:endParaRPr>
+          </a:p>
+          <a:p>
+            <a:r>
+              <a:rPr lang="en-US" altLang="zh-CN" dirty="0"/>
+              <a:t>          </a:t>
+            </a:r>
+            <a:r>
+              <a:rPr lang="en-US" altLang="zh-CN" sz="1000" dirty="0"/>
+              <a:t>(</a:t>
+            </a:r>
+            <a:r>
+              <a:rPr lang="en-US" altLang="zh-CN" sz="1000" dirty="0" err="1"/>
+              <a:t>mapPane</a:t>
+            </a:r>
+            <a:r>
+              <a:rPr lang="en-US" altLang="zh-CN" sz="1000" dirty="0"/>
+              <a:t>)</a:t>
+            </a:r>
+          </a:p>
+        </p:txBody>
+      </p:sp>
+      <p:pic>
+        <p:nvPicPr>
+          <p:cNvPr id="2" name="图片 1"/>
+          <p:cNvPicPr>
+            <a:picLocks noChangeAspect="1"/>
+          </p:cNvPicPr>
+          <p:nvPr/>
+        </p:nvPicPr>
+        <p:blipFill>
+          <a:blip r:embed="rId3"/>
+          <a:stretch>
+            <a:fillRect/>
+          </a:stretch>
+        </p:blipFill>
+        <p:spPr>
+          <a:xfrm>
+            <a:off x="3578290" y="555526"/>
+            <a:ext cx="4750752" cy="3958960"/>
           </a:xfrm>
           <a:prstGeom prst="rect">
             <a:avLst/>
@@ -3544,8 +5282,56 @@
         </p:blipFill>
         <p:spPr>
           <a:xfrm>
-            <a:off x="4288790" y="3599180"/>
-            <a:ext cx="1966595" cy="949325"/>
+            <a:off x="3545786" y="555526"/>
+            <a:ext cx="4783256" cy="3816517"/>
+          </a:xfrm>
+          <a:prstGeom prst="rect">
+            <a:avLst/>
+          </a:prstGeom>
+        </p:spPr>
+      </p:pic>
+      <p:pic>
+        <p:nvPicPr>
+          <p:cNvPr id="9" name="图片 8"/>
+          <p:cNvPicPr>
+            <a:picLocks noChangeAspect="1"/>
+          </p:cNvPicPr>
+          <p:nvPr/>
+        </p:nvPicPr>
+        <p:blipFill>
+          <a:blip r:embed="rId5"/>
+          <a:stretch>
+            <a:fillRect/>
+          </a:stretch>
+        </p:blipFill>
+        <p:spPr>
+          <a:xfrm>
+            <a:off x="3578290" y="595443"/>
+            <a:ext cx="4853533" cy="3690367"/>
+          </a:xfrm>
+          <a:prstGeom prst="rect">
+            <a:avLst/>
+          </a:prstGeom>
+        </p:spPr>
+      </p:pic>
+      <p:pic>
+        <p:nvPicPr>
+          <p:cNvPr id="10" name="图片 9"/>
+          <p:cNvPicPr>
+            <a:picLocks noChangeAspect="1"/>
+          </p:cNvPicPr>
+          <p:nvPr/>
+        </p:nvPicPr>
+        <p:blipFill>
+          <a:blip r:embed="rId6"/>
+          <a:stretch>
+            <a:fillRect/>
+          </a:stretch>
+        </p:blipFill>
+        <p:spPr>
+          <a:xfrm>
+            <a:off x="3846444" y="404176"/>
+            <a:ext cx="4482598" cy="4261660"/>
           </a:xfrm>
           <a:prstGeom prst="rect">
             <a:avLst/>
@@ -3554,17 +5340,259 @@
       </p:pic>
     </p:spTree>
     <p:custDataLst>
-      <p:tags r:id="rId5"/>
+      <p:tags r:id="rId1"/>
     </p:custDataLst>
   </p:cSld>
   <p:clrMapOvr>
     <a:masterClrMapping/>
   </p:clrMapOvr>
   <p:transition/>
+  <p:timing>
+    <p:tnLst>
+      <p:par>
+        <p:cTn id="1" dur="indefinite" restart="never" nodeType="tmRoot">
+          <p:childTnLst>
+            <p:seq concurrent="1" nextAc="seek">
+              <p:cTn id="2" dur="indefinite" nodeType="mainSeq">
+                <p:childTnLst>
+                  <p:par>
+                    <p:cTn id="3" fill="hold">
+                      <p:stCondLst>
+                        <p:cond delay="indefinite"/>
+                      </p:stCondLst>
+                      <p:childTnLst>
+                        <p:par>
+                          <p:cTn id="4" fill="hold">
+                            <p:stCondLst>
+                              <p:cond delay="0"/>
+                            </p:stCondLst>
+                            <p:childTnLst>
+                              <p:par>
+                                <p:cTn id="5" presetID="10" presetClass="entr" presetSubtype="0" fill="hold" nodeType="clickEffect">
+                                  <p:stCondLst>
+                                    <p:cond delay="0"/>
+                                  </p:stCondLst>
+                                  <p:childTnLst>
+                                    <p:set>
+                                      <p:cBhvr>
+                                        <p:cTn id="6" dur="1" fill="hold">
+                                          <p:stCondLst>
+                                            <p:cond delay="0"/>
+                                          </p:stCondLst>
+                                        </p:cTn>
+                                        <p:tgtEl>
+                                          <p:spTgt spid="2"/>
+                                        </p:tgtEl>
+                                        <p:attrNameLst>
+                                          <p:attrName>style.visibility</p:attrName>
+                                        </p:attrNameLst>
+                                      </p:cBhvr>
+                                      <p:to>
+                                        <p:strVal val="visible"/>
+                                      </p:to>
+                                    </p:set>
+                                    <p:animEffect transition="in" filter="fade">
+                                      <p:cBhvr>
+                                        <p:cTn id="7" dur="500"/>
+                                        <p:tgtEl>
+                                          <p:spTgt spid="2"/>
+                                        </p:tgtEl>
+                                      </p:cBhvr>
+                                    </p:animEffect>
+                                  </p:childTnLst>
+                                </p:cTn>
+                              </p:par>
+                            </p:childTnLst>
+                          </p:cTn>
+                        </p:par>
+                      </p:childTnLst>
+                    </p:cTn>
+                  </p:par>
+                  <p:par>
+                    <p:cTn id="8" fill="hold">
+                      <p:stCondLst>
+                        <p:cond delay="indefinite"/>
+                      </p:stCondLst>
+                      <p:childTnLst>
+                        <p:par>
+                          <p:cTn id="9" fill="hold">
+                            <p:stCondLst>
+                              <p:cond delay="0"/>
+                            </p:stCondLst>
+                            <p:childTnLst>
+                              <p:par>
+                                <p:cTn id="10" presetID="10" presetClass="entr" presetSubtype="0" fill="hold" nodeType="clickEffect">
+                                  <p:stCondLst>
+                                    <p:cond delay="0"/>
+                                  </p:stCondLst>
+                                  <p:childTnLst>
+                                    <p:set>
+                                      <p:cBhvr>
+                                        <p:cTn id="11" dur="1" fill="hold">
+                                          <p:stCondLst>
+                                            <p:cond delay="0"/>
+                                          </p:stCondLst>
+                                        </p:cTn>
+                                        <p:tgtEl>
+                                          <p:spTgt spid="6"/>
+                                        </p:tgtEl>
+                                        <p:attrNameLst>
+                                          <p:attrName>style.visibility</p:attrName>
+                                        </p:attrNameLst>
+                                      </p:cBhvr>
+                                      <p:to>
+                                        <p:strVal val="visible"/>
+                                      </p:to>
+                                    </p:set>
+                                    <p:animEffect transition="in" filter="fade">
+                                      <p:cBhvr>
+                                        <p:cTn id="12" dur="500"/>
+                                        <p:tgtEl>
+                                          <p:spTgt spid="6"/>
+                                        </p:tgtEl>
+                                      </p:cBhvr>
+                                    </p:animEffect>
+                                  </p:childTnLst>
+                                </p:cTn>
+                              </p:par>
+                            </p:childTnLst>
+                          </p:cTn>
+                        </p:par>
+                      </p:childTnLst>
+                    </p:cTn>
+                  </p:par>
+                  <p:par>
+                    <p:cTn id="13" fill="hold">
+                      <p:stCondLst>
+                        <p:cond delay="indefinite"/>
+                      </p:stCondLst>
+                      <p:childTnLst>
+                        <p:par>
+                          <p:cTn id="14" fill="hold">
+                            <p:stCondLst>
+                              <p:cond delay="0"/>
+                            </p:stCondLst>
+                            <p:childTnLst>
+                              <p:par>
+                                <p:cTn id="15" presetID="10" presetClass="entr" presetSubtype="0" fill="hold" nodeType="clickEffect">
+                                  <p:stCondLst>
+                                    <p:cond delay="0"/>
+                                  </p:stCondLst>
+                                  <p:childTnLst>
+                                    <p:set>
+                                      <p:cBhvr>
+                                        <p:cTn id="16" dur="1" fill="hold">
+                                          <p:stCondLst>
+                                            <p:cond delay="0"/>
+                                          </p:stCondLst>
+                                        </p:cTn>
+                                        <p:tgtEl>
+                                          <p:spTgt spid="9"/>
+                                        </p:tgtEl>
+                                        <p:attrNameLst>
+                                          <p:attrName>style.visibility</p:attrName>
+                                        </p:attrNameLst>
+                                      </p:cBhvr>
+                                      <p:to>
+                                        <p:strVal val="visible"/>
+                                      </p:to>
+                                    </p:set>
+                                    <p:animEffect transition="in" filter="fade">
+                                      <p:cBhvr>
+                                        <p:cTn id="17" dur="500"/>
+                                        <p:tgtEl>
+                                          <p:spTgt spid="9"/>
+                                        </p:tgtEl>
+                                      </p:cBhvr>
+                                    </p:animEffect>
+                                  </p:childTnLst>
+                                </p:cTn>
+                              </p:par>
+                            </p:childTnLst>
+                          </p:cTn>
+                        </p:par>
+                      </p:childTnLst>
+                    </p:cTn>
+                  </p:par>
+                  <p:par>
+                    <p:cTn id="18" fill="hold">
+                      <p:stCondLst>
+                        <p:cond delay="indefinite"/>
+                      </p:stCondLst>
+                      <p:childTnLst>
+                        <p:par>
+                          <p:cTn id="19" fill="hold">
+                            <p:stCondLst>
+                              <p:cond delay="0"/>
+                            </p:stCondLst>
+                            <p:childTnLst>
+                              <p:par>
+                                <p:cTn id="20" presetID="10" presetClass="entr" presetSubtype="0" fill="hold" nodeType="clickEffect">
+                                  <p:stCondLst>
+                                    <p:cond delay="0"/>
+                                  </p:stCondLst>
+                                  <p:childTnLst>
+                                    <p:set>
+                                      <p:cBhvr>
+                                        <p:cTn id="21" dur="1" fill="hold">
+                                          <p:stCondLst>
+                                            <p:cond delay="0"/>
+                                          </p:stCondLst>
+                                        </p:cTn>
+                                        <p:tgtEl>
+                                          <p:spTgt spid="10"/>
+                                        </p:tgtEl>
+                                        <p:attrNameLst>
+                                          <p:attrName>style.visibility</p:attrName>
+                                        </p:attrNameLst>
+                                      </p:cBhvr>
+                                      <p:to>
+                                        <p:strVal val="visible"/>
+                                      </p:to>
+                                    </p:set>
+                                    <p:animEffect transition="in" filter="fade">
+                                      <p:cBhvr>
+                                        <p:cTn id="22" dur="500"/>
+                                        <p:tgtEl>
+                                          <p:spTgt spid="10"/>
+                                        </p:tgtEl>
+                                      </p:cBhvr>
+                                    </p:animEffect>
+                                  </p:childTnLst>
+                                </p:cTn>
+                              </p:par>
+                            </p:childTnLst>
+                          </p:cTn>
+                        </p:par>
+                      </p:childTnLst>
+                    </p:cTn>
+                  </p:par>
+                </p:childTnLst>
+              </p:cTn>
+              <p:prevCondLst>
+                <p:cond evt="onPrev" delay="0">
+                  <p:tgtEl>
+                    <p:sldTgt/>
+                  </p:tgtEl>
+                </p:cond>
+              </p:prevCondLst>
+              <p:nextCondLst>
+                <p:cond evt="onNext" delay="0">
+                  <p:tgtEl>
+                    <p:sldTgt/>
+                  </p:tgtEl>
+                </p:cond>
+              </p:nextCondLst>
+            </p:seq>
+          </p:childTnLst>
+        </p:cTn>
+      </p:par>
+    </p:tnLst>
+  </p:timing>
 </p:sld>
 </file>
 
-<file path=ppt/slides/slide6.xml><?xml version="1.0" encoding="utf-8"?>
+<file path=ppt/slides/slide7.xml><?xml version="1.0" encoding="utf-8"?>
 <p:sld xmlns:a="http://schemas.openxmlformats.org/drawingml/2006/main" xmlns:r="http://schemas.openxmlformats.org/officeDocument/2006/relationships" xmlns:p="http://schemas.openxmlformats.org/presentationml/2006/main">
   <p:cSld>
     <p:spTree>
@@ -3573,7 +5601,42 @@
         <p:cNvGrpSpPr/>
         <p:nvPr/>
       </p:nvGrpSpPr>
-      <p:grpSpPr/>
+      <p:grpSpPr>
+        <a:xfrm>
+          <a:off x="0" y="0"/>
+          <a:ext cx="0" cy="0"/>
+          <a:chOff x="0" y="0"/>
+          <a:chExt cx="0" cy="0"/>
+        </a:xfrm>
+      </p:grpSpPr>
+      <p:pic>
+        <p:nvPicPr>
+          <p:cNvPr id="2" name="图片 1"/>
+          <p:cNvPicPr>
+            <a:picLocks noChangeAspect="1"/>
+          </p:cNvPicPr>
+          <p:nvPr>
+            <p:custDataLst>
+              <p:tags r:id="rId2"/>
+            </p:custDataLst>
+          </p:nvPr>
+        </p:nvPicPr>
+        <p:blipFill>
+          <a:blip r:embed="rId4"/>
+          <a:stretch>
+            <a:fillRect/>
+          </a:stretch>
+        </p:blipFill>
+        <p:spPr>
+          <a:xfrm>
+            <a:off x="971600" y="431120"/>
+            <a:ext cx="7056784" cy="4126520"/>
+          </a:xfrm>
+          <a:prstGeom prst="rect">
+            <a:avLst/>
+          </a:prstGeom>
+        </p:spPr>
+      </p:pic>
       <p:sp>
         <p:nvSpPr>
           <p:cNvPr id="3" name="文本框 2"/>
@@ -3582,8 +5645,8 @@
         </p:nvSpPr>
         <p:spPr>
           <a:xfrm>
-            <a:off x="294005" y="302260"/>
-            <a:ext cx="8462010" cy="3954145"/>
+            <a:off x="1115616" y="4411446"/>
+            <a:ext cx="5904656" cy="292388"/>
           </a:xfrm>
           <a:prstGeom prst="rect">
             <a:avLst/>
@@ -3594,316 +5657,668 @@
           <a:bodyPr wrap="square" rtlCol="0">
             <a:spAutoFit/>
           </a:bodyPr>
-          <a:p>
-            <a:pPr marL="457200" lvl="1" indent="0">
-              <a:buNone/>
-            </a:pPr>
-            <a:endParaRPr lang="zh-CN" altLang="en-US">
-              <a:sym typeface="+mn-ea"/>
-            </a:endParaRPr>
-          </a:p>
-          <a:p>
-            <a:pPr marL="457200" lvl="1" indent="0">
-              <a:buNone/>
-            </a:pPr>
-            <a:r>
-              <a:rPr lang="zh-CN" altLang="en-US">
-                <a:sym typeface="+mn-ea"/>
-              </a:rPr>
-              <a:t>Bm</a:t>
-            </a:r>
-            <a:r>
-              <a:rPr lang="zh-CN" altLang="en-US">
-                <a:sym typeface="+mn-ea"/>
-              </a:rPr>
-              <a:t>Polygon          多边形</a:t>
-            </a:r>
-            <a:endParaRPr lang="zh-CN" altLang="en-US">
-              <a:sym typeface="+mn-ea"/>
-            </a:endParaRPr>
-          </a:p>
-          <a:p>
-            <a:pPr marL="457200" lvl="1" indent="0">
-              <a:buNone/>
-            </a:pPr>
-            <a:r>
-              <a:rPr lang="en-US" altLang="zh-CN" sz="1000">
-                <a:solidFill>
-                  <a:schemeClr val="tx1"/>
-                </a:solidFill>
-                <a:sym typeface="+mn-ea"/>
-              </a:rPr>
-              <a:t>(mapPane)</a:t>
-            </a:r>
-            <a:endParaRPr lang="zh-CN" altLang="en-US" sz="1000">
-              <a:solidFill>
-                <a:schemeClr val="tx1"/>
-              </a:solidFill>
-              <a:sym typeface="+mn-ea"/>
-            </a:endParaRPr>
-          </a:p>
-          <a:p>
-            <a:pPr marL="457200" lvl="1" indent="0">
-              <a:buNone/>
-            </a:pPr>
-            <a:endParaRPr lang="zh-CN" altLang="en-US">
-              <a:solidFill>
-                <a:schemeClr val="tx1"/>
-              </a:solidFill>
-            </a:endParaRPr>
-          </a:p>
-          <a:p>
-            <a:pPr marL="457200" lvl="1" indent="0">
-              <a:buNone/>
-            </a:pPr>
-            <a:endParaRPr lang="zh-CN" altLang="en-US">
-              <a:solidFill>
-                <a:schemeClr val="tx1"/>
-              </a:solidFill>
-            </a:endParaRPr>
-          </a:p>
-          <a:p>
-            <a:pPr marL="457200" lvl="1" indent="0">
-              <a:buNone/>
-            </a:pPr>
-            <a:endParaRPr lang="zh-CN" altLang="en-US">
-              <a:solidFill>
-                <a:schemeClr val="tx1"/>
-              </a:solidFill>
-            </a:endParaRPr>
-          </a:p>
-          <a:p>
-            <a:pPr marL="457200" lvl="1" indent="0">
-              <a:buNone/>
-            </a:pPr>
-            <a:r>
-              <a:rPr lang="zh-CN" altLang="en-US">
-                <a:sym typeface="+mn-ea"/>
-              </a:rPr>
-              <a:t>BmCircle               圆形</a:t>
-            </a:r>
-            <a:endParaRPr lang="zh-CN" altLang="en-US">
-              <a:sym typeface="+mn-ea"/>
-            </a:endParaRPr>
-          </a:p>
-          <a:p>
-            <a:pPr marL="457200" lvl="1" indent="0">
-              <a:buNone/>
-            </a:pPr>
-            <a:r>
-              <a:rPr lang="en-US" altLang="zh-CN" sz="1000">
-                <a:solidFill>
-                  <a:schemeClr val="tx1"/>
-                </a:solidFill>
-                <a:sym typeface="+mn-ea"/>
-              </a:rPr>
-              <a:t>(mapPane)</a:t>
-            </a:r>
-            <a:endParaRPr lang="zh-CN" altLang="en-US" sz="1000">
-              <a:solidFill>
-                <a:schemeClr val="tx1"/>
-              </a:solidFill>
-              <a:sym typeface="+mn-ea"/>
-            </a:endParaRPr>
-          </a:p>
-          <a:p>
-            <a:pPr marL="457200" lvl="1" indent="0">
-              <a:buNone/>
-            </a:pPr>
-            <a:endParaRPr lang="zh-CN" altLang="en-US">
-              <a:solidFill>
-                <a:schemeClr val="tx1"/>
-              </a:solidFill>
-            </a:endParaRPr>
-          </a:p>
-          <a:p>
-            <a:pPr marL="457200" lvl="1" indent="0">
-              <a:buNone/>
-            </a:pPr>
-            <a:endParaRPr lang="zh-CN" altLang="en-US">
-              <a:solidFill>
-                <a:schemeClr val="tx1"/>
-              </a:solidFill>
-            </a:endParaRPr>
-          </a:p>
-          <a:p>
-            <a:pPr marL="457200" lvl="1" indent="0">
-              <a:buNone/>
-            </a:pPr>
-            <a:endParaRPr lang="zh-CN" altLang="en-US">
-              <a:solidFill>
-                <a:schemeClr val="tx1"/>
-              </a:solidFill>
-            </a:endParaRPr>
-          </a:p>
-          <a:p>
-            <a:pPr marL="457200" lvl="1" indent="0">
-              <a:buNone/>
-            </a:pPr>
-            <a:endParaRPr lang="zh-CN" altLang="en-US">
-              <a:solidFill>
-                <a:schemeClr val="tx1"/>
-              </a:solidFill>
-            </a:endParaRPr>
-          </a:p>
-          <a:p>
-            <a:pPr marL="457200" lvl="1" indent="0">
-              <a:buNone/>
-            </a:pPr>
-            <a:r>
-              <a:rPr lang="zh-CN" altLang="en-US">
-                <a:sym typeface="+mn-ea"/>
-              </a:rPr>
-              <a:t>BmGround            图层 </a:t>
-            </a:r>
-            <a:endParaRPr lang="zh-CN" altLang="en-US">
-              <a:sym typeface="+mn-ea"/>
-            </a:endParaRPr>
-          </a:p>
-          <a:p>
-            <a:pPr marL="457200" lvl="1" indent="0">
-              <a:buNone/>
-            </a:pPr>
-            <a:r>
-              <a:rPr lang="en-US" altLang="zh-CN" sz="1000">
-                <a:sym typeface="+mn-ea"/>
-              </a:rPr>
-              <a:t>(</a:t>
-            </a:r>
-            <a:r>
-              <a:rPr lang="en-US" altLang="zh-CN" sz="1000">
-                <a:sym typeface="+mn-ea"/>
-              </a:rPr>
-              <a:t>floatPane</a:t>
-            </a:r>
-            <a:r>
-              <a:rPr lang="en-US" altLang="zh-CN" sz="1000">
-                <a:sym typeface="+mn-ea"/>
-              </a:rPr>
-              <a:t>)</a:t>
-            </a:r>
-            <a:endParaRPr lang="zh-CN" altLang="en-US" sz="1000">
-              <a:sym typeface="+mn-ea"/>
-            </a:endParaRPr>
-          </a:p>
-          <a:p>
-            <a:pPr marL="457200" lvl="1" indent="0">
-              <a:buNone/>
-            </a:pPr>
-            <a:endParaRPr lang="zh-CN" altLang="en-US">
-              <a:solidFill>
-                <a:schemeClr val="tx1"/>
-              </a:solidFill>
-              <a:sym typeface="+mn-ea"/>
-            </a:endParaRPr>
-          </a:p>
-          <a:p>
-            <a:pPr marL="457200" lvl="1" indent="0">
-              <a:buNone/>
-            </a:pPr>
-            <a:endParaRPr lang="zh-CN" altLang="en-US">
-              <a:solidFill>
-                <a:schemeClr val="tx1"/>
-              </a:solidFill>
-            </a:endParaRPr>
-          </a:p>
-          <a:p>
-            <a:pPr marL="457200" lvl="1" indent="0">
-              <a:buNone/>
-            </a:pPr>
-            <a:endParaRPr lang="zh-CN" altLang="en-US">
-              <a:solidFill>
-                <a:schemeClr val="tx1"/>
-              </a:solidFill>
-            </a:endParaRPr>
-          </a:p>
-          <a:p>
-            <a:pPr marL="457200" lvl="1" indent="0">
-              <a:buNone/>
-            </a:pPr>
-            <a:endParaRPr lang="zh-CN" altLang="en-US">
-              <a:solidFill>
-                <a:schemeClr val="tx1"/>
-              </a:solidFill>
-            </a:endParaRPr>
-          </a:p>
-          <a:p>
-            <a:r>
-              <a:rPr lang="en-US" altLang="zh-CN">
-                <a:sym typeface="+mn-ea"/>
-              </a:rPr>
-              <a:t>          BmPointCollection  海量点</a:t>
-            </a:r>
-            <a:endParaRPr lang="en-US" altLang="zh-CN">
-              <a:solidFill>
-                <a:schemeClr val="tx1"/>
-              </a:solidFill>
-            </a:endParaRPr>
-          </a:p>
-          <a:p>
-            <a:r>
-              <a:rPr lang="en-US" altLang="zh-CN"/>
-              <a:t>          </a:t>
-            </a:r>
-            <a:r>
-              <a:rPr lang="en-US" altLang="zh-CN" sz="1000"/>
-              <a:t>(mapPane)</a:t>
-            </a:r>
-            <a:endParaRPr lang="en-US" altLang="zh-CN" sz="1000"/>
+          <a:lstStyle/>
+          <a:p>
+            <a:r>
+              <a:rPr lang="en-US" altLang="zh-CN" dirty="0" err="1"/>
+              <a:t>vertexPane</a:t>
+            </a:r>
+            <a:endParaRPr lang="zh-CN" altLang="en-US" dirty="0"/>
           </a:p>
         </p:txBody>
       </p:sp>
-      <p:pic>
-        <p:nvPicPr>
-          <p:cNvPr id="4" name="图片 3"/>
-          <p:cNvPicPr>
-            <a:picLocks noChangeAspect="1"/>
-          </p:cNvPicPr>
+      <p:sp>
+        <p:nvSpPr>
+          <p:cNvPr id="4" name="文本框 3"/>
+          <p:cNvSpPr txBox="1"/>
           <p:nvPr/>
-        </p:nvPicPr>
-        <p:blipFill>
-          <a:blip r:embed="rId1"/>
-          <a:stretch>
-            <a:fillRect/>
-          </a:stretch>
-        </p:blipFill>
+        </p:nvSpPr>
         <p:spPr>
           <a:xfrm>
-            <a:off x="4984750" y="109220"/>
-            <a:ext cx="1913255" cy="1492885"/>
+            <a:off x="231774" y="177732"/>
+            <a:ext cx="2396009" cy="292388"/>
           </a:xfrm>
           <a:prstGeom prst="rect">
             <a:avLst/>
           </a:prstGeom>
+          <a:noFill/>
         </p:spPr>
-      </p:pic>
-      <p:pic>
-        <p:nvPicPr>
-          <p:cNvPr id="5" name="图片 4"/>
-          <p:cNvPicPr>
-            <a:picLocks noChangeAspect="1"/>
-          </p:cNvPicPr>
+        <p:txBody>
+          <a:bodyPr wrap="square" rtlCol="0">
+            <a:spAutoFit/>
+          </a:bodyPr>
+          <a:lstStyle/>
+          <a:p>
+            <a:r>
+              <a:rPr lang="en-US" altLang="zh-CN" dirty="0"/>
+              <a:t>2</a:t>
+            </a:r>
+            <a:r>
+              <a:rPr lang="zh-CN" altLang="en-US" dirty="0" smtClean="0"/>
+              <a:t>、覆盖物容器：</a:t>
+            </a:r>
+            <a:endParaRPr lang="zh-CN" altLang="en-US" dirty="0"/>
+          </a:p>
+        </p:txBody>
+      </p:sp>
+      <p:sp>
+        <p:nvSpPr>
+          <p:cNvPr id="5" name="文本框 4"/>
+          <p:cNvSpPr txBox="1"/>
           <p:nvPr/>
-        </p:nvPicPr>
-        <p:blipFill>
-          <a:blip r:embed="rId2"/>
-          <a:stretch>
-            <a:fillRect/>
-          </a:stretch>
-        </p:blipFill>
+        </p:nvSpPr>
         <p:spPr>
           <a:xfrm>
-            <a:off x="7304405" y="952500"/>
-            <a:ext cx="903605" cy="843915"/>
+            <a:off x="2483768" y="323926"/>
+            <a:ext cx="6984776" cy="692497"/>
           </a:xfrm>
           <a:prstGeom prst="rect">
             <a:avLst/>
           </a:prstGeom>
+          <a:noFill/>
         </p:spPr>
-      </p:pic>
+        <p:txBody>
+          <a:bodyPr wrap="square" rtlCol="0">
+            <a:spAutoFit/>
+          </a:bodyPr>
+          <a:lstStyle/>
+          <a:p>
+            <a:r>
+              <a:rPr lang="zh-CN" altLang="en-US" dirty="0" smtClean="0">
+                <a:solidFill>
+                  <a:srgbClr val="FFFF00"/>
+                </a:solidFill>
+              </a:rPr>
+              <a:t>覆盖物有了，那么添加到哪去呢？百度地图提供了个</a:t>
+            </a:r>
+            <a:r>
+              <a:rPr lang="en-US" altLang="zh-CN" dirty="0" err="1" smtClean="0">
+                <a:solidFill>
+                  <a:srgbClr val="FFFF00"/>
+                </a:solidFill>
+              </a:rPr>
+              <a:t>map.getPanes</a:t>
+            </a:r>
+            <a:r>
+              <a:rPr lang="zh-CN" altLang="en-US" dirty="0" smtClean="0">
+                <a:solidFill>
+                  <a:srgbClr val="FFFF00"/>
+                </a:solidFill>
+              </a:rPr>
+              <a:t>的</a:t>
+            </a:r>
+            <a:r>
+              <a:rPr lang="en-US" altLang="zh-CN" dirty="0" err="1" smtClean="0">
+                <a:solidFill>
+                  <a:srgbClr val="FFFF00"/>
+                </a:solidFill>
+              </a:rPr>
+              <a:t>api</a:t>
+            </a:r>
+            <a:r>
+              <a:rPr lang="zh-CN" altLang="en-US" dirty="0" smtClean="0">
+                <a:solidFill>
+                  <a:srgbClr val="FFFF00"/>
+                </a:solidFill>
+              </a:rPr>
+              <a:t>，用于获取覆盖物容器，那么什么是覆盖物容器？覆盖物容器就是一个</a:t>
+            </a:r>
+            <a:r>
+              <a:rPr lang="en-US" altLang="zh-CN" dirty="0" smtClean="0">
+                <a:solidFill>
+                  <a:srgbClr val="FFFF00"/>
+                </a:solidFill>
+              </a:rPr>
+              <a:t>div</a:t>
+            </a:r>
+            <a:r>
+              <a:rPr lang="zh-CN" altLang="en-US" dirty="0" smtClean="0">
+                <a:solidFill>
+                  <a:srgbClr val="FFFF00"/>
+                </a:solidFill>
+              </a:rPr>
+              <a:t>，用于存放覆盖物的。百度地图提供了</a:t>
+            </a:r>
+            <a:r>
+              <a:rPr lang="en-US" altLang="zh-CN" dirty="0" smtClean="0">
+                <a:solidFill>
+                  <a:srgbClr val="FFFF00"/>
+                </a:solidFill>
+              </a:rPr>
+              <a:t>8</a:t>
+            </a:r>
+            <a:r>
+              <a:rPr lang="zh-CN" altLang="en-US" dirty="0" smtClean="0">
+                <a:solidFill>
+                  <a:srgbClr val="FFFF00"/>
+                </a:solidFill>
+              </a:rPr>
+              <a:t>种覆盖物容器，官方文档只写了</a:t>
+            </a:r>
+            <a:r>
+              <a:rPr lang="en-US" altLang="zh-CN" dirty="0" smtClean="0">
+                <a:solidFill>
+                  <a:srgbClr val="FFFF00"/>
+                </a:solidFill>
+              </a:rPr>
+              <a:t>7</a:t>
+            </a:r>
+            <a:r>
+              <a:rPr lang="zh-CN" altLang="en-US" dirty="0" smtClean="0">
+                <a:solidFill>
+                  <a:srgbClr val="FFFF00"/>
+                </a:solidFill>
+              </a:rPr>
+              <a:t>种，打印出来</a:t>
+            </a:r>
+            <a:r>
+              <a:rPr lang="en-US" altLang="zh-CN" dirty="0" smtClean="0">
+                <a:solidFill>
+                  <a:srgbClr val="FFFF00"/>
+                </a:solidFill>
+              </a:rPr>
+              <a:t>8</a:t>
+            </a:r>
+            <a:r>
+              <a:rPr lang="zh-CN" altLang="en-US" dirty="0" smtClean="0">
+                <a:solidFill>
+                  <a:srgbClr val="FFFF00"/>
+                </a:solidFill>
+              </a:rPr>
+              <a:t>种。</a:t>
+            </a:r>
+            <a:endParaRPr lang="zh-CN" altLang="en-US" dirty="0">
+              <a:solidFill>
+                <a:srgbClr val="FFFF00"/>
+              </a:solidFill>
+            </a:endParaRPr>
+          </a:p>
+        </p:txBody>
+      </p:sp>
+    </p:spTree>
+    <p:custDataLst>
+      <p:tags r:id="rId1"/>
+    </p:custDataLst>
+  </p:cSld>
+  <p:clrMapOvr>
+    <a:masterClrMapping/>
+  </p:clrMapOvr>
+  <p:transition/>
+  <p:timing>
+    <p:tnLst>
+      <p:par>
+        <p:cTn id="1" dur="indefinite" restart="never" nodeType="tmRoot"/>
+      </p:par>
+    </p:tnLst>
+  </p:timing>
+</p:sld>
+</file>
+
+<file path=ppt/slides/slide8.xml><?xml version="1.0" encoding="utf-8"?>
+<p:sld xmlns:a="http://schemas.openxmlformats.org/drawingml/2006/main" xmlns:r="http://schemas.openxmlformats.org/officeDocument/2006/relationships" xmlns:p="http://schemas.openxmlformats.org/presentationml/2006/main">
+  <p:cSld>
+    <p:spTree>
+      <p:nvGrpSpPr>
+        <p:cNvPr id="1" name=""/>
+        <p:cNvGrpSpPr/>
+        <p:nvPr/>
+      </p:nvGrpSpPr>
+      <p:grpSpPr>
+        <a:xfrm>
+          <a:off x="0" y="0"/>
+          <a:ext cx="0" cy="0"/>
+          <a:chOff x="0" y="0"/>
+          <a:chExt cx="0" cy="0"/>
+        </a:xfrm>
+      </p:grpSpPr>
+      <p:sp>
+        <p:nvSpPr>
+          <p:cNvPr id="2" name="文本框 1"/>
+          <p:cNvSpPr txBox="1"/>
+          <p:nvPr/>
+        </p:nvSpPr>
+        <p:spPr>
+          <a:xfrm>
+            <a:off x="395536" y="771550"/>
+            <a:ext cx="8496944" cy="3431709"/>
+          </a:xfrm>
+          <a:prstGeom prst="rect">
+            <a:avLst/>
+          </a:prstGeom>
+          <a:noFill/>
+        </p:spPr>
+        <p:txBody>
+          <a:bodyPr wrap="square" rtlCol="0">
+            <a:spAutoFit/>
+          </a:bodyPr>
+          <a:lstStyle/>
+          <a:p>
+            <a:r>
+              <a:rPr lang="zh-CN" altLang="en-US" sz="1800" dirty="0" smtClean="0"/>
+              <a:t>它们</a:t>
+            </a:r>
+            <a:r>
+              <a:rPr lang="zh-CN" altLang="en-US" sz="1800" dirty="0"/>
+              <a:t>之间存在着覆盖关系，最上一层为floatPane，用于显示信息窗口内容</a:t>
+            </a:r>
+            <a:r>
+              <a:rPr lang="zh-CN" altLang="en-US" sz="1800" dirty="0" smtClean="0"/>
+              <a:t>。</a:t>
+            </a:r>
+            <a:endParaRPr lang="en-US" altLang="zh-CN" sz="1800" dirty="0" smtClean="0"/>
+          </a:p>
+          <a:p>
+            <a:endParaRPr lang="zh-CN" altLang="en-US" sz="1800" dirty="0"/>
+          </a:p>
+          <a:p>
+            <a:r>
+              <a:rPr lang="zh-CN" altLang="en-US" sz="2400" dirty="0"/>
+              <a:t>层级关系依次是</a:t>
+            </a:r>
+            <a:r>
+              <a:rPr lang="en-US" altLang="zh-CN" sz="2400" dirty="0" smtClean="0"/>
+              <a:t>:</a:t>
+            </a:r>
+            <a:endParaRPr lang="zh-CN" altLang="en-US" sz="2400" dirty="0">
+              <a:sym typeface="+mn-ea"/>
+            </a:endParaRPr>
+          </a:p>
+          <a:p>
+            <a:r>
+              <a:rPr lang="zh-CN" altLang="en-US" sz="1800" dirty="0">
+                <a:sym typeface="+mn-ea"/>
+              </a:rPr>
+              <a:t>   </a:t>
+            </a:r>
+            <a:r>
+              <a:rPr lang="zh-CN" altLang="en-US" sz="1800" dirty="0" smtClean="0">
+                <a:sym typeface="+mn-ea"/>
+              </a:rPr>
+              <a:t>   信息</a:t>
+            </a:r>
+            <a:r>
+              <a:rPr lang="zh-CN" altLang="en-US" sz="1800" dirty="0">
+                <a:sym typeface="+mn-ea"/>
+              </a:rPr>
+              <a:t>窗口内容 </a:t>
+            </a:r>
+            <a:r>
+              <a:rPr lang="en-US" altLang="zh-CN" sz="1800" dirty="0">
+                <a:sym typeface="+mn-ea"/>
+              </a:rPr>
+              <a:t>&gt; </a:t>
+            </a:r>
+            <a:r>
+              <a:rPr lang="zh-CN" altLang="en-US" sz="1800" dirty="0"/>
+              <a:t>标注点击区域层 </a:t>
+            </a:r>
+            <a:r>
+              <a:rPr lang="en-US" altLang="zh-CN" sz="1800" dirty="0"/>
+              <a:t>&gt; </a:t>
+            </a:r>
+            <a:r>
+              <a:rPr lang="zh-CN" altLang="en-US" sz="1800" dirty="0"/>
+              <a:t>信息窗口阴影层 </a:t>
+            </a:r>
+            <a:r>
+              <a:rPr lang="en-US" altLang="zh-CN" sz="1800" dirty="0">
+                <a:sym typeface="+mn-ea"/>
+              </a:rPr>
+              <a:t>&gt; </a:t>
+            </a:r>
+            <a:r>
+              <a:rPr lang="zh-CN" altLang="en-US" sz="1800" dirty="0"/>
+              <a:t>文本标注层 </a:t>
+            </a:r>
+            <a:r>
+              <a:rPr lang="en-US" altLang="zh-CN" sz="1800" dirty="0">
+                <a:sym typeface="+mn-ea"/>
+              </a:rPr>
+              <a:t>&gt; </a:t>
+            </a:r>
+            <a:r>
+              <a:rPr lang="zh-CN" altLang="en-US" sz="1800" dirty="0"/>
+              <a:t>标注层 </a:t>
+            </a:r>
+            <a:r>
+              <a:rPr lang="zh-CN" altLang="en-US" sz="1800" dirty="0" smtClean="0"/>
+              <a:t> </a:t>
+            </a:r>
+            <a:r>
+              <a:rPr lang="en-US" altLang="zh-CN" sz="1800" dirty="0" smtClean="0">
+                <a:sym typeface="+mn-ea"/>
+              </a:rPr>
+              <a:t>&gt;  </a:t>
+            </a:r>
+            <a:r>
+              <a:rPr lang="zh-CN" altLang="en-US" sz="1800" dirty="0" smtClean="0"/>
+              <a:t>标注</a:t>
+            </a:r>
+            <a:r>
+              <a:rPr lang="zh-CN" altLang="en-US" sz="1800" dirty="0"/>
+              <a:t>阴影</a:t>
+            </a:r>
+            <a:r>
+              <a:rPr lang="zh-CN" altLang="en-US" sz="1800" dirty="0" smtClean="0"/>
+              <a:t>层 </a:t>
+            </a:r>
+            <a:r>
+              <a:rPr lang="en-US" altLang="zh-CN" sz="1800" dirty="0">
+                <a:sym typeface="+mn-ea"/>
+              </a:rPr>
+              <a:t>&gt;</a:t>
+            </a:r>
+            <a:r>
+              <a:rPr lang="zh-CN" altLang="en-US" sz="1800" dirty="0" smtClean="0"/>
+              <a:t>矢量</a:t>
+            </a:r>
+            <a:r>
+              <a:rPr lang="zh-CN" altLang="en-US" sz="1800" dirty="0"/>
+              <a:t>图形层</a:t>
+            </a:r>
+          </a:p>
+          <a:p>
+            <a:r>
+              <a:rPr lang="zh-CN" altLang="en-US" sz="1800" dirty="0"/>
+              <a:t>     floatPane </a:t>
+            </a:r>
+            <a:r>
+              <a:rPr lang="en-US" altLang="zh-CN" sz="1800" dirty="0"/>
+              <a:t>&gt; </a:t>
+            </a:r>
+            <a:r>
+              <a:rPr lang="zh-CN" altLang="en-US" sz="1800" dirty="0"/>
+              <a:t>markerMouseTarget </a:t>
+            </a:r>
+            <a:r>
+              <a:rPr lang="en-US" altLang="zh-CN" sz="1800" dirty="0"/>
+              <a:t>&gt; </a:t>
+            </a:r>
+            <a:r>
+              <a:rPr lang="zh-CN" altLang="en-US" sz="1800" dirty="0"/>
+              <a:t>floatShadow </a:t>
+            </a:r>
+            <a:r>
+              <a:rPr lang="en-US" altLang="zh-CN" sz="1800" dirty="0"/>
+              <a:t>&gt; </a:t>
+            </a:r>
+            <a:r>
+              <a:rPr lang="zh-CN" altLang="en-US" sz="1800" dirty="0"/>
+              <a:t>labelPane </a:t>
+            </a:r>
+            <a:r>
+              <a:rPr lang="en-US" altLang="zh-CN" sz="1800" dirty="0"/>
+              <a:t>&gt; </a:t>
+            </a:r>
+            <a:r>
+              <a:rPr lang="zh-CN" altLang="en-US" sz="1800" dirty="0"/>
+              <a:t>markerPane </a:t>
+            </a:r>
+            <a:r>
+              <a:rPr lang="en-US" altLang="zh-CN" sz="1800" dirty="0"/>
+              <a:t>&gt; </a:t>
+            </a:r>
+            <a:r>
+              <a:rPr lang="en-US" altLang="zh-CN" sz="1800" dirty="0" err="1" smtClean="0"/>
+              <a:t>markerShadow</a:t>
+            </a:r>
+            <a:r>
+              <a:rPr lang="en-US" altLang="zh-CN" sz="1800" dirty="0" smtClean="0"/>
+              <a:t>&gt;</a:t>
+            </a:r>
+            <a:r>
+              <a:rPr lang="zh-CN" altLang="en-US" sz="1800" dirty="0" smtClean="0"/>
+              <a:t>mapPane</a:t>
+            </a:r>
+            <a:endParaRPr lang="zh-CN" altLang="en-US" sz="1800" dirty="0"/>
+          </a:p>
+          <a:p>
+            <a:endParaRPr lang="zh-CN" altLang="en-US" sz="1800" dirty="0"/>
+          </a:p>
+          <a:p>
+            <a:r>
+              <a:rPr lang="zh-CN" altLang="en-US" sz="1800" dirty="0" smtClean="0"/>
+              <a:t>运用：如我们</a:t>
+            </a:r>
+            <a:r>
+              <a:rPr lang="zh-CN" altLang="en-US" sz="1800" dirty="0"/>
+              <a:t>自定义的覆盖物可以添加到</a:t>
+            </a:r>
+            <a:r>
+              <a:rPr lang="zh-CN" altLang="en-US" sz="1800" dirty="0" smtClean="0"/>
+              <a:t>任意容器中，在</a:t>
+            </a:r>
+            <a:r>
+              <a:rPr lang="en-US" altLang="zh-CN" sz="1800" dirty="0" smtClean="0"/>
+              <a:t>TMX</a:t>
+            </a:r>
+            <a:r>
+              <a:rPr lang="zh-CN" altLang="en-US" sz="1800" dirty="0" smtClean="0"/>
+              <a:t>项目</a:t>
+            </a:r>
+            <a:r>
+              <a:rPr lang="zh-CN" altLang="en-US" sz="1800" dirty="0"/>
+              <a:t>中，我们选择将自定义覆盖物（</a:t>
+            </a:r>
+            <a:r>
+              <a:rPr lang="en-US" altLang="zh-CN" sz="1800" dirty="0">
+                <a:sym typeface="+mn-ea"/>
+              </a:rPr>
+              <a:t>cluster</a:t>
+            </a:r>
+            <a:r>
+              <a:rPr lang="zh-CN" altLang="en-US" sz="1800" dirty="0"/>
+              <a:t>点聚合）添加到</a:t>
+            </a:r>
+            <a:r>
+              <a:rPr lang="zh-CN" altLang="en-US" sz="1800" dirty="0" smtClean="0"/>
+              <a:t>markerMouseTarget容器中，</a:t>
+            </a:r>
+            <a:r>
+              <a:rPr lang="zh-CN" altLang="en-US" sz="1800" dirty="0"/>
+              <a:t>作为其一个子结点，它将</a:t>
+            </a:r>
+            <a:r>
+              <a:rPr lang="zh-CN" altLang="en-US" sz="1800" dirty="0" smtClean="0"/>
+              <a:t>会拥有相应的层级</a:t>
+            </a:r>
+            <a:r>
+              <a:rPr lang="zh-CN" altLang="en-US" sz="1800" dirty="0"/>
+              <a:t>（</a:t>
+            </a:r>
+            <a:r>
+              <a:rPr lang="en-US" altLang="zh-CN" sz="1800" dirty="0" err="1"/>
+              <a:t>zindex</a:t>
+            </a:r>
+            <a:r>
+              <a:rPr lang="zh-CN" altLang="en-US" sz="1800" dirty="0"/>
+              <a:t>）。</a:t>
+            </a:r>
+          </a:p>
+          <a:p>
+            <a:endParaRPr lang="en-US" altLang="zh-CN" dirty="0"/>
+          </a:p>
+        </p:txBody>
+      </p:sp>
+      <p:sp>
+        <p:nvSpPr>
+          <p:cNvPr id="3" name="文本框 2"/>
+          <p:cNvSpPr txBox="1"/>
+          <p:nvPr/>
+        </p:nvSpPr>
+        <p:spPr>
+          <a:xfrm>
+            <a:off x="4626717" y="2571750"/>
+            <a:ext cx="4464496" cy="492443"/>
+          </a:xfrm>
+          <a:prstGeom prst="rect">
+            <a:avLst/>
+          </a:prstGeom>
+          <a:noFill/>
+        </p:spPr>
+        <p:txBody>
+          <a:bodyPr wrap="square" rtlCol="0">
+            <a:spAutoFit/>
+          </a:bodyPr>
+          <a:lstStyle/>
+          <a:p>
+            <a:r>
+              <a:rPr lang="zh-CN" altLang="en-US" dirty="0" smtClean="0">
+                <a:solidFill>
+                  <a:srgbClr val="FFFF00"/>
+                </a:solidFill>
+              </a:rPr>
+              <a:t>知道了这些覆盖物层级关系，我们就可以在自定义覆盖物的时候将覆盖物添加到相应的层级中去。</a:t>
+            </a:r>
+            <a:endParaRPr lang="zh-CN" altLang="en-US" dirty="0">
+              <a:solidFill>
+                <a:srgbClr val="FFFF00"/>
+              </a:solidFill>
+            </a:endParaRPr>
+          </a:p>
+        </p:txBody>
+      </p:sp>
+      <p:sp>
+        <p:nvSpPr>
+          <p:cNvPr id="4" name="文本框 3"/>
+          <p:cNvSpPr txBox="1"/>
+          <p:nvPr/>
+        </p:nvSpPr>
+        <p:spPr>
+          <a:xfrm>
+            <a:off x="4518705" y="4011910"/>
+            <a:ext cx="4680520" cy="692497"/>
+          </a:xfrm>
+          <a:prstGeom prst="rect">
+            <a:avLst/>
+          </a:prstGeom>
+          <a:noFill/>
+        </p:spPr>
+        <p:txBody>
+          <a:bodyPr wrap="square" rtlCol="0">
+            <a:spAutoFit/>
+          </a:bodyPr>
+          <a:lstStyle/>
+          <a:p>
+            <a:r>
+              <a:rPr lang="zh-CN" altLang="en-US" dirty="0" smtClean="0">
+                <a:solidFill>
+                  <a:srgbClr val="FFFF00"/>
+                </a:solidFill>
+              </a:rPr>
+              <a:t>为何要添加到</a:t>
+            </a:r>
+            <a:r>
+              <a:rPr lang="en-US" altLang="zh-CN" dirty="0" err="1" smtClean="0">
+                <a:solidFill>
+                  <a:srgbClr val="FFFF00"/>
+                </a:solidFill>
+              </a:rPr>
+              <a:t>markerMouseTarget</a:t>
+            </a:r>
+            <a:r>
+              <a:rPr lang="zh-CN" altLang="en-US" dirty="0" smtClean="0">
+                <a:solidFill>
+                  <a:srgbClr val="FFFF00"/>
+                </a:solidFill>
+              </a:rPr>
+              <a:t>中，主要是考虑到，这个</a:t>
+            </a:r>
+            <a:r>
+              <a:rPr lang="en-US" altLang="zh-CN" dirty="0" smtClean="0">
+                <a:solidFill>
+                  <a:srgbClr val="FFFF00"/>
+                </a:solidFill>
+              </a:rPr>
+              <a:t>marker</a:t>
+            </a:r>
+            <a:r>
+              <a:rPr lang="zh-CN" altLang="en-US" dirty="0" smtClean="0">
+                <a:solidFill>
+                  <a:srgbClr val="FFFF00"/>
+                </a:solidFill>
+              </a:rPr>
+              <a:t>需要在路径</a:t>
+            </a:r>
+            <a:r>
+              <a:rPr lang="en-US" altLang="zh-CN" dirty="0" smtClean="0">
+                <a:solidFill>
+                  <a:srgbClr val="FFFF00"/>
+                </a:solidFill>
+              </a:rPr>
+              <a:t>path</a:t>
+            </a:r>
+            <a:r>
+              <a:rPr lang="zh-CN" altLang="en-US" dirty="0" smtClean="0">
+                <a:solidFill>
+                  <a:srgbClr val="FFFF00"/>
+                </a:solidFill>
+              </a:rPr>
+              <a:t>（矢量图形）之上，又要在</a:t>
+            </a:r>
+            <a:r>
+              <a:rPr lang="en-US" altLang="zh-CN" dirty="0" err="1" smtClean="0">
+                <a:solidFill>
+                  <a:srgbClr val="FFFF00"/>
+                </a:solidFill>
+              </a:rPr>
+              <a:t>infowindow</a:t>
+            </a:r>
+            <a:r>
+              <a:rPr lang="zh-CN" altLang="en-US" dirty="0" smtClean="0">
+                <a:solidFill>
+                  <a:srgbClr val="FFFF00"/>
+                </a:solidFill>
+              </a:rPr>
+              <a:t>之下，又有点击等鼠标事件。</a:t>
+            </a:r>
+            <a:endParaRPr lang="zh-CN" altLang="en-US" dirty="0">
+              <a:solidFill>
+                <a:srgbClr val="FFFF00"/>
+              </a:solidFill>
+            </a:endParaRPr>
+          </a:p>
+        </p:txBody>
+      </p:sp>
+    </p:spTree>
+    <p:custDataLst>
+      <p:tags r:id="rId1"/>
+    </p:custDataLst>
+  </p:cSld>
+  <p:clrMapOvr>
+    <a:masterClrMapping/>
+  </p:clrMapOvr>
+  <p:transition/>
+  <p:timing>
+    <p:tnLst>
+      <p:par>
+        <p:cTn id="1" dur="indefinite" restart="never" nodeType="tmRoot"/>
+      </p:par>
+    </p:tnLst>
+  </p:timing>
+</p:sld>
+</file>
+
+<file path=ppt/slides/slide9.xml><?xml version="1.0" encoding="utf-8"?>
+<p:sld xmlns:a="http://schemas.openxmlformats.org/drawingml/2006/main" xmlns:r="http://schemas.openxmlformats.org/officeDocument/2006/relationships" xmlns:p="http://schemas.openxmlformats.org/presentationml/2006/main">
+  <p:cSld>
+    <p:spTree>
+      <p:nvGrpSpPr>
+        <p:cNvPr id="1" name=""/>
+        <p:cNvGrpSpPr/>
+        <p:nvPr/>
+      </p:nvGrpSpPr>
+      <p:grpSpPr>
+        <a:xfrm>
+          <a:off x="0" y="0"/>
+          <a:ext cx="0" cy="0"/>
+          <a:chOff x="0" y="0"/>
+          <a:chExt cx="0" cy="0"/>
+        </a:xfrm>
+      </p:grpSpPr>
       <p:pic>
         <p:nvPicPr>
-          <p:cNvPr id="6" name="图片 5"/>
+          <p:cNvPr id="3" name="图片 2"/>
           <p:cNvPicPr>
             <a:picLocks noChangeAspect="1"/>
           </p:cNvPicPr>
@@ -3917,166 +6332,24 @@
         </p:blipFill>
         <p:spPr>
           <a:xfrm>
-            <a:off x="3422015" y="1796415"/>
-            <a:ext cx="1999615" cy="1891665"/>
+            <a:off x="1835696" y="470120"/>
+            <a:ext cx="6465396" cy="4147047"/>
           </a:xfrm>
           <a:prstGeom prst="rect">
             <a:avLst/>
           </a:prstGeom>
         </p:spPr>
       </p:pic>
-      <p:pic>
-        <p:nvPicPr>
-          <p:cNvPr id="7" name="图片 6"/>
-          <p:cNvPicPr>
-            <a:picLocks noChangeAspect="1"/>
-          </p:cNvPicPr>
-          <p:nvPr/>
-        </p:nvPicPr>
-        <p:blipFill>
-          <a:blip r:embed="rId4"/>
-          <a:stretch>
-            <a:fillRect/>
-          </a:stretch>
-        </p:blipFill>
-        <p:spPr>
-          <a:xfrm>
-            <a:off x="5803265" y="2611120"/>
-            <a:ext cx="2857500" cy="2190750"/>
-          </a:xfrm>
-          <a:prstGeom prst="rect">
-            <a:avLst/>
-          </a:prstGeom>
-        </p:spPr>
-      </p:pic>
-    </p:spTree>
-    <p:custDataLst>
-      <p:tags r:id="rId5"/>
-    </p:custDataLst>
-  </p:cSld>
-  <p:clrMapOvr>
-    <a:masterClrMapping/>
-  </p:clrMapOvr>
-  <p:transition/>
-</p:sld>
-</file>
-
-<file path=ppt/slides/slide7.xml><?xml version="1.0" encoding="utf-8"?>
-<p:sld xmlns:a="http://schemas.openxmlformats.org/drawingml/2006/main" xmlns:r="http://schemas.openxmlformats.org/officeDocument/2006/relationships" xmlns:p="http://schemas.openxmlformats.org/presentationml/2006/main">
-  <p:cSld>
-    <p:spTree>
-      <p:nvGrpSpPr>
-        <p:cNvPr id="1" name=""/>
-        <p:cNvGrpSpPr/>
-        <p:nvPr/>
-      </p:nvGrpSpPr>
-      <p:grpSpPr/>
-      <p:pic>
-        <p:nvPicPr>
-          <p:cNvPr id="3" name="图片 2"/>
-          <p:cNvPicPr>
-            <a:picLocks noChangeAspect="1"/>
-          </p:cNvPicPr>
-          <p:nvPr/>
-        </p:nvPicPr>
-        <p:blipFill>
-          <a:blip r:embed="rId1"/>
-          <a:stretch>
-            <a:fillRect/>
-          </a:stretch>
-        </p:blipFill>
-        <p:spPr>
-          <a:xfrm>
-            <a:off x="1490345" y="594995"/>
-            <a:ext cx="6162675" cy="3952875"/>
-          </a:xfrm>
-          <a:prstGeom prst="rect">
-            <a:avLst/>
-          </a:prstGeom>
-        </p:spPr>
-      </p:pic>
-    </p:spTree>
-    <p:custDataLst>
-      <p:tags r:id="rId2"/>
-    </p:custDataLst>
-  </p:cSld>
-  <p:clrMapOvr>
-    <a:masterClrMapping/>
-  </p:clrMapOvr>
-  <p:transition/>
-</p:sld>
-</file>
-
-<file path=ppt/slides/slide8.xml><?xml version="1.0" encoding="utf-8"?>
-<p:sld xmlns:a="http://schemas.openxmlformats.org/drawingml/2006/main" xmlns:r="http://schemas.openxmlformats.org/officeDocument/2006/relationships" xmlns:p="http://schemas.openxmlformats.org/presentationml/2006/main">
-  <p:cSld>
-    <p:spTree>
-      <p:nvGrpSpPr>
-        <p:cNvPr id="1" name=""/>
-        <p:cNvGrpSpPr/>
-        <p:nvPr/>
-      </p:nvGrpSpPr>
-      <p:grpSpPr/>
-      <p:pic>
-        <p:nvPicPr>
-          <p:cNvPr id="2" name="图片 1"/>
-          <p:cNvPicPr>
-            <a:picLocks noChangeAspect="1"/>
-          </p:cNvPicPr>
-          <p:nvPr>
-            <p:custDataLst>
-              <p:tags r:id="rId1"/>
-            </p:custDataLst>
-          </p:nvPr>
-        </p:nvPicPr>
-        <p:blipFill>
-          <a:blip r:embed="rId2"/>
-          <a:stretch>
-            <a:fillRect/>
-          </a:stretch>
-        </p:blipFill>
-        <p:spPr>
-          <a:xfrm>
-            <a:off x="1428750" y="628650"/>
-            <a:ext cx="6286500" cy="3886200"/>
-          </a:xfrm>
-          <a:prstGeom prst="rect">
-            <a:avLst/>
-          </a:prstGeom>
-        </p:spPr>
-      </p:pic>
-    </p:spTree>
-    <p:custDataLst>
-      <p:tags r:id="rId3"/>
-    </p:custDataLst>
-  </p:cSld>
-  <p:clrMapOvr>
-    <a:masterClrMapping/>
-  </p:clrMapOvr>
-  <p:transition/>
-</p:sld>
-</file>
-
-<file path=ppt/slides/slide9.xml><?xml version="1.0" encoding="utf-8"?>
-<p:sld xmlns:a="http://schemas.openxmlformats.org/drawingml/2006/main" xmlns:r="http://schemas.openxmlformats.org/officeDocument/2006/relationships" xmlns:p="http://schemas.openxmlformats.org/presentationml/2006/main">
-  <p:cSld>
-    <p:spTree>
-      <p:nvGrpSpPr>
-        <p:cNvPr id="1" name=""/>
-        <p:cNvGrpSpPr/>
-        <p:nvPr/>
-      </p:nvGrpSpPr>
-      <p:grpSpPr/>
       <p:sp>
         <p:nvSpPr>
-          <p:cNvPr id="2" name="文本框 1"/>
+          <p:cNvPr id="4" name="文本框 3"/>
           <p:cNvSpPr txBox="1"/>
           <p:nvPr/>
         </p:nvSpPr>
         <p:spPr>
           <a:xfrm>
-            <a:off x="337185" y="438785"/>
-            <a:ext cx="8483600" cy="3491865"/>
+            <a:off x="231774" y="177732"/>
+            <a:ext cx="2396009" cy="292388"/>
           </a:xfrm>
           <a:prstGeom prst="rect">
             <a:avLst/>
@@ -4087,294 +6360,17 @@
           <a:bodyPr wrap="square" rtlCol="0">
             <a:spAutoFit/>
           </a:bodyPr>
-          <a:p>
-            <a:r>
-              <a:rPr lang="zh-CN" altLang="en-US"/>
-              <a:t>这些对象代表了不同的覆盖物容器元素，它们之间存在着覆盖关系，最上一层为floatPane，用于显示信息窗口内容。</a:t>
-            </a:r>
-            <a:endParaRPr lang="zh-CN" altLang="en-US"/>
-          </a:p>
-          <a:p>
-            <a:r>
-              <a:rPr lang="zh-CN" altLang="en-US"/>
-              <a:t>层级关系依次是</a:t>
-            </a:r>
-            <a:r>
-              <a:rPr lang="en-US" altLang="zh-CN"/>
-              <a:t>:</a:t>
-            </a:r>
-            <a:endParaRPr lang="en-US" altLang="zh-CN"/>
-          </a:p>
-          <a:p>
-            <a:endParaRPr lang="zh-CN" altLang="en-US">
-              <a:sym typeface="+mn-ea"/>
-            </a:endParaRPr>
-          </a:p>
-          <a:p>
-            <a:r>
-              <a:rPr lang="zh-CN" altLang="en-US">
-                <a:sym typeface="+mn-ea"/>
-              </a:rPr>
-              <a:t>   信息窗口内容 </a:t>
-            </a:r>
-            <a:r>
-              <a:rPr lang="en-US" altLang="zh-CN">
-                <a:sym typeface="+mn-ea"/>
-              </a:rPr>
-              <a:t>&gt; </a:t>
-            </a:r>
-            <a:r>
-              <a:rPr lang="zh-CN" altLang="en-US"/>
-              <a:t>标注点击区域层 </a:t>
-            </a:r>
-            <a:r>
-              <a:rPr lang="en-US" altLang="zh-CN"/>
-              <a:t>&gt; </a:t>
-            </a:r>
-            <a:r>
-              <a:rPr lang="zh-CN" altLang="en-US"/>
-              <a:t>信息窗口阴影层 </a:t>
-            </a:r>
-            <a:r>
-              <a:rPr lang="en-US" altLang="zh-CN">
-                <a:sym typeface="+mn-ea"/>
-              </a:rPr>
-              <a:t>&gt; </a:t>
-            </a:r>
-            <a:r>
-              <a:rPr lang="zh-CN" altLang="en-US"/>
-              <a:t>文本标注层 </a:t>
-            </a:r>
-            <a:r>
-              <a:rPr lang="en-US" altLang="zh-CN">
-                <a:sym typeface="+mn-ea"/>
-              </a:rPr>
-              <a:t>&gt; </a:t>
-            </a:r>
-            <a:r>
-              <a:rPr lang="zh-CN" altLang="en-US"/>
-              <a:t>标注层 </a:t>
-            </a:r>
-            <a:r>
-              <a:rPr lang="en-US" altLang="zh-CN">
-                <a:sym typeface="+mn-ea"/>
-              </a:rPr>
-              <a:t>&gt; </a:t>
-            </a:r>
-            <a:r>
-              <a:rPr lang="zh-CN" altLang="en-US"/>
-              <a:t>矢量图形层</a:t>
-            </a:r>
-            <a:endParaRPr lang="zh-CN" altLang="en-US"/>
-          </a:p>
-          <a:p>
-            <a:r>
-              <a:rPr lang="zh-CN" altLang="en-US"/>
-              <a:t>     floatPane </a:t>
-            </a:r>
-            <a:r>
-              <a:rPr lang="en-US" altLang="zh-CN"/>
-              <a:t>&gt; </a:t>
-            </a:r>
-            <a:r>
-              <a:rPr lang="zh-CN" altLang="en-US"/>
-              <a:t>markerMouseTarget </a:t>
-            </a:r>
-            <a:r>
-              <a:rPr lang="en-US" altLang="zh-CN"/>
-              <a:t>&gt; </a:t>
-            </a:r>
-            <a:r>
-              <a:rPr lang="zh-CN" altLang="en-US"/>
-              <a:t>floatShadow </a:t>
-            </a:r>
-            <a:r>
-              <a:rPr lang="en-US" altLang="zh-CN"/>
-              <a:t>&gt; </a:t>
-            </a:r>
-            <a:r>
-              <a:rPr lang="zh-CN" altLang="en-US"/>
-              <a:t>labelPane </a:t>
-            </a:r>
-            <a:r>
-              <a:rPr lang="en-US" altLang="zh-CN"/>
-              <a:t>&gt; </a:t>
-            </a:r>
-            <a:r>
-              <a:rPr lang="zh-CN" altLang="en-US"/>
-              <a:t>markerPane </a:t>
-            </a:r>
-            <a:r>
-              <a:rPr lang="en-US" altLang="zh-CN"/>
-              <a:t>&gt; </a:t>
-            </a:r>
-            <a:r>
-              <a:rPr lang="zh-CN" altLang="en-US"/>
-              <a:t>mapPane</a:t>
-            </a:r>
-            <a:endParaRPr lang="zh-CN" altLang="en-US"/>
-          </a:p>
-          <a:p>
-            <a:endParaRPr lang="zh-CN" altLang="en-US"/>
-          </a:p>
-          <a:p>
-            <a:r>
-              <a:rPr lang="zh-CN" altLang="en-US"/>
-              <a:t>我们自定义的覆盖物可以添加到任意图层上，如</a:t>
-            </a:r>
-            <a:r>
-              <a:rPr lang="en-US" altLang="zh-CN"/>
-              <a:t>tmx</a:t>
-            </a:r>
-            <a:r>
-              <a:rPr lang="zh-CN" altLang="en-US"/>
-              <a:t>项目中，我们选择将自定义覆盖物（</a:t>
-            </a:r>
-            <a:r>
-              <a:rPr lang="en-US" altLang="zh-CN">
-                <a:sym typeface="+mn-ea"/>
-              </a:rPr>
-              <a:t>cluster</a:t>
-            </a:r>
-            <a:r>
-              <a:rPr lang="zh-CN" altLang="en-US"/>
-              <a:t>点聚合）添加到markerPane上，作为其一个子结点，它将会添加到对应的容器元素中并拥有相应层级（</a:t>
-            </a:r>
-            <a:r>
-              <a:rPr lang="en-US" altLang="zh-CN"/>
-              <a:t>zindex</a:t>
-            </a:r>
-            <a:r>
-              <a:rPr lang="zh-CN" altLang="en-US"/>
-              <a:t>）。</a:t>
-            </a:r>
-            <a:endParaRPr lang="zh-CN" altLang="en-US"/>
-          </a:p>
-          <a:p>
-            <a:endParaRPr lang="en-US" altLang="zh-CN"/>
-          </a:p>
-          <a:p>
-            <a:r>
-              <a:rPr lang="zh-CN" altLang="en-US"/>
-              <a:t>自定义覆盖物要素：</a:t>
-            </a:r>
-            <a:endParaRPr lang="zh-CN" altLang="en-US"/>
-          </a:p>
-          <a:p>
-            <a:pPr lvl="1"/>
-            <a:r>
-              <a:rPr lang="en-US" altLang="zh-CN"/>
-              <a:t>1</a:t>
-            </a:r>
-            <a:r>
-              <a:rPr lang="zh-CN" altLang="en-US"/>
-              <a:t>、定义构造函数并继承</a:t>
-            </a:r>
-            <a:r>
-              <a:rPr lang="en-US" altLang="zh-CN"/>
-              <a:t>overlay</a:t>
-            </a:r>
-            <a:r>
-              <a:rPr lang="zh-CN" altLang="en-US"/>
-              <a:t>基础类；</a:t>
-            </a:r>
-            <a:endParaRPr lang="zh-CN" altLang="en-US"/>
-          </a:p>
-          <a:p>
-            <a:pPr lvl="1"/>
-            <a:r>
-              <a:rPr lang="en-US" altLang="zh-CN"/>
-              <a:t>2</a:t>
-            </a:r>
-            <a:r>
-              <a:rPr lang="zh-CN" altLang="en-US"/>
-              <a:t>、提供initialize方法，用于</a:t>
-            </a:r>
-            <a:r>
-              <a:rPr lang="zh-CN" altLang="en-US">
-                <a:sym typeface="+mn-ea"/>
-              </a:rPr>
-              <a:t>初始化</a:t>
-            </a:r>
-            <a:r>
-              <a:rPr lang="zh-CN" altLang="en-US"/>
-              <a:t>自定义覆盖物，</a:t>
-            </a:r>
-            <a:r>
-              <a:rPr lang="zh-CN" altLang="en-US">
-                <a:sym typeface="+mn-ea"/>
-              </a:rPr>
-              <a:t>在</a:t>
-            </a:r>
-            <a:r>
-              <a:rPr lang="en-US" altLang="zh-CN">
-                <a:sym typeface="+mn-ea"/>
-              </a:rPr>
-              <a:t>map.addOverlay</a:t>
-            </a:r>
-            <a:r>
-              <a:rPr lang="zh-CN" altLang="en-US">
-                <a:sym typeface="+mn-ea"/>
-              </a:rPr>
-              <a:t>时触发；</a:t>
-            </a:r>
-            <a:endParaRPr lang="zh-CN" altLang="en-US"/>
-          </a:p>
-          <a:p>
-            <a:pPr lvl="1"/>
-            <a:r>
-              <a:rPr lang="en-US" altLang="zh-CN"/>
+          <a:lstStyle/>
+          <a:p>
+            <a:r>
+              <a:rPr lang="en-US" altLang="zh-CN" dirty="0" smtClean="0"/>
               <a:t>3</a:t>
             </a:r>
             <a:r>
-              <a:rPr lang="zh-CN" altLang="en-US"/>
-              <a:t>、</a:t>
-            </a:r>
-            <a:r>
-              <a:rPr lang="zh-CN" altLang="en-US">
-                <a:sym typeface="+mn-ea"/>
-              </a:rPr>
-              <a:t>提供</a:t>
-            </a:r>
-            <a:r>
-              <a:rPr lang="en-US" altLang="zh-CN">
-                <a:sym typeface="+mn-ea"/>
-              </a:rPr>
-              <a:t>draw</a:t>
-            </a:r>
-            <a:r>
-              <a:rPr lang="zh-CN" altLang="en-US">
-                <a:sym typeface="+mn-ea"/>
-              </a:rPr>
-              <a:t>方法，用于绘制自定义覆盖物位置，在地图发生变化（移动、缩放）时触发；</a:t>
-            </a:r>
-            <a:endParaRPr lang="zh-CN" altLang="en-US">
-              <a:sym typeface="+mn-ea"/>
-            </a:endParaRPr>
-          </a:p>
-          <a:p>
-            <a:pPr lvl="1"/>
-            <a:r>
-              <a:rPr lang="en-US" altLang="zh-CN"/>
-              <a:t>4</a:t>
-            </a:r>
-            <a:r>
-              <a:rPr lang="zh-CN" altLang="en-US"/>
-              <a:t>、添加覆盖物map.addOverlay(mySquare);</a:t>
-            </a:r>
-            <a:endParaRPr lang="zh-CN" altLang="en-US"/>
-          </a:p>
-          <a:p>
-            <a:pPr lvl="1"/>
-            <a:endParaRPr lang="zh-CN" altLang="en-US"/>
-          </a:p>
-          <a:p>
-            <a:pPr lvl="1"/>
-            <a:r>
-              <a:rPr lang="zh-CN" altLang="en-US"/>
-              <a:t>http://lbsyun.baidu.com/jsdemo.htm#c1_11</a:t>
-            </a:r>
-            <a:endParaRPr lang="zh-CN" altLang="en-US"/>
+              <a:rPr lang="zh-CN" altLang="en-US" dirty="0" smtClean="0"/>
+              <a:t>、覆盖物共同点：</a:t>
+            </a:r>
+            <a:endParaRPr lang="zh-CN" altLang="en-US" dirty="0"/>
           </a:p>
         </p:txBody>
       </p:sp>
@@ -4387,11 +6383,63 @@
     <a:masterClrMapping/>
   </p:clrMapOvr>
   <p:transition/>
+  <p:timing>
+    <p:tnLst>
+      <p:par>
+        <p:cTn id="1" dur="indefinite" restart="never" nodeType="tmRoot"/>
+      </p:par>
+    </p:tnLst>
+  </p:timing>
 </p:sld>
 </file>
 
 <file path=ppt/tags/tag1.xml><?xml version="1.0" encoding="utf-8"?>
-<p:tagLst xmlns:p="http://schemas.openxmlformats.org/presentationml/2006/main">
+<p:tagLst xmlns:a="http://schemas.openxmlformats.org/drawingml/2006/main" xmlns:r="http://schemas.openxmlformats.org/officeDocument/2006/relationships" xmlns:p="http://schemas.openxmlformats.org/presentationml/2006/main">
+  <p:tag name="KSO_WM_SLIDE_ID" val="diagram20191319_1"/>
+  <p:tag name="KSO_WM_SLIDE_ITEM_CNT" val="0"/>
+  <p:tag name="KSO_WM_SLIDE_INDEX" val="1"/>
+  <p:tag name="KSO_WM_TAG_VERSION" val="1.0"/>
+  <p:tag name="KSO_WM_BEAUTIFY_FLAG" val="#wm#"/>
+  <p:tag name="KSO_WM_TEMPLATE_CATEGORY" val="diagram"/>
+  <p:tag name="KSO_WM_TEMPLATE_INDEX" val="20191319"/>
+  <p:tag name="KSO_WM_SLIDE_LAYOUT" val="a_d_f"/>
+  <p:tag name="KSO_WM_SLIDE_LAYOUT_CNT" val="1_1_1"/>
+  <p:tag name="KSO_WM_SLIDE_TYPE" val="text"/>
+  <p:tag name="KSO_WM_SLIDE_SUBTYPE" val="picTxt"/>
+  <p:tag name="KSO_WM_SLIDE_SIZE" val="921*245"/>
+  <p:tag name="KSO_WM_SLIDE_POSITION" val="19*147"/>
+  <p:tag name="KSO_WM_SLIDE_CONSTRAINT" val="%7b%22slideConstraint%22%3a%7b%22seriesAreas%22%3a%5b%5d%2c%22singleAreas%22%3a%5b%7b%22shapes%22%3a%5b34%5d%2c%22serialConstraintIndex%22%3a-1%2c%22areatextmark%22%3a0%2c%22pictureprocessmark%22%3a0%7d%5d%7d%7d"/>
+  <p:tag name="KSO_WM_SLIDE_COLORSCHEME_VERSION" val="3.2"/>
+  <p:tag name="KSO_WM_SLIDE_BACKGROUND_SUBSTITUTE_COLOR" val="15921906"/>
+</p:tagLst>
+</file>
+
+<file path=ppt/tags/tag10.xml><?xml version="1.0" encoding="utf-8"?>
+<p:tagLst xmlns:a="http://schemas.openxmlformats.org/drawingml/2006/main" xmlns:r="http://schemas.openxmlformats.org/officeDocument/2006/relationships" xmlns:p="http://schemas.openxmlformats.org/presentationml/2006/main">
+  <p:tag name="KSO_WM_BEAUTIFY_FLAG" val="#wm#"/>
+  <p:tag name="KSO_WM_TEMPLATE_CATEGORY" val="diagram"/>
+  <p:tag name="KSO_WM_TEMPLATE_INDEX" val="20191319"/>
+</p:tagLst>
+</file>
+
+<file path=ppt/tags/tag11.xml><?xml version="1.0" encoding="utf-8"?>
+<p:tagLst xmlns:a="http://schemas.openxmlformats.org/drawingml/2006/main" xmlns:r="http://schemas.openxmlformats.org/officeDocument/2006/relationships" xmlns:p="http://schemas.openxmlformats.org/presentationml/2006/main">
+  <p:tag name="KSO_WM_BEAUTIFY_FLAG" val="#wm#"/>
+  <p:tag name="KSO_WM_TEMPLATE_CATEGORY" val="diagram"/>
+  <p:tag name="KSO_WM_TEMPLATE_INDEX" val="20191319"/>
+</p:tagLst>
+</file>
+
+<file path=ppt/tags/tag12.xml><?xml version="1.0" encoding="utf-8"?>
+<p:tagLst xmlns:a="http://schemas.openxmlformats.org/drawingml/2006/main" xmlns:r="http://schemas.openxmlformats.org/officeDocument/2006/relationships" xmlns:p="http://schemas.openxmlformats.org/presentationml/2006/main">
+  <p:tag name="KSO_WM_BEAUTIFY_FLAG" val="#wm#"/>
+  <p:tag name="KSO_WM_TEMPLATE_CATEGORY" val="diagram"/>
+  <p:tag name="KSO_WM_TEMPLATE_INDEX" val="20191319"/>
+</p:tagLst>
+</file>
+
+<file path=ppt/tags/tag2.xml><?xml version="1.0" encoding="utf-8"?>
+<p:tagLst xmlns:a="http://schemas.openxmlformats.org/drawingml/2006/main" xmlns:r="http://schemas.openxmlformats.org/officeDocument/2006/relationships" xmlns:p="http://schemas.openxmlformats.org/presentationml/2006/main">
   <p:tag name="KSO_WM_UNIT_ISCONTENTSTITLE" val="0"/>
   <p:tag name="KSO_WM_UNIT_PRESET_TEXT" val="单击添加大标题"/>
   <p:tag name="KSO_WM_UNIT_TEXT_PART_ID" val="1-X"/>
@@ -4415,53 +6463,8 @@
 </p:tagLst>
 </file>
 
-<file path=ppt/tags/tag10.xml><?xml version="1.0" encoding="utf-8"?>
-<p:tagLst xmlns:p="http://schemas.openxmlformats.org/presentationml/2006/main">
-  <p:tag name="KSO_WM_BEAUTIFY_FLAG" val="#wm#"/>
-  <p:tag name="KSO_WM_TEMPLATE_CATEGORY" val="diagram"/>
-  <p:tag name="KSO_WM_TEMPLATE_INDEX" val="20191319"/>
-</p:tagLst>
-</file>
-
-<file path=ppt/tags/tag11.xml><?xml version="1.0" encoding="utf-8"?>
-<p:tagLst xmlns:p="http://schemas.openxmlformats.org/presentationml/2006/main">
-  <p:tag name="KSO_WM_BEAUTIFY_FLAG" val="#wm#"/>
-  <p:tag name="KSO_WM_TEMPLATE_CATEGORY" val="diagram"/>
-  <p:tag name="KSO_WM_TEMPLATE_INDEX" val="20191319"/>
-</p:tagLst>
-</file>
-
-<file path=ppt/tags/tag12.xml><?xml version="1.0" encoding="utf-8"?>
-<p:tagLst xmlns:p="http://schemas.openxmlformats.org/presentationml/2006/main">
-  <p:tag name="KSO_WM_BEAUTIFY_FLAG" val="#wm#"/>
-  <p:tag name="KSO_WM_TEMPLATE_CATEGORY" val="diagram"/>
-  <p:tag name="KSO_WM_TEMPLATE_INDEX" val="20191319"/>
-</p:tagLst>
-</file>
-
-<file path=ppt/tags/tag2.xml><?xml version="1.0" encoding="utf-8"?>
-<p:tagLst xmlns:p="http://schemas.openxmlformats.org/presentationml/2006/main">
-  <p:tag name="KSO_WM_SLIDE_ID" val="diagram20191319_1"/>
-  <p:tag name="KSO_WM_SLIDE_ITEM_CNT" val="0"/>
-  <p:tag name="KSO_WM_SLIDE_INDEX" val="1"/>
-  <p:tag name="KSO_WM_TAG_VERSION" val="1.0"/>
-  <p:tag name="KSO_WM_BEAUTIFY_FLAG" val="#wm#"/>
-  <p:tag name="KSO_WM_TEMPLATE_CATEGORY" val="diagram"/>
-  <p:tag name="KSO_WM_TEMPLATE_INDEX" val="20191319"/>
-  <p:tag name="KSO_WM_SLIDE_LAYOUT" val="a_d_f"/>
-  <p:tag name="KSO_WM_SLIDE_LAYOUT_CNT" val="1_1_1"/>
-  <p:tag name="KSO_WM_SLIDE_TYPE" val="text"/>
-  <p:tag name="KSO_WM_SLIDE_SUBTYPE" val="picTxt"/>
-  <p:tag name="KSO_WM_SLIDE_SIZE" val="921*245"/>
-  <p:tag name="KSO_WM_SLIDE_POSITION" val="19*147"/>
-  <p:tag name="KSO_WM_SLIDE_CONSTRAINT" val="%7b%22slideConstraint%22%3a%7b%22seriesAreas%22%3a%5b%5d%2c%22singleAreas%22%3a%5b%7b%22shapes%22%3a%5b34%5d%2c%22serialConstraintIndex%22%3a-1%2c%22areatextmark%22%3a0%2c%22pictureprocessmark%22%3a0%7d%5d%7d%7d"/>
-  <p:tag name="KSO_WM_SLIDE_COLORSCHEME_VERSION" val="3.2"/>
-  <p:tag name="KSO_WM_SLIDE_BACKGROUND_SUBSTITUTE_COLOR" val="15921906"/>
-</p:tagLst>
-</file>
-
 <file path=ppt/tags/tag3.xml><?xml version="1.0" encoding="utf-8"?>
-<p:tagLst xmlns:p="http://schemas.openxmlformats.org/presentationml/2006/main">
+<p:tagLst xmlns:a="http://schemas.openxmlformats.org/drawingml/2006/main" xmlns:r="http://schemas.openxmlformats.org/officeDocument/2006/relationships" xmlns:p="http://schemas.openxmlformats.org/presentationml/2006/main">
   <p:tag name="KSO_WM_BEAUTIFY_FLAG" val="#wm#"/>
   <p:tag name="KSO_WM_TEMPLATE_CATEGORY" val="diagram"/>
   <p:tag name="KSO_WM_TEMPLATE_INDEX" val="20191319"/>
@@ -4469,7 +6472,7 @@
 </file>
 
 <file path=ppt/tags/tag4.xml><?xml version="1.0" encoding="utf-8"?>
-<p:tagLst xmlns:p="http://schemas.openxmlformats.org/presentationml/2006/main">
+<p:tagLst xmlns:a="http://schemas.openxmlformats.org/drawingml/2006/main" xmlns:r="http://schemas.openxmlformats.org/officeDocument/2006/relationships" xmlns:p="http://schemas.openxmlformats.org/presentationml/2006/main">
   <p:tag name="KSO_WM_BEAUTIFY_FLAG" val="#wm#"/>
   <p:tag name="KSO_WM_TEMPLATE_CATEGORY" val="diagram"/>
   <p:tag name="KSO_WM_TEMPLATE_INDEX" val="20191319"/>
@@ -4477,7 +6480,7 @@
 </file>
 
 <file path=ppt/tags/tag5.xml><?xml version="1.0" encoding="utf-8"?>
-<p:tagLst xmlns:p="http://schemas.openxmlformats.org/presentationml/2006/main">
+<p:tagLst xmlns:a="http://schemas.openxmlformats.org/drawingml/2006/main" xmlns:r="http://schemas.openxmlformats.org/officeDocument/2006/relationships" xmlns:p="http://schemas.openxmlformats.org/presentationml/2006/main">
   <p:tag name="KSO_WM_BEAUTIFY_FLAG" val="#wm#"/>
   <p:tag name="KSO_WM_TEMPLATE_CATEGORY" val="diagram"/>
   <p:tag name="KSO_WM_TEMPLATE_INDEX" val="20191319"/>
@@ -4485,7 +6488,7 @@
 </file>
 
 <file path=ppt/tags/tag6.xml><?xml version="1.0" encoding="utf-8"?>
-<p:tagLst xmlns:p="http://schemas.openxmlformats.org/presentationml/2006/main">
+<p:tagLst xmlns:a="http://schemas.openxmlformats.org/drawingml/2006/main" xmlns:r="http://schemas.openxmlformats.org/officeDocument/2006/relationships" xmlns:p="http://schemas.openxmlformats.org/presentationml/2006/main">
   <p:tag name="KSO_WM_BEAUTIFY_FLAG" val="#wm#"/>
   <p:tag name="KSO_WM_TEMPLATE_CATEGORY" val="diagram"/>
   <p:tag name="KSO_WM_TEMPLATE_INDEX" val="20191319"/>
@@ -4493,7 +6496,7 @@
 </file>
 
 <file path=ppt/tags/tag7.xml><?xml version="1.0" encoding="utf-8"?>
-<p:tagLst xmlns:p="http://schemas.openxmlformats.org/presentationml/2006/main">
+<p:tagLst xmlns:a="http://schemas.openxmlformats.org/drawingml/2006/main" xmlns:r="http://schemas.openxmlformats.org/officeDocument/2006/relationships" xmlns:p="http://schemas.openxmlformats.org/presentationml/2006/main">
   <p:tag name="KSO_WM_BEAUTIFY_FLAG" val="#wm#"/>
   <p:tag name="KSO_WM_TEMPLATE_CATEGORY" val="diagram"/>
   <p:tag name="KSO_WM_TEMPLATE_INDEX" val="20191319"/>
@@ -4501,14 +6504,14 @@
 </file>
 
 <file path=ppt/tags/tag8.xml><?xml version="1.0" encoding="utf-8"?>
-<p:tagLst xmlns:p="http://schemas.openxmlformats.org/presentationml/2006/main">
+<p:tagLst xmlns:a="http://schemas.openxmlformats.org/drawingml/2006/main" xmlns:r="http://schemas.openxmlformats.org/officeDocument/2006/relationships" xmlns:p="http://schemas.openxmlformats.org/presentationml/2006/main">
   <p:tag name="REFSHAPE" val="1010939692"/>
   <p:tag name="KSO_WM_UNIT_PLACING_PICTURE_USER_VIEWPORT" val="{&quot;height&quot;:6120,&quot;width&quot;:9900}"/>
 </p:tagLst>
 </file>
 
 <file path=ppt/tags/tag9.xml><?xml version="1.0" encoding="utf-8"?>
-<p:tagLst xmlns:p="http://schemas.openxmlformats.org/presentationml/2006/main">
+<p:tagLst xmlns:a="http://schemas.openxmlformats.org/drawingml/2006/main" xmlns:r="http://schemas.openxmlformats.org/officeDocument/2006/relationships" xmlns:p="http://schemas.openxmlformats.org/presentationml/2006/main">
   <p:tag name="KSO_WM_BEAUTIFY_FLAG" val="#wm#"/>
   <p:tag name="KSO_WM_TEMPLATE_CATEGORY" val="diagram"/>
   <p:tag name="KSO_WM_TEMPLATE_INDEX" val="20191319"/>
@@ -4766,6 +6769,8 @@
       </a:bgFillStyleLst>
     </a:fmtScheme>
   </a:themeElements>
+  <a:objectDefaults/>
+  <a:extraClrSchemeLst/>
   <a:extLst>
     <a:ext uri="{05A4C25C-085E-4340-85A3-A5531E510DB2}">
       <thm15:themeFamily xmlns:thm15="http://schemas.microsoft.com/office/thememl/2012/main" name="Office Theme" id="{62F939B6-93AF-4DB8-9C6B-D6C7DFDC589F}" vid="{4A3C46E8-61CC-4603-A589-7422A47A8E4A}"/>
@@ -5025,6 +7030,8 @@
       </a:bgFillStyleLst>
     </a:fmtScheme>
   </a:themeElements>
+  <a:objectDefaults/>
+  <a:extraClrSchemeLst/>
   <a:extLst>
     <a:ext uri="{05A4C25C-085E-4340-85A3-A5531E510DB2}">
       <thm15:themeFamily xmlns:thm15="http://schemas.microsoft.com/office/thememl/2012/main" name="Office Theme" id="{62F939B6-93AF-4DB8-9C6B-D6C7DFDC589F}" vid="{4A3C46E8-61CC-4603-A589-7422A47A8E4A}"/>
@@ -5284,6 +7291,8 @@
       </a:bgFillStyleLst>
     </a:fmtScheme>
   </a:themeElements>
+  <a:objectDefaults/>
+  <a:extraClrSchemeLst/>
   <a:extLst>
     <a:ext uri="{05A4C25C-085E-4340-85A3-A5531E510DB2}">
       <thm15:themeFamily xmlns:thm15="http://schemas.microsoft.com/office/thememl/2012/main" name="Office Theme" id="{62F939B6-93AF-4DB8-9C6B-D6C7DFDC589F}" vid="{4A3C46E8-61CC-4603-A589-7422A47A8E4A}"/>
@@ -5543,6 +7552,8 @@
       </a:bgFillStyleLst>
     </a:fmtScheme>
   </a:themeElements>
+  <a:objectDefaults/>
+  <a:extraClrSchemeLst/>
   <a:extLst>
     <a:ext uri="{05A4C25C-085E-4340-85A3-A5531E510DB2}">
       <thm15:themeFamily xmlns:thm15="http://schemas.microsoft.com/office/thememl/2012/main" name="Office Theme" id="{62F939B6-93AF-4DB8-9C6B-D6C7DFDC589F}" vid="{4A3C46E8-61CC-4603-A589-7422A47A8E4A}"/>
